--- a/Диплом Грушевский.pptx
+++ b/Диплом Грушевский.pptx
@@ -9,13 +9,16 @@
     <p:sldId id="269" r:id="rId3"/>
     <p:sldId id="270" r:id="rId4"/>
     <p:sldId id="279" r:id="rId5"/>
-    <p:sldId id="271" r:id="rId6"/>
-    <p:sldId id="272" r:id="rId7"/>
-    <p:sldId id="273" r:id="rId8"/>
-    <p:sldId id="274" r:id="rId9"/>
-    <p:sldId id="275" r:id="rId10"/>
-    <p:sldId id="276" r:id="rId11"/>
-    <p:sldId id="277" r:id="rId12"/>
+    <p:sldId id="280" r:id="rId6"/>
+    <p:sldId id="281" r:id="rId7"/>
+    <p:sldId id="271" r:id="rId8"/>
+    <p:sldId id="282" r:id="rId9"/>
+    <p:sldId id="272" r:id="rId10"/>
+    <p:sldId id="273" r:id="rId11"/>
+    <p:sldId id="274" r:id="rId12"/>
+    <p:sldId id="275" r:id="rId13"/>
+    <p:sldId id="276" r:id="rId14"/>
+    <p:sldId id="277" r:id="rId15"/>
   </p:sldIdLst>
   <p:sldSz cx="12192000" cy="6858000"/>
   <p:notesSz cx="6858000" cy="9144000"/>
@@ -253,7 +256,7 @@
           <a:p>
             <a:fld id="{409B9282-B6AD-4209-A33A-BCD9F9ADEDA8}" type="datetimeFigureOut">
               <a:rPr lang="ru-RU" smtClean="0"/>
-              <a:t>24.05.2017</a:t>
+              <a:t>26.05.2017</a:t>
             </a:fld>
             <a:endParaRPr lang="ru-RU"/>
           </a:p>
@@ -423,7 +426,7 @@
           <a:p>
             <a:fld id="{409B9282-B6AD-4209-A33A-BCD9F9ADEDA8}" type="datetimeFigureOut">
               <a:rPr lang="ru-RU" smtClean="0"/>
-              <a:t>24.05.2017</a:t>
+              <a:t>26.05.2017</a:t>
             </a:fld>
             <a:endParaRPr lang="ru-RU"/>
           </a:p>
@@ -603,7 +606,7 @@
           <a:p>
             <a:fld id="{409B9282-B6AD-4209-A33A-BCD9F9ADEDA8}" type="datetimeFigureOut">
               <a:rPr lang="ru-RU" smtClean="0"/>
-              <a:t>24.05.2017</a:t>
+              <a:t>26.05.2017</a:t>
             </a:fld>
             <a:endParaRPr lang="ru-RU"/>
           </a:p>
@@ -773,7 +776,7 @@
           <a:p>
             <a:fld id="{409B9282-B6AD-4209-A33A-BCD9F9ADEDA8}" type="datetimeFigureOut">
               <a:rPr lang="ru-RU" smtClean="0"/>
-              <a:t>24.05.2017</a:t>
+              <a:t>26.05.2017</a:t>
             </a:fld>
             <a:endParaRPr lang="ru-RU"/>
           </a:p>
@@ -1019,7 +1022,7 @@
           <a:p>
             <a:fld id="{409B9282-B6AD-4209-A33A-BCD9F9ADEDA8}" type="datetimeFigureOut">
               <a:rPr lang="ru-RU" smtClean="0"/>
-              <a:t>24.05.2017</a:t>
+              <a:t>26.05.2017</a:t>
             </a:fld>
             <a:endParaRPr lang="ru-RU"/>
           </a:p>
@@ -1251,7 +1254,7 @@
           <a:p>
             <a:fld id="{409B9282-B6AD-4209-A33A-BCD9F9ADEDA8}" type="datetimeFigureOut">
               <a:rPr lang="ru-RU" smtClean="0"/>
-              <a:t>24.05.2017</a:t>
+              <a:t>26.05.2017</a:t>
             </a:fld>
             <a:endParaRPr lang="ru-RU"/>
           </a:p>
@@ -1618,7 +1621,7 @@
           <a:p>
             <a:fld id="{409B9282-B6AD-4209-A33A-BCD9F9ADEDA8}" type="datetimeFigureOut">
               <a:rPr lang="ru-RU" smtClean="0"/>
-              <a:t>24.05.2017</a:t>
+              <a:t>26.05.2017</a:t>
             </a:fld>
             <a:endParaRPr lang="ru-RU"/>
           </a:p>
@@ -1736,7 +1739,7 @@
           <a:p>
             <a:fld id="{409B9282-B6AD-4209-A33A-BCD9F9ADEDA8}" type="datetimeFigureOut">
               <a:rPr lang="ru-RU" smtClean="0"/>
-              <a:t>24.05.2017</a:t>
+              <a:t>26.05.2017</a:t>
             </a:fld>
             <a:endParaRPr lang="ru-RU"/>
           </a:p>
@@ -1831,7 +1834,7 @@
           <a:p>
             <a:fld id="{409B9282-B6AD-4209-A33A-BCD9F9ADEDA8}" type="datetimeFigureOut">
               <a:rPr lang="ru-RU" smtClean="0"/>
-              <a:t>24.05.2017</a:t>
+              <a:t>26.05.2017</a:t>
             </a:fld>
             <a:endParaRPr lang="ru-RU"/>
           </a:p>
@@ -2108,7 +2111,7 @@
           <a:p>
             <a:fld id="{409B9282-B6AD-4209-A33A-BCD9F9ADEDA8}" type="datetimeFigureOut">
               <a:rPr lang="ru-RU" smtClean="0"/>
-              <a:t>24.05.2017</a:t>
+              <a:t>26.05.2017</a:t>
             </a:fld>
             <a:endParaRPr lang="ru-RU"/>
           </a:p>
@@ -2361,7 +2364,7 @@
           <a:p>
             <a:fld id="{409B9282-B6AD-4209-A33A-BCD9F9ADEDA8}" type="datetimeFigureOut">
               <a:rPr lang="ru-RU" smtClean="0"/>
-              <a:t>24.05.2017</a:t>
+              <a:t>26.05.2017</a:t>
             </a:fld>
             <a:endParaRPr lang="ru-RU"/>
           </a:p>
@@ -2574,7 +2577,7 @@
           <a:p>
             <a:fld id="{409B9282-B6AD-4209-A33A-BCD9F9ADEDA8}" type="datetimeFigureOut">
               <a:rPr lang="ru-RU" smtClean="0"/>
-              <a:t>24.05.2017</a:t>
+              <a:t>26.05.2017</a:t>
             </a:fld>
             <a:endParaRPr lang="ru-RU"/>
           </a:p>
@@ -5299,100 +5302,7 @@
               <a:rPr lang="ru-RU" altLang="ru-RU" sz="3600" dirty="0">
                 <a:latin typeface="Times New Roman" panose="02020603050405020304" pitchFamily="18" charset="0"/>
               </a:rPr>
-              <a:t>Заключение</a:t>
-            </a:r>
-          </a:p>
-        </p:txBody>
-      </p:sp>
-      <p:sp>
-        <p:nvSpPr>
-          <p:cNvPr id="3085" name="Rectangle 13"/>
-          <p:cNvSpPr>
-            <a:spLocks noGrp="1" noChangeArrowheads="1"/>
-          </p:cNvSpPr>
-          <p:nvPr>
-            <p:ph type="subTitle" idx="1"/>
-          </p:nvPr>
-        </p:nvSpPr>
-        <p:spPr>
-          <a:xfrm>
-            <a:off x="1828800" y="2133600"/>
-            <a:ext cx="8458200" cy="3352800"/>
-          </a:xfrm>
-        </p:spPr>
-        <p:txBody>
-          <a:bodyPr/>
-          <a:lstStyle/>
-          <a:p>
-            <a:pPr marL="609600" indent="-609600" algn="l">
-              <a:buFontTx/>
-              <a:buChar char="•"/>
-            </a:pPr>
-            <a:r>
-              <a:rPr lang="ru-RU" altLang="ru-RU" sz="2000" dirty="0" smtClean="0">
-                <a:latin typeface="Times New Roman" panose="02020603050405020304" pitchFamily="18" charset="0"/>
-              </a:rPr>
-              <a:t>Была </a:t>
-            </a:r>
-            <a:r>
-              <a:rPr lang="ru-RU" altLang="ru-RU" sz="2000" dirty="0">
-                <a:latin typeface="Times New Roman" panose="02020603050405020304" pitchFamily="18" charset="0"/>
-              </a:rPr>
-              <a:t>проверена практическая зрелость методологии создания прогрессивных </a:t>
-            </a:r>
-            <a:r>
-              <a:rPr lang="ru-RU" altLang="ru-RU" sz="2000" dirty="0" smtClean="0">
-                <a:latin typeface="Times New Roman" panose="02020603050405020304" pitchFamily="18" charset="0"/>
-              </a:rPr>
-              <a:t>веб-приложений</a:t>
-            </a:r>
-            <a:endParaRPr lang="en-US" altLang="ru-RU" sz="2000" dirty="0" smtClean="0">
-              <a:latin typeface="Times New Roman" panose="02020603050405020304" pitchFamily="18" charset="0"/>
-            </a:endParaRPr>
-          </a:p>
-          <a:p>
-            <a:pPr marL="609600" indent="-609600" algn="l">
-              <a:buFontTx/>
-              <a:buChar char="•"/>
-            </a:pPr>
-            <a:r>
-              <a:rPr lang="ru-RU" altLang="ru-RU" sz="2000" dirty="0" smtClean="0">
-                <a:latin typeface="Times New Roman" panose="02020603050405020304" pitchFamily="18" charset="0"/>
-              </a:rPr>
-              <a:t>Проанализирован </a:t>
-            </a:r>
-            <a:r>
-              <a:rPr lang="ru-RU" altLang="ru-RU" sz="2000" dirty="0">
-                <a:latin typeface="Times New Roman" panose="02020603050405020304" pitchFamily="18" charset="0"/>
-              </a:rPr>
-              <a:t>функционал существующих веб и нативных приложений-ежедневников, и выработан функционал, требуемый для тестового </a:t>
-            </a:r>
-            <a:r>
-              <a:rPr lang="ru-RU" altLang="ru-RU" sz="2000" dirty="0" smtClean="0">
-                <a:latin typeface="Times New Roman" panose="02020603050405020304" pitchFamily="18" charset="0"/>
-              </a:rPr>
-              <a:t>приложения</a:t>
-            </a:r>
-            <a:endParaRPr lang="en-US" altLang="ru-RU" sz="2000" dirty="0" smtClean="0">
-              <a:latin typeface="Times New Roman" panose="02020603050405020304" pitchFamily="18" charset="0"/>
-            </a:endParaRPr>
-          </a:p>
-          <a:p>
-            <a:pPr marL="609600" indent="-609600" algn="l">
-              <a:buFontTx/>
-              <a:buChar char="•"/>
-            </a:pPr>
-            <a:r>
-              <a:rPr lang="ru-RU" altLang="ru-RU" sz="2000" dirty="0" smtClean="0">
-                <a:latin typeface="Times New Roman" panose="02020603050405020304" pitchFamily="18" charset="0"/>
-              </a:rPr>
-              <a:t>Было </a:t>
-            </a:r>
-            <a:r>
-              <a:rPr lang="ru-RU" altLang="ru-RU" sz="2000" dirty="0">
-                <a:latin typeface="Times New Roman" panose="02020603050405020304" pitchFamily="18" charset="0"/>
-              </a:rPr>
-              <a:t>создано приложение, использующее технологии ПВП, а также проведен анализ его эффективности</a:t>
+              <a:t>Архитектура</a:t>
             </a:r>
           </a:p>
         </p:txBody>
@@ -5575,10 +5485,768 @@
           </a:p>
         </p:txBody>
       </p:sp>
+      <p:sp>
+        <p:nvSpPr>
+          <p:cNvPr id="2" name="Прямоугольник 1"/>
+          <p:cNvSpPr/>
+          <p:nvPr/>
+        </p:nvSpPr>
+        <p:spPr>
+          <a:xfrm>
+            <a:off x="1524001" y="2329541"/>
+            <a:ext cx="4371702" cy="3361509"/>
+          </a:xfrm>
+          <a:prstGeom prst="rect">
+            <a:avLst/>
+          </a:prstGeom>
+        </p:spPr>
+        <p:style>
+          <a:lnRef idx="2">
+            <a:schemeClr val="dk1"/>
+          </a:lnRef>
+          <a:fillRef idx="1">
+            <a:schemeClr val="lt1"/>
+          </a:fillRef>
+          <a:effectRef idx="0">
+            <a:schemeClr val="dk1"/>
+          </a:effectRef>
+          <a:fontRef idx="minor">
+            <a:schemeClr val="dk1"/>
+          </a:fontRef>
+        </p:style>
+        <p:txBody>
+          <a:bodyPr rtlCol="0" anchor="ctr"/>
+          <a:lstStyle/>
+          <a:p>
+            <a:pPr algn="ctr"/>
+            <a:r>
+              <a:rPr lang="ru-RU" sz="2000" dirty="0" smtClean="0">
+                <a:latin typeface="Times New Roman" panose="02020603050405020304" pitchFamily="18" charset="0"/>
+                <a:cs typeface="Times New Roman" panose="02020603050405020304" pitchFamily="18" charset="0"/>
+              </a:rPr>
+              <a:t>Клиент – </a:t>
+            </a:r>
+            <a:r>
+              <a:rPr lang="en-US" sz="2000" dirty="0" smtClean="0">
+                <a:latin typeface="Times New Roman" panose="02020603050405020304" pitchFamily="18" charset="0"/>
+                <a:cs typeface="Times New Roman" panose="02020603050405020304" pitchFamily="18" charset="0"/>
+              </a:rPr>
+              <a:t>Web-</a:t>
+            </a:r>
+            <a:r>
+              <a:rPr lang="ru-RU" sz="2000" dirty="0" smtClean="0">
+                <a:latin typeface="Times New Roman" panose="02020603050405020304" pitchFamily="18" charset="0"/>
+                <a:cs typeface="Times New Roman" panose="02020603050405020304" pitchFamily="18" charset="0"/>
+              </a:rPr>
+              <a:t>браузер</a:t>
+            </a:r>
+          </a:p>
+          <a:p>
+            <a:pPr algn="ctr"/>
+            <a:endParaRPr lang="ru-RU" sz="2000" dirty="0" smtClean="0">
+              <a:latin typeface="Times New Roman" panose="02020603050405020304" pitchFamily="18" charset="0"/>
+              <a:cs typeface="Times New Roman" panose="02020603050405020304" pitchFamily="18" charset="0"/>
+            </a:endParaRPr>
+          </a:p>
+          <a:p>
+            <a:pPr algn="ctr"/>
+            <a:endParaRPr lang="ru-RU" sz="2000" dirty="0">
+              <a:latin typeface="Times New Roman" panose="02020603050405020304" pitchFamily="18" charset="0"/>
+              <a:cs typeface="Times New Roman" panose="02020603050405020304" pitchFamily="18" charset="0"/>
+            </a:endParaRPr>
+          </a:p>
+          <a:p>
+            <a:pPr algn="ctr"/>
+            <a:endParaRPr lang="ru-RU" sz="2000" dirty="0" smtClean="0">
+              <a:latin typeface="Times New Roman" panose="02020603050405020304" pitchFamily="18" charset="0"/>
+              <a:cs typeface="Times New Roman" panose="02020603050405020304" pitchFamily="18" charset="0"/>
+            </a:endParaRPr>
+          </a:p>
+          <a:p>
+            <a:pPr algn="ctr"/>
+            <a:endParaRPr lang="ru-RU" sz="2000" dirty="0">
+              <a:latin typeface="Times New Roman" panose="02020603050405020304" pitchFamily="18" charset="0"/>
+              <a:cs typeface="Times New Roman" panose="02020603050405020304" pitchFamily="18" charset="0"/>
+            </a:endParaRPr>
+          </a:p>
+          <a:p>
+            <a:pPr algn="ctr"/>
+            <a:endParaRPr lang="ru-RU" sz="2000" dirty="0" smtClean="0">
+              <a:latin typeface="Times New Roman" panose="02020603050405020304" pitchFamily="18" charset="0"/>
+              <a:cs typeface="Times New Roman" panose="02020603050405020304" pitchFamily="18" charset="0"/>
+            </a:endParaRPr>
+          </a:p>
+          <a:p>
+            <a:pPr algn="ctr"/>
+            <a:endParaRPr lang="ru-RU" sz="2000" dirty="0">
+              <a:latin typeface="Times New Roman" panose="02020603050405020304" pitchFamily="18" charset="0"/>
+              <a:cs typeface="Times New Roman" panose="02020603050405020304" pitchFamily="18" charset="0"/>
+            </a:endParaRPr>
+          </a:p>
+          <a:p>
+            <a:pPr algn="ctr"/>
+            <a:endParaRPr lang="ru-RU" sz="2000" dirty="0" smtClean="0">
+              <a:latin typeface="Times New Roman" panose="02020603050405020304" pitchFamily="18" charset="0"/>
+              <a:cs typeface="Times New Roman" panose="02020603050405020304" pitchFamily="18" charset="0"/>
+            </a:endParaRPr>
+          </a:p>
+          <a:p>
+            <a:pPr algn="ctr"/>
+            <a:endParaRPr lang="ru-RU" sz="2000" dirty="0">
+              <a:latin typeface="Times New Roman" panose="02020603050405020304" pitchFamily="18" charset="0"/>
+              <a:cs typeface="Times New Roman" panose="02020603050405020304" pitchFamily="18" charset="0"/>
+            </a:endParaRPr>
+          </a:p>
+          <a:p>
+            <a:pPr algn="ctr"/>
+            <a:endParaRPr lang="ru-RU" sz="2000" dirty="0" smtClean="0">
+              <a:latin typeface="Times New Roman" panose="02020603050405020304" pitchFamily="18" charset="0"/>
+              <a:cs typeface="Times New Roman" panose="02020603050405020304" pitchFamily="18" charset="0"/>
+            </a:endParaRPr>
+          </a:p>
+          <a:p>
+            <a:pPr algn="ctr"/>
+            <a:endParaRPr lang="ru-RU" sz="2000" dirty="0">
+              <a:latin typeface="Times New Roman" panose="02020603050405020304" pitchFamily="18" charset="0"/>
+              <a:cs typeface="Times New Roman" panose="02020603050405020304" pitchFamily="18" charset="0"/>
+            </a:endParaRPr>
+          </a:p>
+        </p:txBody>
+      </p:sp>
+      <p:sp>
+        <p:nvSpPr>
+          <p:cNvPr id="3" name="Прямоугольник 2"/>
+          <p:cNvSpPr/>
+          <p:nvPr/>
+        </p:nvSpPr>
+        <p:spPr>
+          <a:xfrm>
+            <a:off x="1833563" y="2952205"/>
+            <a:ext cx="1573668" cy="914400"/>
+          </a:xfrm>
+          <a:prstGeom prst="rect">
+            <a:avLst/>
+          </a:prstGeom>
+        </p:spPr>
+        <p:style>
+          <a:lnRef idx="2">
+            <a:schemeClr val="dk1"/>
+          </a:lnRef>
+          <a:fillRef idx="1">
+            <a:schemeClr val="lt1"/>
+          </a:fillRef>
+          <a:effectRef idx="0">
+            <a:schemeClr val="dk1"/>
+          </a:effectRef>
+          <a:fontRef idx="minor">
+            <a:schemeClr val="dk1"/>
+          </a:fontRef>
+        </p:style>
+        <p:txBody>
+          <a:bodyPr rtlCol="0" anchor="ctr"/>
+          <a:lstStyle/>
+          <a:p>
+            <a:pPr algn="ctr"/>
+            <a:r>
+              <a:rPr lang="en-US" dirty="0" smtClean="0">
+                <a:latin typeface="Times New Roman" panose="02020603050405020304" pitchFamily="18" charset="0"/>
+                <a:cs typeface="Times New Roman" panose="02020603050405020304" pitchFamily="18" charset="0"/>
+              </a:rPr>
+              <a:t>HTML-</a:t>
+            </a:r>
+            <a:r>
+              <a:rPr lang="ru-RU" dirty="0" smtClean="0">
+                <a:latin typeface="Times New Roman" panose="02020603050405020304" pitchFamily="18" charset="0"/>
+                <a:cs typeface="Times New Roman" panose="02020603050405020304" pitchFamily="18" charset="0"/>
+              </a:rPr>
+              <a:t>страница</a:t>
+            </a:r>
+            <a:endParaRPr lang="ru-RU" dirty="0">
+              <a:latin typeface="Times New Roman" panose="02020603050405020304" pitchFamily="18" charset="0"/>
+              <a:cs typeface="Times New Roman" panose="02020603050405020304" pitchFamily="18" charset="0"/>
+            </a:endParaRPr>
+          </a:p>
+        </p:txBody>
+      </p:sp>
+      <p:sp>
+        <p:nvSpPr>
+          <p:cNvPr id="11" name="Прямоугольник 10"/>
+          <p:cNvSpPr/>
+          <p:nvPr/>
+        </p:nvSpPr>
+        <p:spPr>
+          <a:xfrm>
+            <a:off x="3851367" y="2952205"/>
+            <a:ext cx="1600200" cy="914400"/>
+          </a:xfrm>
+          <a:prstGeom prst="rect">
+            <a:avLst/>
+          </a:prstGeom>
+        </p:spPr>
+        <p:style>
+          <a:lnRef idx="2">
+            <a:schemeClr val="dk1"/>
+          </a:lnRef>
+          <a:fillRef idx="1">
+            <a:schemeClr val="lt1"/>
+          </a:fillRef>
+          <a:effectRef idx="0">
+            <a:schemeClr val="dk1"/>
+          </a:effectRef>
+          <a:fontRef idx="minor">
+            <a:schemeClr val="dk1"/>
+          </a:fontRef>
+        </p:style>
+        <p:txBody>
+          <a:bodyPr rtlCol="0" anchor="ctr"/>
+          <a:lstStyle/>
+          <a:p>
+            <a:pPr algn="ctr"/>
+            <a:r>
+              <a:rPr lang="en-US" dirty="0" smtClean="0">
+                <a:latin typeface="Times New Roman" panose="02020603050405020304" pitchFamily="18" charset="0"/>
+                <a:cs typeface="Times New Roman" panose="02020603050405020304" pitchFamily="18" charset="0"/>
+              </a:rPr>
+              <a:t>Service worker</a:t>
+            </a:r>
+            <a:endParaRPr lang="ru-RU" dirty="0">
+              <a:latin typeface="Times New Roman" panose="02020603050405020304" pitchFamily="18" charset="0"/>
+              <a:cs typeface="Times New Roman" panose="02020603050405020304" pitchFamily="18" charset="0"/>
+            </a:endParaRPr>
+          </a:p>
+        </p:txBody>
+      </p:sp>
+      <p:sp>
+        <p:nvSpPr>
+          <p:cNvPr id="12" name="Прямоугольник 11"/>
+          <p:cNvSpPr/>
+          <p:nvPr/>
+        </p:nvSpPr>
+        <p:spPr>
+          <a:xfrm>
+            <a:off x="3842659" y="4362993"/>
+            <a:ext cx="1600200" cy="914400"/>
+          </a:xfrm>
+          <a:prstGeom prst="rect">
+            <a:avLst/>
+          </a:prstGeom>
+        </p:spPr>
+        <p:style>
+          <a:lnRef idx="2">
+            <a:schemeClr val="dk1"/>
+          </a:lnRef>
+          <a:fillRef idx="1">
+            <a:schemeClr val="lt1"/>
+          </a:fillRef>
+          <a:effectRef idx="0">
+            <a:schemeClr val="dk1"/>
+          </a:effectRef>
+          <a:fontRef idx="minor">
+            <a:schemeClr val="dk1"/>
+          </a:fontRef>
+        </p:style>
+        <p:txBody>
+          <a:bodyPr rtlCol="0" anchor="ctr"/>
+          <a:lstStyle/>
+          <a:p>
+            <a:pPr algn="ctr"/>
+            <a:r>
+              <a:rPr lang="en-US" dirty="0" smtClean="0">
+                <a:latin typeface="Times New Roman" panose="02020603050405020304" pitchFamily="18" charset="0"/>
+                <a:cs typeface="Times New Roman" panose="02020603050405020304" pitchFamily="18" charset="0"/>
+              </a:rPr>
+              <a:t>Cache</a:t>
+            </a:r>
+            <a:endParaRPr lang="ru-RU" dirty="0">
+              <a:latin typeface="Times New Roman" panose="02020603050405020304" pitchFamily="18" charset="0"/>
+              <a:cs typeface="Times New Roman" panose="02020603050405020304" pitchFamily="18" charset="0"/>
+            </a:endParaRPr>
+          </a:p>
+        </p:txBody>
+      </p:sp>
+      <p:sp>
+        <p:nvSpPr>
+          <p:cNvPr id="13" name="Прямоугольник 12"/>
+          <p:cNvSpPr/>
+          <p:nvPr/>
+        </p:nvSpPr>
+        <p:spPr>
+          <a:xfrm>
+            <a:off x="6970125" y="2329542"/>
+            <a:ext cx="2973976" cy="3361509"/>
+          </a:xfrm>
+          <a:prstGeom prst="rect">
+            <a:avLst/>
+          </a:prstGeom>
+        </p:spPr>
+        <p:style>
+          <a:lnRef idx="2">
+            <a:schemeClr val="dk1"/>
+          </a:lnRef>
+          <a:fillRef idx="1">
+            <a:schemeClr val="lt1"/>
+          </a:fillRef>
+          <a:effectRef idx="0">
+            <a:schemeClr val="dk1"/>
+          </a:effectRef>
+          <a:fontRef idx="minor">
+            <a:schemeClr val="dk1"/>
+          </a:fontRef>
+        </p:style>
+        <p:txBody>
+          <a:bodyPr rtlCol="0" anchor="ctr"/>
+          <a:lstStyle/>
+          <a:p>
+            <a:pPr algn="ctr"/>
+            <a:r>
+              <a:rPr lang="ru-RU" sz="2000" dirty="0" smtClean="0">
+                <a:latin typeface="Times New Roman" panose="02020603050405020304" pitchFamily="18" charset="0"/>
+                <a:cs typeface="Times New Roman" panose="02020603050405020304" pitchFamily="18" charset="0"/>
+              </a:rPr>
+              <a:t>Сервер</a:t>
+            </a:r>
+          </a:p>
+          <a:p>
+            <a:pPr algn="ctr"/>
+            <a:endParaRPr lang="ru-RU" sz="2000" dirty="0" smtClean="0">
+              <a:latin typeface="Times New Roman" panose="02020603050405020304" pitchFamily="18" charset="0"/>
+              <a:cs typeface="Times New Roman" panose="02020603050405020304" pitchFamily="18" charset="0"/>
+            </a:endParaRPr>
+          </a:p>
+          <a:p>
+            <a:pPr algn="ctr"/>
+            <a:endParaRPr lang="ru-RU" sz="2000" dirty="0">
+              <a:latin typeface="Times New Roman" panose="02020603050405020304" pitchFamily="18" charset="0"/>
+              <a:cs typeface="Times New Roman" panose="02020603050405020304" pitchFamily="18" charset="0"/>
+            </a:endParaRPr>
+          </a:p>
+          <a:p>
+            <a:pPr algn="ctr"/>
+            <a:endParaRPr lang="ru-RU" sz="2000" dirty="0" smtClean="0">
+              <a:latin typeface="Times New Roman" panose="02020603050405020304" pitchFamily="18" charset="0"/>
+              <a:cs typeface="Times New Roman" panose="02020603050405020304" pitchFamily="18" charset="0"/>
+            </a:endParaRPr>
+          </a:p>
+          <a:p>
+            <a:pPr algn="ctr"/>
+            <a:endParaRPr lang="ru-RU" sz="2000" dirty="0">
+              <a:latin typeface="Times New Roman" panose="02020603050405020304" pitchFamily="18" charset="0"/>
+              <a:cs typeface="Times New Roman" panose="02020603050405020304" pitchFamily="18" charset="0"/>
+            </a:endParaRPr>
+          </a:p>
+          <a:p>
+            <a:pPr algn="ctr"/>
+            <a:endParaRPr lang="ru-RU" sz="2000" dirty="0" smtClean="0">
+              <a:latin typeface="Times New Roman" panose="02020603050405020304" pitchFamily="18" charset="0"/>
+              <a:cs typeface="Times New Roman" panose="02020603050405020304" pitchFamily="18" charset="0"/>
+            </a:endParaRPr>
+          </a:p>
+          <a:p>
+            <a:pPr algn="ctr"/>
+            <a:endParaRPr lang="ru-RU" sz="2000" dirty="0">
+              <a:latin typeface="Times New Roman" panose="02020603050405020304" pitchFamily="18" charset="0"/>
+              <a:cs typeface="Times New Roman" panose="02020603050405020304" pitchFamily="18" charset="0"/>
+            </a:endParaRPr>
+          </a:p>
+          <a:p>
+            <a:pPr algn="ctr"/>
+            <a:endParaRPr lang="ru-RU" sz="2000" dirty="0" smtClean="0">
+              <a:latin typeface="Times New Roman" panose="02020603050405020304" pitchFamily="18" charset="0"/>
+              <a:cs typeface="Times New Roman" panose="02020603050405020304" pitchFamily="18" charset="0"/>
+            </a:endParaRPr>
+          </a:p>
+          <a:p>
+            <a:pPr algn="ctr"/>
+            <a:endParaRPr lang="ru-RU" sz="2000" dirty="0">
+              <a:latin typeface="Times New Roman" panose="02020603050405020304" pitchFamily="18" charset="0"/>
+              <a:cs typeface="Times New Roman" panose="02020603050405020304" pitchFamily="18" charset="0"/>
+            </a:endParaRPr>
+          </a:p>
+          <a:p>
+            <a:pPr algn="ctr"/>
+            <a:endParaRPr lang="ru-RU" sz="2000" dirty="0" smtClean="0">
+              <a:latin typeface="Times New Roman" panose="02020603050405020304" pitchFamily="18" charset="0"/>
+              <a:cs typeface="Times New Roman" panose="02020603050405020304" pitchFamily="18" charset="0"/>
+            </a:endParaRPr>
+          </a:p>
+          <a:p>
+            <a:pPr algn="ctr"/>
+            <a:endParaRPr lang="ru-RU" sz="2000" dirty="0">
+              <a:latin typeface="Times New Roman" panose="02020603050405020304" pitchFamily="18" charset="0"/>
+              <a:cs typeface="Times New Roman" panose="02020603050405020304" pitchFamily="18" charset="0"/>
+            </a:endParaRPr>
+          </a:p>
+        </p:txBody>
+      </p:sp>
+      <p:sp>
+        <p:nvSpPr>
+          <p:cNvPr id="16" name="Прямоугольник 15"/>
+          <p:cNvSpPr/>
+          <p:nvPr/>
+        </p:nvSpPr>
+        <p:spPr>
+          <a:xfrm>
+            <a:off x="7543800" y="2952205"/>
+            <a:ext cx="1905000" cy="914400"/>
+          </a:xfrm>
+          <a:prstGeom prst="rect">
+            <a:avLst/>
+          </a:prstGeom>
+        </p:spPr>
+        <p:style>
+          <a:lnRef idx="2">
+            <a:schemeClr val="dk1"/>
+          </a:lnRef>
+          <a:fillRef idx="1">
+            <a:schemeClr val="lt1"/>
+          </a:fillRef>
+          <a:effectRef idx="0">
+            <a:schemeClr val="dk1"/>
+          </a:effectRef>
+          <a:fontRef idx="minor">
+            <a:schemeClr val="dk1"/>
+          </a:fontRef>
+        </p:style>
+        <p:txBody>
+          <a:bodyPr rtlCol="0" anchor="ctr"/>
+          <a:lstStyle/>
+          <a:p>
+            <a:pPr algn="ctr"/>
+            <a:r>
+              <a:rPr lang="en-US" dirty="0" smtClean="0">
+                <a:latin typeface="Times New Roman" panose="02020603050405020304" pitchFamily="18" charset="0"/>
+                <a:cs typeface="Times New Roman" panose="02020603050405020304" pitchFamily="18" charset="0"/>
+              </a:rPr>
+              <a:t>Node.js</a:t>
+            </a:r>
+            <a:endParaRPr lang="ru-RU" dirty="0">
+              <a:latin typeface="Times New Roman" panose="02020603050405020304" pitchFamily="18" charset="0"/>
+              <a:cs typeface="Times New Roman" panose="02020603050405020304" pitchFamily="18" charset="0"/>
+            </a:endParaRPr>
+          </a:p>
+        </p:txBody>
+      </p:sp>
+      <p:sp>
+        <p:nvSpPr>
+          <p:cNvPr id="17" name="Прямоугольник 16"/>
+          <p:cNvSpPr/>
+          <p:nvPr/>
+        </p:nvSpPr>
+        <p:spPr>
+          <a:xfrm>
+            <a:off x="7543800" y="4321628"/>
+            <a:ext cx="1905000" cy="914400"/>
+          </a:xfrm>
+          <a:prstGeom prst="rect">
+            <a:avLst/>
+          </a:prstGeom>
+        </p:spPr>
+        <p:style>
+          <a:lnRef idx="2">
+            <a:schemeClr val="dk1"/>
+          </a:lnRef>
+          <a:fillRef idx="1">
+            <a:schemeClr val="lt1"/>
+          </a:fillRef>
+          <a:effectRef idx="0">
+            <a:schemeClr val="dk1"/>
+          </a:effectRef>
+          <a:fontRef idx="minor">
+            <a:schemeClr val="dk1"/>
+          </a:fontRef>
+        </p:style>
+        <p:txBody>
+          <a:bodyPr rtlCol="0" anchor="ctr"/>
+          <a:lstStyle/>
+          <a:p>
+            <a:pPr algn="ctr"/>
+            <a:r>
+              <a:rPr lang="en-US" dirty="0" smtClean="0">
+                <a:latin typeface="Times New Roman" panose="02020603050405020304" pitchFamily="18" charset="0"/>
+                <a:cs typeface="Times New Roman" panose="02020603050405020304" pitchFamily="18" charset="0"/>
+              </a:rPr>
+              <a:t>MongoDB</a:t>
+            </a:r>
+            <a:endParaRPr lang="ru-RU" dirty="0">
+              <a:latin typeface="Times New Roman" panose="02020603050405020304" pitchFamily="18" charset="0"/>
+              <a:cs typeface="Times New Roman" panose="02020603050405020304" pitchFamily="18" charset="0"/>
+            </a:endParaRPr>
+          </a:p>
+        </p:txBody>
+      </p:sp>
+      <p:cxnSp>
+        <p:nvCxnSpPr>
+          <p:cNvPr id="5" name="Прямая со стрелкой 4"/>
+          <p:cNvCxnSpPr>
+            <a:stCxn id="3" idx="3"/>
+            <a:endCxn id="11" idx="1"/>
+          </p:cNvCxnSpPr>
+          <p:nvPr/>
+        </p:nvCxnSpPr>
+        <p:spPr>
+          <a:xfrm>
+            <a:off x="3407231" y="3409405"/>
+            <a:ext cx="444136" cy="0"/>
+          </a:xfrm>
+          <a:prstGeom prst="straightConnector1">
+            <a:avLst/>
+          </a:prstGeom>
+          <a:ln>
+            <a:headEnd type="triangle"/>
+            <a:tailEnd type="triangle"/>
+          </a:ln>
+        </p:spPr>
+        <p:style>
+          <a:lnRef idx="1">
+            <a:schemeClr val="dk1"/>
+          </a:lnRef>
+          <a:fillRef idx="0">
+            <a:schemeClr val="dk1"/>
+          </a:fillRef>
+          <a:effectRef idx="0">
+            <a:schemeClr val="dk1"/>
+          </a:effectRef>
+          <a:fontRef idx="minor">
+            <a:schemeClr val="tx1"/>
+          </a:fontRef>
+        </p:style>
+      </p:cxnSp>
+      <p:cxnSp>
+        <p:nvCxnSpPr>
+          <p:cNvPr id="20" name="Прямая со стрелкой 19"/>
+          <p:cNvCxnSpPr>
+            <a:stCxn id="11" idx="2"/>
+            <a:endCxn id="12" idx="0"/>
+          </p:cNvCxnSpPr>
+          <p:nvPr/>
+        </p:nvCxnSpPr>
+        <p:spPr>
+          <a:xfrm flipH="1">
+            <a:off x="4642759" y="3866605"/>
+            <a:ext cx="8708" cy="496388"/>
+          </a:xfrm>
+          <a:prstGeom prst="straightConnector1">
+            <a:avLst/>
+          </a:prstGeom>
+          <a:ln>
+            <a:prstDash val="dash"/>
+            <a:headEnd type="triangle"/>
+            <a:tailEnd type="triangle"/>
+          </a:ln>
+        </p:spPr>
+        <p:style>
+          <a:lnRef idx="1">
+            <a:schemeClr val="dk1"/>
+          </a:lnRef>
+          <a:fillRef idx="0">
+            <a:schemeClr val="dk1"/>
+          </a:fillRef>
+          <a:effectRef idx="0">
+            <a:schemeClr val="dk1"/>
+          </a:effectRef>
+          <a:fontRef idx="minor">
+            <a:schemeClr val="tx1"/>
+          </a:fontRef>
+        </p:style>
+      </p:cxnSp>
+      <p:cxnSp>
+        <p:nvCxnSpPr>
+          <p:cNvPr id="23" name="Прямая со стрелкой 22"/>
+          <p:cNvCxnSpPr>
+            <a:stCxn id="11" idx="3"/>
+            <a:endCxn id="16" idx="1"/>
+          </p:cNvCxnSpPr>
+          <p:nvPr/>
+        </p:nvCxnSpPr>
+        <p:spPr>
+          <a:xfrm>
+            <a:off x="5451567" y="3409405"/>
+            <a:ext cx="2092233" cy="0"/>
+          </a:xfrm>
+          <a:prstGeom prst="straightConnector1">
+            <a:avLst/>
+          </a:prstGeom>
+          <a:ln>
+            <a:prstDash val="dash"/>
+            <a:headEnd type="triangle"/>
+            <a:tailEnd type="triangle"/>
+          </a:ln>
+        </p:spPr>
+        <p:style>
+          <a:lnRef idx="1">
+            <a:schemeClr val="dk1"/>
+          </a:lnRef>
+          <a:fillRef idx="0">
+            <a:schemeClr val="dk1"/>
+          </a:fillRef>
+          <a:effectRef idx="0">
+            <a:schemeClr val="dk1"/>
+          </a:effectRef>
+          <a:fontRef idx="minor">
+            <a:schemeClr val="tx1"/>
+          </a:fontRef>
+        </p:style>
+      </p:cxnSp>
+      <p:cxnSp>
+        <p:nvCxnSpPr>
+          <p:cNvPr id="26" name="Прямая со стрелкой 25"/>
+          <p:cNvCxnSpPr>
+            <a:stCxn id="17" idx="0"/>
+            <a:endCxn id="16" idx="2"/>
+          </p:cNvCxnSpPr>
+          <p:nvPr/>
+        </p:nvCxnSpPr>
+        <p:spPr>
+          <a:xfrm flipV="1">
+            <a:off x="8496300" y="3866605"/>
+            <a:ext cx="0" cy="455023"/>
+          </a:xfrm>
+          <a:prstGeom prst="straightConnector1">
+            <a:avLst/>
+          </a:prstGeom>
+          <a:ln>
+            <a:headEnd type="triangle"/>
+            <a:tailEnd type="triangle"/>
+          </a:ln>
+        </p:spPr>
+        <p:style>
+          <a:lnRef idx="1">
+            <a:schemeClr val="dk1"/>
+          </a:lnRef>
+          <a:fillRef idx="0">
+            <a:schemeClr val="dk1"/>
+          </a:fillRef>
+          <a:effectRef idx="0">
+            <a:schemeClr val="dk1"/>
+          </a:effectRef>
+          <a:fontRef idx="minor">
+            <a:schemeClr val="tx1"/>
+          </a:fontRef>
+        </p:style>
+      </p:cxnSp>
+      <p:sp>
+        <p:nvSpPr>
+          <p:cNvPr id="19" name="TextBox 18"/>
+          <p:cNvSpPr txBox="1"/>
+          <p:nvPr/>
+        </p:nvSpPr>
+        <p:spPr>
+          <a:xfrm>
+            <a:off x="5903479" y="2952205"/>
+            <a:ext cx="1066646" cy="369332"/>
+          </a:xfrm>
+          <a:prstGeom prst="rect">
+            <a:avLst/>
+          </a:prstGeom>
+          <a:noFill/>
+        </p:spPr>
+        <p:txBody>
+          <a:bodyPr wrap="square" rtlCol="0">
+            <a:spAutoFit/>
+          </a:bodyPr>
+          <a:lstStyle/>
+          <a:p>
+            <a:pPr algn="ctr"/>
+            <a:r>
+              <a:rPr lang="en-US" dirty="0" smtClean="0">
+                <a:latin typeface="Times New Roman" panose="02020603050405020304" pitchFamily="18" charset="0"/>
+                <a:cs typeface="Times New Roman" panose="02020603050405020304" pitchFamily="18" charset="0"/>
+              </a:rPr>
+              <a:t>HTTPS</a:t>
+            </a:r>
+            <a:endParaRPr lang="ru-RU" dirty="0">
+              <a:latin typeface="Times New Roman" panose="02020603050405020304" pitchFamily="18" charset="0"/>
+              <a:cs typeface="Times New Roman" panose="02020603050405020304" pitchFamily="18" charset="0"/>
+            </a:endParaRPr>
+          </a:p>
+        </p:txBody>
+      </p:sp>
+      <p:pic>
+        <p:nvPicPr>
+          <p:cNvPr id="3074" name="Picture 2" descr="Картинки по запросу db"/>
+          <p:cNvPicPr>
+            <a:picLocks noChangeAspect="1" noChangeArrowheads="1"/>
+          </p:cNvPicPr>
+          <p:nvPr/>
+        </p:nvPicPr>
+        <p:blipFill>
+          <a:blip r:embed="rId3" cstate="print">
+            <a:extLst>
+              <a:ext uri="{28A0092B-C50C-407E-A947-70E740481C1C}">
+                <a14:useLocalDpi xmlns:a14="http://schemas.microsoft.com/office/drawing/2010/main" val="0"/>
+              </a:ext>
+            </a:extLst>
+          </a:blip>
+          <a:srcRect/>
+          <a:stretch>
+            <a:fillRect/>
+          </a:stretch>
+        </p:blipFill>
+        <p:spPr bwMode="auto">
+          <a:xfrm>
+            <a:off x="3817983" y="4551950"/>
+            <a:ext cx="536484" cy="536484"/>
+          </a:xfrm>
+          <a:prstGeom prst="rect">
+            <a:avLst/>
+          </a:prstGeom>
+          <a:noFill/>
+          <a:extLst>
+            <a:ext uri="{909E8E84-426E-40DD-AFC4-6F175D3DCCD1}">
+              <a14:hiddenFill xmlns:a14="http://schemas.microsoft.com/office/drawing/2010/main">
+                <a:solidFill>
+                  <a:srgbClr val="FFFFFF"/>
+                </a:solidFill>
+              </a14:hiddenFill>
+            </a:ext>
+          </a:extLst>
+        </p:spPr>
+      </p:pic>
+      <p:pic>
+        <p:nvPicPr>
+          <p:cNvPr id="39" name="Picture 2" descr="Картинки по запросу db"/>
+          <p:cNvPicPr>
+            <a:picLocks noChangeAspect="1" noChangeArrowheads="1"/>
+          </p:cNvPicPr>
+          <p:nvPr/>
+        </p:nvPicPr>
+        <p:blipFill>
+          <a:blip r:embed="rId3" cstate="print">
+            <a:extLst>
+              <a:ext uri="{28A0092B-C50C-407E-A947-70E740481C1C}">
+                <a14:useLocalDpi xmlns:a14="http://schemas.microsoft.com/office/drawing/2010/main" val="0"/>
+              </a:ext>
+            </a:extLst>
+          </a:blip>
+          <a:srcRect/>
+          <a:stretch>
+            <a:fillRect/>
+          </a:stretch>
+        </p:blipFill>
+        <p:spPr bwMode="auto">
+          <a:xfrm>
+            <a:off x="7525114" y="4551950"/>
+            <a:ext cx="536484" cy="536484"/>
+          </a:xfrm>
+          <a:prstGeom prst="rect">
+            <a:avLst/>
+          </a:prstGeom>
+          <a:noFill/>
+          <a:extLst>
+            <a:ext uri="{909E8E84-426E-40DD-AFC4-6F175D3DCCD1}">
+              <a14:hiddenFill xmlns:a14="http://schemas.microsoft.com/office/drawing/2010/main">
+                <a:solidFill>
+                  <a:srgbClr val="FFFFFF"/>
+                </a:solidFill>
+              </a14:hiddenFill>
+            </a:ext>
+          </a:extLst>
+        </p:spPr>
+      </p:pic>
     </p:spTree>
     <p:extLst>
       <p:ext uri="{BB962C8B-B14F-4D97-AF65-F5344CB8AC3E}">
-        <p14:creationId xmlns:p14="http://schemas.microsoft.com/office/powerpoint/2010/main" val="677905570"/>
+        <p14:creationId xmlns:p14="http://schemas.microsoft.com/office/powerpoint/2010/main" val="932438031"/>
       </p:ext>
     </p:extLst>
   </p:cSld>
@@ -6201,57 +6869,11 @@
           <a:bodyPr anchor="ctr"/>
           <a:lstStyle/>
           <a:p>
-            <a:endParaRPr lang="ru-RU" altLang="ru-RU" sz="3600" dirty="0">
-              <a:latin typeface="Times New Roman" panose="02020603050405020304" pitchFamily="18" charset="0"/>
-            </a:endParaRPr>
-          </a:p>
-        </p:txBody>
-      </p:sp>
-      <p:sp>
-        <p:nvSpPr>
-          <p:cNvPr id="3085" name="Rectangle 13"/>
-          <p:cNvSpPr>
-            <a:spLocks noGrp="1" noChangeArrowheads="1"/>
-          </p:cNvSpPr>
-          <p:nvPr>
-            <p:ph type="subTitle" idx="1"/>
-          </p:nvPr>
-        </p:nvSpPr>
-        <p:spPr>
-          <a:xfrm>
-            <a:off x="1828800" y="2133600"/>
-            <a:ext cx="8458200" cy="3352800"/>
-          </a:xfrm>
-        </p:spPr>
-        <p:txBody>
-          <a:bodyPr>
-            <a:normAutofit/>
-          </a:bodyPr>
-          <a:lstStyle/>
-          <a:p>
-            <a:pPr algn="l"/>
-            <a:endParaRPr lang="en-US" altLang="ru-RU" sz="3200" dirty="0" smtClean="0">
-              <a:latin typeface="Times New Roman" panose="02020603050405020304" pitchFamily="18" charset="0"/>
-            </a:endParaRPr>
-          </a:p>
-          <a:p>
-            <a:pPr algn="l"/>
-            <a:endParaRPr lang="en-US" altLang="ru-RU" sz="3200" dirty="0" smtClean="0">
-              <a:latin typeface="Times New Roman" panose="02020603050405020304" pitchFamily="18" charset="0"/>
-            </a:endParaRPr>
-          </a:p>
-          <a:p>
-            <a:r>
-              <a:rPr lang="ru-RU" altLang="ru-RU" sz="3200" dirty="0" smtClean="0">
+            <a:r>
+              <a:rPr lang="ru-RU" altLang="ru-RU" sz="3600" dirty="0">
                 <a:latin typeface="Times New Roman" panose="02020603050405020304" pitchFamily="18" charset="0"/>
               </a:rPr>
-              <a:t>Спасибо </a:t>
-            </a:r>
-            <a:r>
-              <a:rPr lang="ru-RU" altLang="ru-RU" sz="3200" dirty="0">
-                <a:latin typeface="Times New Roman" panose="02020603050405020304" pitchFamily="18" charset="0"/>
-              </a:rPr>
-              <a:t>за внимание</a:t>
+              <a:t>Результаты тестирования</a:t>
             </a:r>
           </a:p>
         </p:txBody>
@@ -6422,6 +7044,3485 @@
                 <a:buSzPct val="25000"/>
               </a:pPr>
               <a:t>11</a:t>
+            </a:fld>
+            <a:endParaRPr lang="ru-RU" altLang="ru-RU" sz="1200" dirty="0">
+              <a:solidFill>
+                <a:srgbClr val="888888"/>
+              </a:solidFill>
+              <a:latin typeface="Calibri" panose="020F0502020204030204" pitchFamily="34" charset="0"/>
+              <a:cs typeface="Calibri" panose="020F0502020204030204" pitchFamily="34" charset="0"/>
+              <a:sym typeface="Calibri" panose="020F0502020204030204" pitchFamily="34" charset="0"/>
+            </a:endParaRPr>
+          </a:p>
+        </p:txBody>
+      </p:sp>
+      <p:graphicFrame>
+        <p:nvGraphicFramePr>
+          <p:cNvPr id="9" name="Объект 3"/>
+          <p:cNvGraphicFramePr>
+            <a:graphicFrameLocks/>
+          </p:cNvGraphicFramePr>
+          <p:nvPr>
+            <p:extLst>
+              <p:ext uri="{D42A27DB-BD31-4B8C-83A1-F6EECF244321}">
+                <p14:modId xmlns:p14="http://schemas.microsoft.com/office/powerpoint/2010/main" val="3186582750"/>
+              </p:ext>
+            </p:extLst>
+          </p:nvPr>
+        </p:nvGraphicFramePr>
+        <p:xfrm>
+          <a:off x="1524000" y="1825625"/>
+          <a:ext cx="8382001" cy="3134360"/>
+        </p:xfrm>
+        <a:graphic>
+          <a:graphicData uri="http://schemas.openxmlformats.org/drawingml/2006/table">
+            <a:tbl>
+              <a:tblPr firstRow="1" bandRow="1">
+                <a:tableStyleId>{2D5ABB26-0587-4C30-8999-92F81FD0307C}</a:tableStyleId>
+              </a:tblPr>
+              <a:tblGrid>
+                <a:gridCol w="4214949">
+                  <a:extLst>
+                    <a:ext uri="{9D8B030D-6E8A-4147-A177-3AD203B41FA5}">
+                      <a16:colId xmlns:a16="http://schemas.microsoft.com/office/drawing/2014/main" val="1576578613"/>
+                    </a:ext>
+                  </a:extLst>
+                </a:gridCol>
+                <a:gridCol w="2083526">
+                  <a:extLst>
+                    <a:ext uri="{9D8B030D-6E8A-4147-A177-3AD203B41FA5}">
+                      <a16:colId xmlns:a16="http://schemas.microsoft.com/office/drawing/2014/main" val="2330825327"/>
+                    </a:ext>
+                  </a:extLst>
+                </a:gridCol>
+                <a:gridCol w="2083526">
+                  <a:extLst>
+                    <a:ext uri="{9D8B030D-6E8A-4147-A177-3AD203B41FA5}">
+                      <a16:colId xmlns:a16="http://schemas.microsoft.com/office/drawing/2014/main" val="2768766376"/>
+                    </a:ext>
+                  </a:extLst>
+                </a:gridCol>
+              </a:tblGrid>
+              <a:tr h="370840">
+                <a:tc>
+                  <a:txBody>
+                    <a:bodyPr/>
+                    <a:lstStyle/>
+                    <a:p>
+                      <a:pPr algn="ctr"/>
+                      <a:endParaRPr lang="ru-RU" dirty="0">
+                        <a:latin typeface="Times New Roman" panose="02020603050405020304" pitchFamily="18" charset="0"/>
+                        <a:cs typeface="Times New Roman" panose="02020603050405020304" pitchFamily="18" charset="0"/>
+                      </a:endParaRPr>
+                    </a:p>
+                  </a:txBody>
+                  <a:tcPr>
+                    <a:lnL>
+                      <a:noFill/>
+                    </a:lnL>
+                    <a:lnR>
+                      <a:noFill/>
+                    </a:lnR>
+                    <a:lnT>
+                      <a:noFill/>
+                    </a:lnT>
+                    <a:lnB>
+                      <a:noFill/>
+                    </a:lnB>
+                    <a:lnTlToBr w="12700" cmpd="sng">
+                      <a:noFill/>
+                      <a:prstDash val="solid"/>
+                    </a:lnTlToBr>
+                    <a:lnBlToTr w="12700" cmpd="sng">
+                      <a:noFill/>
+                      <a:prstDash val="solid"/>
+                    </a:lnBlToTr>
+                  </a:tcPr>
+                </a:tc>
+                <a:tc>
+                  <a:txBody>
+                    <a:bodyPr/>
+                    <a:lstStyle/>
+                    <a:p>
+                      <a:pPr algn="ctr"/>
+                      <a:r>
+                        <a:rPr lang="ru-RU" dirty="0" smtClean="0">
+                          <a:latin typeface="Times New Roman" panose="02020603050405020304" pitchFamily="18" charset="0"/>
+                          <a:cs typeface="Times New Roman" panose="02020603050405020304" pitchFamily="18" charset="0"/>
+                        </a:rPr>
+                        <a:t>Веб-приложение</a:t>
+                      </a:r>
+                      <a:endParaRPr lang="ru-RU" dirty="0">
+                        <a:latin typeface="Times New Roman" panose="02020603050405020304" pitchFamily="18" charset="0"/>
+                        <a:cs typeface="Times New Roman" panose="02020603050405020304" pitchFamily="18" charset="0"/>
+                      </a:endParaRPr>
+                    </a:p>
+                  </a:txBody>
+                  <a:tcPr>
+                    <a:lnL>
+                      <a:noFill/>
+                    </a:lnL>
+                  </a:tcPr>
+                </a:tc>
+                <a:tc>
+                  <a:txBody>
+                    <a:bodyPr/>
+                    <a:lstStyle/>
+                    <a:p>
+                      <a:pPr algn="ctr"/>
+                      <a:r>
+                        <a:rPr lang="ru-RU" dirty="0" smtClean="0">
+                          <a:latin typeface="Times New Roman" panose="02020603050405020304" pitchFamily="18" charset="0"/>
+                          <a:cs typeface="Times New Roman" panose="02020603050405020304" pitchFamily="18" charset="0"/>
+                        </a:rPr>
+                        <a:t>Прогрессивное веб-приложение</a:t>
+                      </a:r>
+                      <a:endParaRPr lang="ru-RU" dirty="0">
+                        <a:latin typeface="Times New Roman" panose="02020603050405020304" pitchFamily="18" charset="0"/>
+                        <a:cs typeface="Times New Roman" panose="02020603050405020304" pitchFamily="18" charset="0"/>
+                      </a:endParaRPr>
+                    </a:p>
+                  </a:txBody>
+                  <a:tcPr/>
+                </a:tc>
+                <a:extLst>
+                  <a:ext uri="{0D108BD9-81ED-4DB2-BD59-A6C34878D82A}">
+                    <a16:rowId xmlns:a16="http://schemas.microsoft.com/office/drawing/2014/main" val="4267667118"/>
+                  </a:ext>
+                </a:extLst>
+              </a:tr>
+              <a:tr h="370840">
+                <a:tc>
+                  <a:txBody>
+                    <a:bodyPr/>
+                    <a:lstStyle/>
+                    <a:p>
+                      <a:pPr algn="ctr"/>
+                      <a:r>
+                        <a:rPr lang="ru-RU" dirty="0" smtClean="0">
+                          <a:latin typeface="Times New Roman" panose="02020603050405020304" pitchFamily="18" charset="0"/>
+                          <a:cs typeface="Times New Roman" panose="02020603050405020304" pitchFamily="18" charset="0"/>
+                        </a:rPr>
+                        <a:t>Время</a:t>
+                      </a:r>
+                      <a:r>
+                        <a:rPr lang="ru-RU" baseline="0" dirty="0" smtClean="0">
+                          <a:latin typeface="Times New Roman" panose="02020603050405020304" pitchFamily="18" charset="0"/>
+                          <a:cs typeface="Times New Roman" panose="02020603050405020304" pitchFamily="18" charset="0"/>
+                        </a:rPr>
+                        <a:t> первой загрузки</a:t>
+                      </a:r>
+                      <a:endParaRPr lang="ru-RU" dirty="0">
+                        <a:latin typeface="Times New Roman" panose="02020603050405020304" pitchFamily="18" charset="0"/>
+                        <a:cs typeface="Times New Roman" panose="02020603050405020304" pitchFamily="18" charset="0"/>
+                      </a:endParaRPr>
+                    </a:p>
+                  </a:txBody>
+                  <a:tcPr>
+                    <a:lnL>
+                      <a:noFill/>
+                    </a:lnL>
+                    <a:lnR>
+                      <a:noFill/>
+                    </a:lnR>
+                    <a:lnT>
+                      <a:noFill/>
+                    </a:lnT>
+                    <a:lnB>
+                      <a:noFill/>
+                    </a:lnB>
+                    <a:lnTlToBr w="12700" cmpd="sng">
+                      <a:noFill/>
+                      <a:prstDash val="solid"/>
+                    </a:lnTlToBr>
+                    <a:lnBlToTr w="12700" cmpd="sng">
+                      <a:noFill/>
+                      <a:prstDash val="solid"/>
+                    </a:lnBlToTr>
+                  </a:tcPr>
+                </a:tc>
+                <a:tc>
+                  <a:txBody>
+                    <a:bodyPr/>
+                    <a:lstStyle/>
+                    <a:p>
+                      <a:pPr algn="ctr"/>
+                      <a:r>
+                        <a:rPr lang="ru-RU" dirty="0" smtClean="0">
+                          <a:latin typeface="Times New Roman" panose="02020603050405020304" pitchFamily="18" charset="0"/>
+                          <a:cs typeface="Times New Roman" panose="02020603050405020304" pitchFamily="18" charset="0"/>
+                        </a:rPr>
+                        <a:t>0,52с</a:t>
+                      </a:r>
+                      <a:endParaRPr lang="ru-RU" dirty="0">
+                        <a:latin typeface="Times New Roman" panose="02020603050405020304" pitchFamily="18" charset="0"/>
+                        <a:cs typeface="Times New Roman" panose="02020603050405020304" pitchFamily="18" charset="0"/>
+                      </a:endParaRPr>
+                    </a:p>
+                  </a:txBody>
+                  <a:tcPr>
+                    <a:lnL>
+                      <a:noFill/>
+                    </a:lnL>
+                  </a:tcPr>
+                </a:tc>
+                <a:tc>
+                  <a:txBody>
+                    <a:bodyPr/>
+                    <a:lstStyle/>
+                    <a:p>
+                      <a:pPr algn="ctr"/>
+                      <a:r>
+                        <a:rPr lang="ru-RU" dirty="0" smtClean="0">
+                          <a:latin typeface="Times New Roman" panose="02020603050405020304" pitchFamily="18" charset="0"/>
+                          <a:cs typeface="Times New Roman" panose="02020603050405020304" pitchFamily="18" charset="0"/>
+                        </a:rPr>
+                        <a:t>0</a:t>
+                      </a:r>
+                      <a:r>
+                        <a:rPr lang="en-US" dirty="0" smtClean="0">
+                          <a:latin typeface="Times New Roman" panose="02020603050405020304" pitchFamily="18" charset="0"/>
+                          <a:cs typeface="Times New Roman" panose="02020603050405020304" pitchFamily="18" charset="0"/>
+                        </a:rPr>
+                        <a:t>,</a:t>
+                      </a:r>
+                      <a:r>
+                        <a:rPr lang="ru-RU" dirty="0" smtClean="0">
+                          <a:latin typeface="Times New Roman" panose="02020603050405020304" pitchFamily="18" charset="0"/>
+                          <a:cs typeface="Times New Roman" panose="02020603050405020304" pitchFamily="18" charset="0"/>
+                        </a:rPr>
+                        <a:t>5</a:t>
+                      </a:r>
+                      <a:r>
+                        <a:rPr lang="en-US" dirty="0" smtClean="0">
+                          <a:latin typeface="Times New Roman" panose="02020603050405020304" pitchFamily="18" charset="0"/>
+                          <a:cs typeface="Times New Roman" panose="02020603050405020304" pitchFamily="18" charset="0"/>
+                        </a:rPr>
+                        <a:t>3</a:t>
+                      </a:r>
+                      <a:r>
+                        <a:rPr lang="ru-RU" dirty="0" smtClean="0">
+                          <a:latin typeface="Times New Roman" panose="02020603050405020304" pitchFamily="18" charset="0"/>
+                          <a:cs typeface="Times New Roman" panose="02020603050405020304" pitchFamily="18" charset="0"/>
+                        </a:rPr>
+                        <a:t>с</a:t>
+                      </a:r>
+                      <a:endParaRPr lang="ru-RU" dirty="0">
+                        <a:latin typeface="Times New Roman" panose="02020603050405020304" pitchFamily="18" charset="0"/>
+                        <a:cs typeface="Times New Roman" panose="02020603050405020304" pitchFamily="18" charset="0"/>
+                      </a:endParaRPr>
+                    </a:p>
+                  </a:txBody>
+                  <a:tcPr/>
+                </a:tc>
+                <a:extLst>
+                  <a:ext uri="{0D108BD9-81ED-4DB2-BD59-A6C34878D82A}">
+                    <a16:rowId xmlns:a16="http://schemas.microsoft.com/office/drawing/2014/main" val="3099195955"/>
+                  </a:ext>
+                </a:extLst>
+              </a:tr>
+              <a:tr h="370840">
+                <a:tc>
+                  <a:txBody>
+                    <a:bodyPr/>
+                    <a:lstStyle/>
+                    <a:p>
+                      <a:pPr algn="ctr"/>
+                      <a:r>
+                        <a:rPr lang="ru-RU" dirty="0" smtClean="0">
+                          <a:latin typeface="Times New Roman" panose="02020603050405020304" pitchFamily="18" charset="0"/>
+                          <a:cs typeface="Times New Roman" panose="02020603050405020304" pitchFamily="18" charset="0"/>
+                        </a:rPr>
+                        <a:t>Объем</a:t>
+                      </a:r>
+                      <a:r>
+                        <a:rPr lang="ru-RU" baseline="0" dirty="0" smtClean="0">
+                          <a:latin typeface="Times New Roman" panose="02020603050405020304" pitchFamily="18" charset="0"/>
+                          <a:cs typeface="Times New Roman" panose="02020603050405020304" pitchFamily="18" charset="0"/>
+                        </a:rPr>
+                        <a:t> данных при первой загрузке</a:t>
+                      </a:r>
+                      <a:endParaRPr lang="ru-RU" dirty="0">
+                        <a:latin typeface="Times New Roman" panose="02020603050405020304" pitchFamily="18" charset="0"/>
+                        <a:cs typeface="Times New Roman" panose="02020603050405020304" pitchFamily="18" charset="0"/>
+                      </a:endParaRPr>
+                    </a:p>
+                  </a:txBody>
+                  <a:tcPr>
+                    <a:lnL>
+                      <a:noFill/>
+                    </a:lnL>
+                    <a:lnR>
+                      <a:noFill/>
+                    </a:lnR>
+                    <a:lnT>
+                      <a:noFill/>
+                    </a:lnT>
+                    <a:lnB>
+                      <a:noFill/>
+                    </a:lnB>
+                    <a:lnTlToBr w="12700" cmpd="sng">
+                      <a:noFill/>
+                      <a:prstDash val="solid"/>
+                    </a:lnTlToBr>
+                    <a:lnBlToTr w="12700" cmpd="sng">
+                      <a:noFill/>
+                      <a:prstDash val="solid"/>
+                    </a:lnBlToTr>
+                  </a:tcPr>
+                </a:tc>
+                <a:tc>
+                  <a:txBody>
+                    <a:bodyPr/>
+                    <a:lstStyle/>
+                    <a:p>
+                      <a:pPr algn="ctr"/>
+                      <a:r>
+                        <a:rPr lang="ru-RU" dirty="0" smtClean="0">
+                          <a:latin typeface="Times New Roman" panose="02020603050405020304" pitchFamily="18" charset="0"/>
+                          <a:cs typeface="Times New Roman" panose="02020603050405020304" pitchFamily="18" charset="0"/>
+                        </a:rPr>
+                        <a:t>110 Кбайт</a:t>
+                      </a:r>
+                      <a:endParaRPr lang="ru-RU" dirty="0">
+                        <a:latin typeface="Times New Roman" panose="02020603050405020304" pitchFamily="18" charset="0"/>
+                        <a:cs typeface="Times New Roman" panose="02020603050405020304" pitchFamily="18" charset="0"/>
+                      </a:endParaRPr>
+                    </a:p>
+                  </a:txBody>
+                  <a:tcPr>
+                    <a:lnL>
+                      <a:noFill/>
+                    </a:lnL>
+                  </a:tcPr>
+                </a:tc>
+                <a:tc>
+                  <a:txBody>
+                    <a:bodyPr/>
+                    <a:lstStyle/>
+                    <a:p>
+                      <a:pPr algn="ctr"/>
+                      <a:r>
+                        <a:rPr lang="en-US" dirty="0" smtClean="0">
+                          <a:latin typeface="Times New Roman" panose="02020603050405020304" pitchFamily="18" charset="0"/>
+                          <a:cs typeface="Times New Roman" panose="02020603050405020304" pitchFamily="18" charset="0"/>
+                        </a:rPr>
+                        <a:t>113 </a:t>
+                      </a:r>
+                      <a:r>
+                        <a:rPr lang="ru-RU" dirty="0" smtClean="0">
+                          <a:latin typeface="Times New Roman" panose="02020603050405020304" pitchFamily="18" charset="0"/>
+                          <a:cs typeface="Times New Roman" panose="02020603050405020304" pitchFamily="18" charset="0"/>
+                        </a:rPr>
+                        <a:t>Кбайт</a:t>
+                      </a:r>
+                      <a:endParaRPr lang="ru-RU" dirty="0">
+                        <a:latin typeface="Times New Roman" panose="02020603050405020304" pitchFamily="18" charset="0"/>
+                        <a:cs typeface="Times New Roman" panose="02020603050405020304" pitchFamily="18" charset="0"/>
+                      </a:endParaRPr>
+                    </a:p>
+                  </a:txBody>
+                  <a:tcPr/>
+                </a:tc>
+                <a:extLst>
+                  <a:ext uri="{0D108BD9-81ED-4DB2-BD59-A6C34878D82A}">
+                    <a16:rowId xmlns:a16="http://schemas.microsoft.com/office/drawing/2014/main" val="1298105542"/>
+                  </a:ext>
+                </a:extLst>
+              </a:tr>
+              <a:tr h="370840">
+                <a:tc>
+                  <a:txBody>
+                    <a:bodyPr/>
+                    <a:lstStyle/>
+                    <a:p>
+                      <a:pPr algn="ctr"/>
+                      <a:r>
+                        <a:rPr lang="ru-RU" dirty="0" smtClean="0">
+                          <a:latin typeface="Times New Roman" panose="02020603050405020304" pitchFamily="18" charset="0"/>
+                          <a:cs typeface="Times New Roman" panose="02020603050405020304" pitchFamily="18" charset="0"/>
+                        </a:rPr>
+                        <a:t>Время</a:t>
+                      </a:r>
+                      <a:r>
+                        <a:rPr lang="ru-RU" baseline="0" dirty="0" smtClean="0">
+                          <a:latin typeface="Times New Roman" panose="02020603050405020304" pitchFamily="18" charset="0"/>
+                          <a:cs typeface="Times New Roman" panose="02020603050405020304" pitchFamily="18" charset="0"/>
+                        </a:rPr>
+                        <a:t> повторной загрузки</a:t>
+                      </a:r>
+                      <a:endParaRPr lang="ru-RU" dirty="0">
+                        <a:latin typeface="Times New Roman" panose="02020603050405020304" pitchFamily="18" charset="0"/>
+                        <a:cs typeface="Times New Roman" panose="02020603050405020304" pitchFamily="18" charset="0"/>
+                      </a:endParaRPr>
+                    </a:p>
+                  </a:txBody>
+                  <a:tcPr>
+                    <a:lnL>
+                      <a:noFill/>
+                    </a:lnL>
+                    <a:lnR>
+                      <a:noFill/>
+                    </a:lnR>
+                    <a:lnT>
+                      <a:noFill/>
+                    </a:lnT>
+                    <a:lnB>
+                      <a:noFill/>
+                    </a:lnB>
+                    <a:lnTlToBr w="12700" cmpd="sng">
+                      <a:noFill/>
+                      <a:prstDash val="solid"/>
+                    </a:lnTlToBr>
+                    <a:lnBlToTr w="12700" cmpd="sng">
+                      <a:noFill/>
+                      <a:prstDash val="solid"/>
+                    </a:lnBlToTr>
+                  </a:tcPr>
+                </a:tc>
+                <a:tc>
+                  <a:txBody>
+                    <a:bodyPr/>
+                    <a:lstStyle/>
+                    <a:p>
+                      <a:pPr algn="ctr"/>
+                      <a:r>
+                        <a:rPr lang="ru-RU" dirty="0" smtClean="0">
+                          <a:latin typeface="Times New Roman" panose="02020603050405020304" pitchFamily="18" charset="0"/>
+                          <a:cs typeface="Times New Roman" panose="02020603050405020304" pitchFamily="18" charset="0"/>
+                        </a:rPr>
+                        <a:t>0,35с</a:t>
+                      </a:r>
+                      <a:endParaRPr lang="ru-RU" dirty="0">
+                        <a:latin typeface="Times New Roman" panose="02020603050405020304" pitchFamily="18" charset="0"/>
+                        <a:cs typeface="Times New Roman" panose="02020603050405020304" pitchFamily="18" charset="0"/>
+                      </a:endParaRPr>
+                    </a:p>
+                  </a:txBody>
+                  <a:tcPr>
+                    <a:lnL>
+                      <a:noFill/>
+                    </a:lnL>
+                  </a:tcPr>
+                </a:tc>
+                <a:tc>
+                  <a:txBody>
+                    <a:bodyPr/>
+                    <a:lstStyle/>
+                    <a:p>
+                      <a:pPr algn="ctr"/>
+                      <a:r>
+                        <a:rPr lang="ru-RU" dirty="0" smtClean="0">
+                          <a:latin typeface="Times New Roman" panose="02020603050405020304" pitchFamily="18" charset="0"/>
+                          <a:cs typeface="Times New Roman" panose="02020603050405020304" pitchFamily="18" charset="0"/>
+                        </a:rPr>
+                        <a:t>0</a:t>
+                      </a:r>
+                      <a:r>
+                        <a:rPr lang="en-US" dirty="0" smtClean="0">
+                          <a:latin typeface="Times New Roman" panose="02020603050405020304" pitchFamily="18" charset="0"/>
+                          <a:cs typeface="Times New Roman" panose="02020603050405020304" pitchFamily="18" charset="0"/>
+                        </a:rPr>
+                        <a:t>,</a:t>
+                      </a:r>
+                      <a:r>
+                        <a:rPr lang="ru-RU" dirty="0" smtClean="0">
+                          <a:latin typeface="Times New Roman" panose="02020603050405020304" pitchFamily="18" charset="0"/>
+                          <a:cs typeface="Times New Roman" panose="02020603050405020304" pitchFamily="18" charset="0"/>
+                        </a:rPr>
+                        <a:t>2</a:t>
+                      </a:r>
+                      <a:r>
+                        <a:rPr lang="en-US" dirty="0" smtClean="0">
+                          <a:latin typeface="Times New Roman" panose="02020603050405020304" pitchFamily="18" charset="0"/>
+                          <a:cs typeface="Times New Roman" panose="02020603050405020304" pitchFamily="18" charset="0"/>
+                        </a:rPr>
+                        <a:t>3</a:t>
+                      </a:r>
+                      <a:r>
+                        <a:rPr lang="ru-RU" dirty="0" smtClean="0">
+                          <a:latin typeface="Times New Roman" panose="02020603050405020304" pitchFamily="18" charset="0"/>
+                          <a:cs typeface="Times New Roman" panose="02020603050405020304" pitchFamily="18" charset="0"/>
+                        </a:rPr>
+                        <a:t>с</a:t>
+                      </a:r>
+                      <a:endParaRPr lang="ru-RU" dirty="0">
+                        <a:latin typeface="Times New Roman" panose="02020603050405020304" pitchFamily="18" charset="0"/>
+                        <a:cs typeface="Times New Roman" panose="02020603050405020304" pitchFamily="18" charset="0"/>
+                      </a:endParaRPr>
+                    </a:p>
+                  </a:txBody>
+                  <a:tcPr/>
+                </a:tc>
+                <a:extLst>
+                  <a:ext uri="{0D108BD9-81ED-4DB2-BD59-A6C34878D82A}">
+                    <a16:rowId xmlns:a16="http://schemas.microsoft.com/office/drawing/2014/main" val="148870198"/>
+                  </a:ext>
+                </a:extLst>
+              </a:tr>
+              <a:tr h="370840">
+                <a:tc>
+                  <a:txBody>
+                    <a:bodyPr/>
+                    <a:lstStyle/>
+                    <a:p>
+                      <a:pPr algn="ctr"/>
+                      <a:r>
+                        <a:rPr lang="ru-RU" dirty="0" smtClean="0">
+                          <a:latin typeface="Times New Roman" panose="02020603050405020304" pitchFamily="18" charset="0"/>
+                          <a:cs typeface="Times New Roman" panose="02020603050405020304" pitchFamily="18" charset="0"/>
+                        </a:rPr>
+                        <a:t>Объем данных при</a:t>
+                      </a:r>
+                      <a:r>
+                        <a:rPr lang="ru-RU" baseline="0" dirty="0" smtClean="0">
+                          <a:latin typeface="Times New Roman" panose="02020603050405020304" pitchFamily="18" charset="0"/>
+                          <a:cs typeface="Times New Roman" panose="02020603050405020304" pitchFamily="18" charset="0"/>
+                        </a:rPr>
+                        <a:t> повторной загрузке</a:t>
+                      </a:r>
+                      <a:endParaRPr lang="ru-RU" dirty="0">
+                        <a:latin typeface="Times New Roman" panose="02020603050405020304" pitchFamily="18" charset="0"/>
+                        <a:cs typeface="Times New Roman" panose="02020603050405020304" pitchFamily="18" charset="0"/>
+                      </a:endParaRPr>
+                    </a:p>
+                  </a:txBody>
+                  <a:tcPr>
+                    <a:lnL>
+                      <a:noFill/>
+                    </a:lnL>
+                    <a:lnR>
+                      <a:noFill/>
+                    </a:lnR>
+                    <a:lnT>
+                      <a:noFill/>
+                    </a:lnT>
+                    <a:lnB>
+                      <a:noFill/>
+                    </a:lnB>
+                    <a:lnTlToBr w="12700" cmpd="sng">
+                      <a:noFill/>
+                      <a:prstDash val="solid"/>
+                    </a:lnTlToBr>
+                    <a:lnBlToTr w="12700" cmpd="sng">
+                      <a:noFill/>
+                      <a:prstDash val="solid"/>
+                    </a:lnBlToTr>
+                  </a:tcPr>
+                </a:tc>
+                <a:tc>
+                  <a:txBody>
+                    <a:bodyPr/>
+                    <a:lstStyle/>
+                    <a:p>
+                      <a:pPr algn="ctr"/>
+                      <a:r>
+                        <a:rPr lang="ru-RU" dirty="0" smtClean="0">
+                          <a:latin typeface="Times New Roman" panose="02020603050405020304" pitchFamily="18" charset="0"/>
+                          <a:cs typeface="Times New Roman" panose="02020603050405020304" pitchFamily="18" charset="0"/>
+                        </a:rPr>
+                        <a:t>4,40</a:t>
+                      </a:r>
+                      <a:r>
+                        <a:rPr lang="ru-RU" baseline="0" dirty="0" smtClean="0">
+                          <a:latin typeface="Times New Roman" panose="02020603050405020304" pitchFamily="18" charset="0"/>
+                          <a:cs typeface="Times New Roman" panose="02020603050405020304" pitchFamily="18" charset="0"/>
+                        </a:rPr>
+                        <a:t> Кбайт</a:t>
+                      </a:r>
+                      <a:endParaRPr lang="ru-RU" dirty="0">
+                        <a:latin typeface="Times New Roman" panose="02020603050405020304" pitchFamily="18" charset="0"/>
+                        <a:cs typeface="Times New Roman" panose="02020603050405020304" pitchFamily="18" charset="0"/>
+                      </a:endParaRPr>
+                    </a:p>
+                  </a:txBody>
+                  <a:tcPr>
+                    <a:lnL>
+                      <a:noFill/>
+                    </a:lnL>
+                  </a:tcPr>
+                </a:tc>
+                <a:tc>
+                  <a:txBody>
+                    <a:bodyPr/>
+                    <a:lstStyle/>
+                    <a:p>
+                      <a:pPr algn="ctr"/>
+                      <a:r>
+                        <a:rPr lang="en-US" dirty="0" smtClean="0">
+                          <a:latin typeface="Times New Roman" panose="02020603050405020304" pitchFamily="18" charset="0"/>
+                          <a:cs typeface="Times New Roman" panose="02020603050405020304" pitchFamily="18" charset="0"/>
+                        </a:rPr>
+                        <a:t>3,30</a:t>
+                      </a:r>
+                      <a:r>
+                        <a:rPr lang="ru-RU" dirty="0" smtClean="0">
+                          <a:latin typeface="Times New Roman" panose="02020603050405020304" pitchFamily="18" charset="0"/>
+                          <a:cs typeface="Times New Roman" panose="02020603050405020304" pitchFamily="18" charset="0"/>
+                        </a:rPr>
+                        <a:t> Кбайт</a:t>
+                      </a:r>
+                      <a:endParaRPr lang="ru-RU" dirty="0">
+                        <a:latin typeface="Times New Roman" panose="02020603050405020304" pitchFamily="18" charset="0"/>
+                        <a:cs typeface="Times New Roman" panose="02020603050405020304" pitchFamily="18" charset="0"/>
+                      </a:endParaRPr>
+                    </a:p>
+                  </a:txBody>
+                  <a:tcPr/>
+                </a:tc>
+                <a:extLst>
+                  <a:ext uri="{0D108BD9-81ED-4DB2-BD59-A6C34878D82A}">
+                    <a16:rowId xmlns:a16="http://schemas.microsoft.com/office/drawing/2014/main" val="2839300284"/>
+                  </a:ext>
+                </a:extLst>
+              </a:tr>
+              <a:tr h="370840">
+                <a:tc>
+                  <a:txBody>
+                    <a:bodyPr/>
+                    <a:lstStyle/>
+                    <a:p>
+                      <a:pPr algn="ctr"/>
+                      <a:r>
+                        <a:rPr lang="ru-RU" dirty="0" smtClean="0">
+                          <a:latin typeface="Times New Roman" panose="02020603050405020304" pitchFamily="18" charset="0"/>
+                          <a:cs typeface="Times New Roman" panose="02020603050405020304" pitchFamily="18" charset="0"/>
+                        </a:rPr>
+                        <a:t>Время повторной загрузки </a:t>
+                      </a:r>
+                      <a:r>
+                        <a:rPr lang="en-US" dirty="0" smtClean="0">
+                          <a:latin typeface="Times New Roman" panose="02020603050405020304" pitchFamily="18" charset="0"/>
+                          <a:cs typeface="Times New Roman" panose="02020603050405020304" pitchFamily="18" charset="0"/>
+                        </a:rPr>
+                        <a:t>3G</a:t>
+                      </a:r>
+                      <a:endParaRPr lang="ru-RU" dirty="0">
+                        <a:latin typeface="Times New Roman" panose="02020603050405020304" pitchFamily="18" charset="0"/>
+                        <a:cs typeface="Times New Roman" panose="02020603050405020304" pitchFamily="18" charset="0"/>
+                      </a:endParaRPr>
+                    </a:p>
+                  </a:txBody>
+                  <a:tcPr>
+                    <a:lnL>
+                      <a:noFill/>
+                    </a:lnL>
+                    <a:lnR>
+                      <a:noFill/>
+                    </a:lnR>
+                    <a:lnT>
+                      <a:noFill/>
+                    </a:lnT>
+                    <a:lnB>
+                      <a:noFill/>
+                    </a:lnB>
+                    <a:lnTlToBr w="12700" cmpd="sng">
+                      <a:noFill/>
+                      <a:prstDash val="solid"/>
+                    </a:lnTlToBr>
+                    <a:lnBlToTr w="12700" cmpd="sng">
+                      <a:noFill/>
+                      <a:prstDash val="solid"/>
+                    </a:lnBlToTr>
+                  </a:tcPr>
+                </a:tc>
+                <a:tc>
+                  <a:txBody>
+                    <a:bodyPr/>
+                    <a:lstStyle/>
+                    <a:p>
+                      <a:pPr algn="ctr"/>
+                      <a:r>
+                        <a:rPr lang="ru-RU" dirty="0" smtClean="0">
+                          <a:latin typeface="Times New Roman" panose="02020603050405020304" pitchFamily="18" charset="0"/>
+                          <a:cs typeface="Times New Roman" panose="02020603050405020304" pitchFamily="18" charset="0"/>
+                        </a:rPr>
+                        <a:t>0,47с</a:t>
+                      </a:r>
+                      <a:endParaRPr lang="ru-RU" dirty="0">
+                        <a:latin typeface="Times New Roman" panose="02020603050405020304" pitchFamily="18" charset="0"/>
+                        <a:cs typeface="Times New Roman" panose="02020603050405020304" pitchFamily="18" charset="0"/>
+                      </a:endParaRPr>
+                    </a:p>
+                  </a:txBody>
+                  <a:tcPr>
+                    <a:lnL>
+                      <a:noFill/>
+                    </a:lnL>
+                  </a:tcPr>
+                </a:tc>
+                <a:tc>
+                  <a:txBody>
+                    <a:bodyPr/>
+                    <a:lstStyle/>
+                    <a:p>
+                      <a:pPr algn="ctr"/>
+                      <a:r>
+                        <a:rPr lang="en-US" dirty="0" smtClean="0">
+                          <a:latin typeface="Times New Roman" panose="02020603050405020304" pitchFamily="18" charset="0"/>
+                          <a:cs typeface="Times New Roman" panose="02020603050405020304" pitchFamily="18" charset="0"/>
+                        </a:rPr>
+                        <a:t>0,22</a:t>
+                      </a:r>
+                      <a:r>
+                        <a:rPr lang="ru-RU" dirty="0" smtClean="0">
+                          <a:latin typeface="Times New Roman" panose="02020603050405020304" pitchFamily="18" charset="0"/>
+                          <a:cs typeface="Times New Roman" panose="02020603050405020304" pitchFamily="18" charset="0"/>
+                        </a:rPr>
+                        <a:t>с</a:t>
+                      </a:r>
+                      <a:endParaRPr lang="ru-RU" dirty="0">
+                        <a:latin typeface="Times New Roman" panose="02020603050405020304" pitchFamily="18" charset="0"/>
+                        <a:cs typeface="Times New Roman" panose="02020603050405020304" pitchFamily="18" charset="0"/>
+                      </a:endParaRPr>
+                    </a:p>
+                  </a:txBody>
+                  <a:tcPr/>
+                </a:tc>
+                <a:extLst>
+                  <a:ext uri="{0D108BD9-81ED-4DB2-BD59-A6C34878D82A}">
+                    <a16:rowId xmlns:a16="http://schemas.microsoft.com/office/drawing/2014/main" val="1675098525"/>
+                  </a:ext>
+                </a:extLst>
+              </a:tr>
+              <a:tr h="370840">
+                <a:tc>
+                  <a:txBody>
+                    <a:bodyPr/>
+                    <a:lstStyle/>
+                    <a:p>
+                      <a:pPr algn="ctr"/>
+                      <a:r>
+                        <a:rPr lang="ru-RU" dirty="0" smtClean="0">
+                          <a:latin typeface="Times New Roman" panose="02020603050405020304" pitchFamily="18" charset="0"/>
+                          <a:cs typeface="Times New Roman" panose="02020603050405020304" pitchFamily="18" charset="0"/>
+                        </a:rPr>
+                        <a:t>Время повторной загрузки без подключения к интернету</a:t>
+                      </a:r>
+                      <a:endParaRPr lang="ru-RU" dirty="0">
+                        <a:latin typeface="Times New Roman" panose="02020603050405020304" pitchFamily="18" charset="0"/>
+                        <a:cs typeface="Times New Roman" panose="02020603050405020304" pitchFamily="18" charset="0"/>
+                      </a:endParaRPr>
+                    </a:p>
+                  </a:txBody>
+                  <a:tcPr>
+                    <a:lnL>
+                      <a:noFill/>
+                    </a:lnL>
+                    <a:lnR>
+                      <a:noFill/>
+                    </a:lnR>
+                    <a:lnT>
+                      <a:noFill/>
+                    </a:lnT>
+                    <a:lnB>
+                      <a:noFill/>
+                    </a:lnB>
+                    <a:lnTlToBr w="12700" cmpd="sng">
+                      <a:noFill/>
+                      <a:prstDash val="solid"/>
+                    </a:lnTlToBr>
+                    <a:lnBlToTr w="12700" cmpd="sng">
+                      <a:noFill/>
+                      <a:prstDash val="solid"/>
+                    </a:lnBlToTr>
+                  </a:tcPr>
+                </a:tc>
+                <a:tc>
+                  <a:txBody>
+                    <a:bodyPr/>
+                    <a:lstStyle/>
+                    <a:p>
+                      <a:pPr algn="ctr"/>
+                      <a:r>
+                        <a:rPr lang="ru-RU" dirty="0" smtClean="0">
+                          <a:latin typeface="Times New Roman" panose="02020603050405020304" pitchFamily="18" charset="0"/>
+                          <a:cs typeface="Times New Roman" panose="02020603050405020304" pitchFamily="18" charset="0"/>
+                        </a:rPr>
+                        <a:t>-</a:t>
+                      </a:r>
+                      <a:endParaRPr lang="ru-RU" dirty="0">
+                        <a:latin typeface="Times New Roman" panose="02020603050405020304" pitchFamily="18" charset="0"/>
+                        <a:cs typeface="Times New Roman" panose="02020603050405020304" pitchFamily="18" charset="0"/>
+                      </a:endParaRPr>
+                    </a:p>
+                  </a:txBody>
+                  <a:tcPr>
+                    <a:lnL>
+                      <a:noFill/>
+                    </a:lnL>
+                  </a:tcPr>
+                </a:tc>
+                <a:tc>
+                  <a:txBody>
+                    <a:bodyPr/>
+                    <a:lstStyle/>
+                    <a:p>
+                      <a:pPr algn="ctr"/>
+                      <a:r>
+                        <a:rPr lang="ru-RU" dirty="0" smtClean="0">
+                          <a:latin typeface="Times New Roman" panose="02020603050405020304" pitchFamily="18" charset="0"/>
+                          <a:cs typeface="Times New Roman" panose="02020603050405020304" pitchFamily="18" charset="0"/>
+                        </a:rPr>
+                        <a:t>0,22с</a:t>
+                      </a:r>
+                      <a:endParaRPr lang="ru-RU" dirty="0">
+                        <a:latin typeface="Times New Roman" panose="02020603050405020304" pitchFamily="18" charset="0"/>
+                        <a:cs typeface="Times New Roman" panose="02020603050405020304" pitchFamily="18" charset="0"/>
+                      </a:endParaRPr>
+                    </a:p>
+                  </a:txBody>
+                  <a:tcPr/>
+                </a:tc>
+                <a:extLst>
+                  <a:ext uri="{0D108BD9-81ED-4DB2-BD59-A6C34878D82A}">
+                    <a16:rowId xmlns:a16="http://schemas.microsoft.com/office/drawing/2014/main" val="2491900865"/>
+                  </a:ext>
+                </a:extLst>
+              </a:tr>
+            </a:tbl>
+          </a:graphicData>
+        </a:graphic>
+      </p:graphicFrame>
+    </p:spTree>
+    <p:extLst>
+      <p:ext uri="{BB962C8B-B14F-4D97-AF65-F5344CB8AC3E}">
+        <p14:creationId xmlns:p14="http://schemas.microsoft.com/office/powerpoint/2010/main" val="1894094456"/>
+      </p:ext>
+    </p:extLst>
+  </p:cSld>
+  <p:clrMapOvr>
+    <a:masterClrMapping/>
+  </p:clrMapOvr>
+  <p:timing>
+    <p:tnLst>
+      <p:par>
+        <p:cTn id="1" dur="indefinite" restart="never" nodeType="tmRoot"/>
+      </p:par>
+    </p:tnLst>
+  </p:timing>
+</p:sld>
+</file>
+
+<file path=ppt/slides/slide12.xml><?xml version="1.0" encoding="utf-8"?>
+<p:sld xmlns:a="http://schemas.openxmlformats.org/drawingml/2006/main" xmlns:r="http://schemas.openxmlformats.org/officeDocument/2006/relationships" xmlns:p="http://schemas.openxmlformats.org/presentationml/2006/main">
+  <p:cSld>
+    <p:spTree>
+      <p:nvGrpSpPr>
+        <p:cNvPr id="1" name=""/>
+        <p:cNvGrpSpPr/>
+        <p:nvPr/>
+      </p:nvGrpSpPr>
+      <p:grpSpPr>
+        <a:xfrm>
+          <a:off x="0" y="0"/>
+          <a:ext cx="0" cy="0"/>
+          <a:chOff x="0" y="0"/>
+          <a:chExt cx="0" cy="0"/>
+        </a:xfrm>
+      </p:grpSpPr>
+      <p:sp>
+        <p:nvSpPr>
+          <p:cNvPr id="3076" name="Shape 120"/>
+          <p:cNvSpPr txBox="1">
+            <a:spLocks noGrp="1"/>
+          </p:cNvSpPr>
+          <p:nvPr/>
+        </p:nvSpPr>
+        <p:spPr bwMode="auto">
+          <a:xfrm>
+            <a:off x="4191000" y="6356351"/>
+            <a:ext cx="3352800" cy="365125"/>
+          </a:xfrm>
+          <a:prstGeom prst="rect">
+            <a:avLst/>
+          </a:prstGeom>
+          <a:noFill/>
+          <a:ln>
+            <a:noFill/>
+          </a:ln>
+          <a:extLst>
+            <a:ext uri="{909E8E84-426E-40DD-AFC4-6F175D3DCCD1}">
+              <a14:hiddenFill xmlns:a14="http://schemas.microsoft.com/office/drawing/2010/main">
+                <a:solidFill>
+                  <a:srgbClr val="FFFFFF"/>
+                </a:solidFill>
+              </a14:hiddenFill>
+            </a:ext>
+            <a:ext uri="{91240B29-F687-4F45-9708-019B960494DF}">
+              <a14:hiddenLine xmlns:a14="http://schemas.microsoft.com/office/drawing/2010/main" w="9525">
+                <a:solidFill>
+                  <a:srgbClr val="000000"/>
+                </a:solidFill>
+                <a:miter lim="800000"/>
+                <a:headEnd/>
+                <a:tailEnd/>
+              </a14:hiddenLine>
+            </a:ext>
+          </a:extLst>
+        </p:spPr>
+        <p:txBody>
+          <a:bodyPr lIns="91425" tIns="45700" rIns="91425" bIns="45700" anchor="ctr"/>
+          <a:lstStyle>
+            <a:lvl1pPr>
+              <a:defRPr>
+                <a:solidFill>
+                  <a:schemeClr val="tx1"/>
+                </a:solidFill>
+                <a:latin typeface="Arial" panose="020B0604020202020204" pitchFamily="34" charset="0"/>
+                <a:cs typeface="Arial" panose="020B0604020202020204" pitchFamily="34" charset="0"/>
+              </a:defRPr>
+            </a:lvl1pPr>
+            <a:lvl2pPr marL="742950" indent="-285750">
+              <a:defRPr>
+                <a:solidFill>
+                  <a:schemeClr val="tx1"/>
+                </a:solidFill>
+                <a:latin typeface="Arial" panose="020B0604020202020204" pitchFamily="34" charset="0"/>
+                <a:cs typeface="Arial" panose="020B0604020202020204" pitchFamily="34" charset="0"/>
+              </a:defRPr>
+            </a:lvl2pPr>
+            <a:lvl3pPr marL="1143000" indent="-228600">
+              <a:defRPr>
+                <a:solidFill>
+                  <a:schemeClr val="tx1"/>
+                </a:solidFill>
+                <a:latin typeface="Arial" panose="020B0604020202020204" pitchFamily="34" charset="0"/>
+                <a:cs typeface="Arial" panose="020B0604020202020204" pitchFamily="34" charset="0"/>
+              </a:defRPr>
+            </a:lvl3pPr>
+            <a:lvl4pPr marL="1600200" indent="-228600">
+              <a:defRPr>
+                <a:solidFill>
+                  <a:schemeClr val="tx1"/>
+                </a:solidFill>
+                <a:latin typeface="Arial" panose="020B0604020202020204" pitchFamily="34" charset="0"/>
+                <a:cs typeface="Arial" panose="020B0604020202020204" pitchFamily="34" charset="0"/>
+              </a:defRPr>
+            </a:lvl4pPr>
+            <a:lvl5pPr marL="2057400" indent="-228600">
+              <a:defRPr>
+                <a:solidFill>
+                  <a:schemeClr val="tx1"/>
+                </a:solidFill>
+                <a:latin typeface="Arial" panose="020B0604020202020204" pitchFamily="34" charset="0"/>
+                <a:cs typeface="Arial" panose="020B0604020202020204" pitchFamily="34" charset="0"/>
+              </a:defRPr>
+            </a:lvl5pPr>
+            <a:lvl6pPr marL="2514600" indent="-228600" fontAlgn="base">
+              <a:spcBef>
+                <a:spcPct val="0"/>
+              </a:spcBef>
+              <a:spcAft>
+                <a:spcPct val="0"/>
+              </a:spcAft>
+              <a:defRPr>
+                <a:solidFill>
+                  <a:schemeClr val="tx1"/>
+                </a:solidFill>
+                <a:latin typeface="Arial" panose="020B0604020202020204" pitchFamily="34" charset="0"/>
+                <a:cs typeface="Arial" panose="020B0604020202020204" pitchFamily="34" charset="0"/>
+              </a:defRPr>
+            </a:lvl6pPr>
+            <a:lvl7pPr marL="2971800" indent="-228600" fontAlgn="base">
+              <a:spcBef>
+                <a:spcPct val="0"/>
+              </a:spcBef>
+              <a:spcAft>
+                <a:spcPct val="0"/>
+              </a:spcAft>
+              <a:defRPr>
+                <a:solidFill>
+                  <a:schemeClr val="tx1"/>
+                </a:solidFill>
+                <a:latin typeface="Arial" panose="020B0604020202020204" pitchFamily="34" charset="0"/>
+                <a:cs typeface="Arial" panose="020B0604020202020204" pitchFamily="34" charset="0"/>
+              </a:defRPr>
+            </a:lvl7pPr>
+            <a:lvl8pPr marL="3429000" indent="-228600" fontAlgn="base">
+              <a:spcBef>
+                <a:spcPct val="0"/>
+              </a:spcBef>
+              <a:spcAft>
+                <a:spcPct val="0"/>
+              </a:spcAft>
+              <a:defRPr>
+                <a:solidFill>
+                  <a:schemeClr val="tx1"/>
+                </a:solidFill>
+                <a:latin typeface="Arial" panose="020B0604020202020204" pitchFamily="34" charset="0"/>
+                <a:cs typeface="Arial" panose="020B0604020202020204" pitchFamily="34" charset="0"/>
+              </a:defRPr>
+            </a:lvl8pPr>
+            <a:lvl9pPr marL="3886200" indent="-228600" fontAlgn="base">
+              <a:spcBef>
+                <a:spcPct val="0"/>
+              </a:spcBef>
+              <a:spcAft>
+                <a:spcPct val="0"/>
+              </a:spcAft>
+              <a:defRPr>
+                <a:solidFill>
+                  <a:schemeClr val="tx1"/>
+                </a:solidFill>
+                <a:latin typeface="Arial" panose="020B0604020202020204" pitchFamily="34" charset="0"/>
+                <a:cs typeface="Arial" panose="020B0604020202020204" pitchFamily="34" charset="0"/>
+              </a:defRPr>
+            </a:lvl9pPr>
+          </a:lstStyle>
+          <a:p>
+            <a:pPr algn="ctr">
+              <a:buSzPct val="25000"/>
+            </a:pPr>
+            <a:r>
+              <a:rPr lang="ru-RU" altLang="ru-RU" sz="1200">
+                <a:solidFill>
+                  <a:srgbClr val="538CD5"/>
+                </a:solidFill>
+                <a:latin typeface="Calibri" panose="020F0502020204030204" pitchFamily="34" charset="0"/>
+                <a:cs typeface="Calibri" panose="020F0502020204030204" pitchFamily="34" charset="0"/>
+                <a:sym typeface="Calibri" panose="020F0502020204030204" pitchFamily="34" charset="0"/>
+              </a:rPr>
+              <a:t>Минск 2017</a:t>
+            </a:r>
+          </a:p>
+        </p:txBody>
+      </p:sp>
+      <p:pic>
+        <p:nvPicPr>
+          <p:cNvPr id="3077" name="Shape 119" descr="BSU 2"/>
+          <p:cNvPicPr preferRelativeResize="0">
+            <a:picLocks noChangeAspect="1" noChangeArrowheads="1"/>
+          </p:cNvPicPr>
+          <p:nvPr/>
+        </p:nvPicPr>
+        <p:blipFill>
+          <a:blip r:embed="rId2">
+            <a:extLst>
+              <a:ext uri="{28A0092B-C50C-407E-A947-70E740481C1C}">
+                <a14:useLocalDpi xmlns:a14="http://schemas.microsoft.com/office/drawing/2010/main" val="0"/>
+              </a:ext>
+            </a:extLst>
+          </a:blip>
+          <a:srcRect/>
+          <a:stretch>
+            <a:fillRect/>
+          </a:stretch>
+        </p:blipFill>
+        <p:spPr bwMode="auto">
+          <a:xfrm>
+            <a:off x="1524001" y="0"/>
+            <a:ext cx="619125" cy="977900"/>
+          </a:xfrm>
+          <a:prstGeom prst="rect">
+            <a:avLst/>
+          </a:prstGeom>
+          <a:noFill/>
+          <a:ln>
+            <a:noFill/>
+          </a:ln>
+          <a:extLst>
+            <a:ext uri="{909E8E84-426E-40DD-AFC4-6F175D3DCCD1}">
+              <a14:hiddenFill xmlns:a14="http://schemas.microsoft.com/office/drawing/2010/main">
+                <a:solidFill>
+                  <a:srgbClr val="FFFFFF"/>
+                </a:solidFill>
+              </a14:hiddenFill>
+            </a:ext>
+            <a:ext uri="{91240B29-F687-4F45-9708-019B960494DF}">
+              <a14:hiddenLine xmlns:a14="http://schemas.microsoft.com/office/drawing/2010/main" w="9525">
+                <a:solidFill>
+                  <a:srgbClr val="000000"/>
+                </a:solidFill>
+                <a:miter lim="800000"/>
+                <a:headEnd/>
+                <a:tailEnd/>
+              </a14:hiddenLine>
+            </a:ext>
+          </a:extLst>
+        </p:spPr>
+      </p:pic>
+      <p:sp>
+        <p:nvSpPr>
+          <p:cNvPr id="3078" name="Shape 121"/>
+          <p:cNvSpPr txBox="1">
+            <a:spLocks noGrp="1"/>
+          </p:cNvSpPr>
+          <p:nvPr/>
+        </p:nvSpPr>
+        <p:spPr bwMode="auto">
+          <a:xfrm>
+            <a:off x="1952625" y="6357939"/>
+            <a:ext cx="2133600" cy="365125"/>
+          </a:xfrm>
+          <a:prstGeom prst="rect">
+            <a:avLst/>
+          </a:prstGeom>
+          <a:noFill/>
+          <a:ln>
+            <a:noFill/>
+          </a:ln>
+          <a:extLst>
+            <a:ext uri="{909E8E84-426E-40DD-AFC4-6F175D3DCCD1}">
+              <a14:hiddenFill xmlns:a14="http://schemas.microsoft.com/office/drawing/2010/main">
+                <a:solidFill>
+                  <a:srgbClr val="FFFFFF"/>
+                </a:solidFill>
+              </a14:hiddenFill>
+            </a:ext>
+            <a:ext uri="{91240B29-F687-4F45-9708-019B960494DF}">
+              <a14:hiddenLine xmlns:a14="http://schemas.microsoft.com/office/drawing/2010/main" w="9525">
+                <a:solidFill>
+                  <a:srgbClr val="000000"/>
+                </a:solidFill>
+                <a:miter lim="800000"/>
+                <a:headEnd/>
+                <a:tailEnd/>
+              </a14:hiddenLine>
+            </a:ext>
+          </a:extLst>
+        </p:spPr>
+        <p:txBody>
+          <a:bodyPr lIns="91425" tIns="45700" rIns="91425" bIns="45700" anchor="ctr"/>
+          <a:lstStyle>
+            <a:lvl1pPr>
+              <a:defRPr>
+                <a:solidFill>
+                  <a:schemeClr val="tx1"/>
+                </a:solidFill>
+                <a:latin typeface="Arial" panose="020B0604020202020204" pitchFamily="34" charset="0"/>
+                <a:cs typeface="Arial" panose="020B0604020202020204" pitchFamily="34" charset="0"/>
+              </a:defRPr>
+            </a:lvl1pPr>
+            <a:lvl2pPr marL="742950" indent="-285750">
+              <a:defRPr>
+                <a:solidFill>
+                  <a:schemeClr val="tx1"/>
+                </a:solidFill>
+                <a:latin typeface="Arial" panose="020B0604020202020204" pitchFamily="34" charset="0"/>
+                <a:cs typeface="Arial" panose="020B0604020202020204" pitchFamily="34" charset="0"/>
+              </a:defRPr>
+            </a:lvl2pPr>
+            <a:lvl3pPr marL="1143000" indent="-228600">
+              <a:defRPr>
+                <a:solidFill>
+                  <a:schemeClr val="tx1"/>
+                </a:solidFill>
+                <a:latin typeface="Arial" panose="020B0604020202020204" pitchFamily="34" charset="0"/>
+                <a:cs typeface="Arial" panose="020B0604020202020204" pitchFamily="34" charset="0"/>
+              </a:defRPr>
+            </a:lvl3pPr>
+            <a:lvl4pPr marL="1600200" indent="-228600">
+              <a:defRPr>
+                <a:solidFill>
+                  <a:schemeClr val="tx1"/>
+                </a:solidFill>
+                <a:latin typeface="Arial" panose="020B0604020202020204" pitchFamily="34" charset="0"/>
+                <a:cs typeface="Arial" panose="020B0604020202020204" pitchFamily="34" charset="0"/>
+              </a:defRPr>
+            </a:lvl4pPr>
+            <a:lvl5pPr marL="2057400" indent="-228600">
+              <a:defRPr>
+                <a:solidFill>
+                  <a:schemeClr val="tx1"/>
+                </a:solidFill>
+                <a:latin typeface="Arial" panose="020B0604020202020204" pitchFamily="34" charset="0"/>
+                <a:cs typeface="Arial" panose="020B0604020202020204" pitchFamily="34" charset="0"/>
+              </a:defRPr>
+            </a:lvl5pPr>
+            <a:lvl6pPr marL="2514600" indent="-228600" fontAlgn="base">
+              <a:spcBef>
+                <a:spcPct val="0"/>
+              </a:spcBef>
+              <a:spcAft>
+                <a:spcPct val="0"/>
+              </a:spcAft>
+              <a:defRPr>
+                <a:solidFill>
+                  <a:schemeClr val="tx1"/>
+                </a:solidFill>
+                <a:latin typeface="Arial" panose="020B0604020202020204" pitchFamily="34" charset="0"/>
+                <a:cs typeface="Arial" panose="020B0604020202020204" pitchFamily="34" charset="0"/>
+              </a:defRPr>
+            </a:lvl6pPr>
+            <a:lvl7pPr marL="2971800" indent="-228600" fontAlgn="base">
+              <a:spcBef>
+                <a:spcPct val="0"/>
+              </a:spcBef>
+              <a:spcAft>
+                <a:spcPct val="0"/>
+              </a:spcAft>
+              <a:defRPr>
+                <a:solidFill>
+                  <a:schemeClr val="tx1"/>
+                </a:solidFill>
+                <a:latin typeface="Arial" panose="020B0604020202020204" pitchFamily="34" charset="0"/>
+                <a:cs typeface="Arial" panose="020B0604020202020204" pitchFamily="34" charset="0"/>
+              </a:defRPr>
+            </a:lvl7pPr>
+            <a:lvl8pPr marL="3429000" indent="-228600" fontAlgn="base">
+              <a:spcBef>
+                <a:spcPct val="0"/>
+              </a:spcBef>
+              <a:spcAft>
+                <a:spcPct val="0"/>
+              </a:spcAft>
+              <a:defRPr>
+                <a:solidFill>
+                  <a:schemeClr val="tx1"/>
+                </a:solidFill>
+                <a:latin typeface="Arial" panose="020B0604020202020204" pitchFamily="34" charset="0"/>
+                <a:cs typeface="Arial" panose="020B0604020202020204" pitchFamily="34" charset="0"/>
+              </a:defRPr>
+            </a:lvl8pPr>
+            <a:lvl9pPr marL="3886200" indent="-228600" fontAlgn="base">
+              <a:spcBef>
+                <a:spcPct val="0"/>
+              </a:spcBef>
+              <a:spcAft>
+                <a:spcPct val="0"/>
+              </a:spcAft>
+              <a:defRPr>
+                <a:solidFill>
+                  <a:schemeClr val="tx1"/>
+                </a:solidFill>
+                <a:latin typeface="Arial" panose="020B0604020202020204" pitchFamily="34" charset="0"/>
+                <a:cs typeface="Arial" panose="020B0604020202020204" pitchFamily="34" charset="0"/>
+              </a:defRPr>
+            </a:lvl9pPr>
+          </a:lstStyle>
+          <a:p>
+            <a:pPr>
+              <a:buSzPct val="25000"/>
+            </a:pPr>
+            <a:r>
+              <a:rPr lang="ru-RU" altLang="ru-RU" sz="1200" dirty="0" smtClean="0">
+                <a:solidFill>
+                  <a:srgbClr val="538CD5"/>
+                </a:solidFill>
+                <a:cs typeface="Calibri" panose="020F0502020204030204" pitchFamily="34" charset="0"/>
+                <a:sym typeface="Calibri" panose="020F0502020204030204" pitchFamily="34" charset="0"/>
+              </a:rPr>
+              <a:t>Грушевский </a:t>
+            </a:r>
+            <a:r>
+              <a:rPr lang="ru-RU" altLang="ru-RU" sz="1200" dirty="0">
+                <a:solidFill>
+                  <a:srgbClr val="538CD5"/>
+                </a:solidFill>
+                <a:cs typeface="Calibri" panose="020F0502020204030204" pitchFamily="34" charset="0"/>
+                <a:sym typeface="Calibri" panose="020F0502020204030204" pitchFamily="34" charset="0"/>
+              </a:rPr>
+              <a:t>А. А.</a:t>
+            </a:r>
+          </a:p>
+        </p:txBody>
+      </p:sp>
+      <p:sp>
+        <p:nvSpPr>
+          <p:cNvPr id="3082" name="Shape 122"/>
+          <p:cNvSpPr txBox="1">
+            <a:spLocks noChangeArrowheads="1"/>
+          </p:cNvSpPr>
+          <p:nvPr/>
+        </p:nvSpPr>
+        <p:spPr bwMode="auto">
+          <a:xfrm>
+            <a:off x="2590800" y="152401"/>
+            <a:ext cx="7353300" cy="923925"/>
+          </a:xfrm>
+          <a:prstGeom prst="rect">
+            <a:avLst/>
+          </a:prstGeom>
+          <a:noFill/>
+          <a:ln>
+            <a:noFill/>
+          </a:ln>
+          <a:extLst>
+            <a:ext uri="{909E8E84-426E-40DD-AFC4-6F175D3DCCD1}">
+              <a14:hiddenFill xmlns:a14="http://schemas.microsoft.com/office/drawing/2010/main">
+                <a:solidFill>
+                  <a:srgbClr val="FFFFFF"/>
+                </a:solidFill>
+              </a14:hiddenFill>
+            </a:ext>
+            <a:ext uri="{91240B29-F687-4F45-9708-019B960494DF}">
+              <a14:hiddenLine xmlns:a14="http://schemas.microsoft.com/office/drawing/2010/main" w="9525">
+                <a:solidFill>
+                  <a:srgbClr val="000000"/>
+                </a:solidFill>
+                <a:miter lim="800000"/>
+                <a:headEnd/>
+                <a:tailEnd/>
+              </a14:hiddenLine>
+            </a:ext>
+          </a:extLst>
+        </p:spPr>
+        <p:txBody>
+          <a:bodyPr lIns="91425" tIns="45700" rIns="91425" bIns="45700"/>
+          <a:lstStyle>
+            <a:lvl1pPr>
+              <a:defRPr>
+                <a:solidFill>
+                  <a:schemeClr val="tx1"/>
+                </a:solidFill>
+                <a:latin typeface="Arial" panose="020B0604020202020204" pitchFamily="34" charset="0"/>
+                <a:cs typeface="Arial" panose="020B0604020202020204" pitchFamily="34" charset="0"/>
+              </a:defRPr>
+            </a:lvl1pPr>
+            <a:lvl2pPr marL="742950" indent="-285750">
+              <a:defRPr>
+                <a:solidFill>
+                  <a:schemeClr val="tx1"/>
+                </a:solidFill>
+                <a:latin typeface="Arial" panose="020B0604020202020204" pitchFamily="34" charset="0"/>
+                <a:cs typeface="Arial" panose="020B0604020202020204" pitchFamily="34" charset="0"/>
+              </a:defRPr>
+            </a:lvl2pPr>
+            <a:lvl3pPr marL="1143000" indent="-228600">
+              <a:defRPr>
+                <a:solidFill>
+                  <a:schemeClr val="tx1"/>
+                </a:solidFill>
+                <a:latin typeface="Arial" panose="020B0604020202020204" pitchFamily="34" charset="0"/>
+                <a:cs typeface="Arial" panose="020B0604020202020204" pitchFamily="34" charset="0"/>
+              </a:defRPr>
+            </a:lvl3pPr>
+            <a:lvl4pPr marL="1600200" indent="-228600">
+              <a:defRPr>
+                <a:solidFill>
+                  <a:schemeClr val="tx1"/>
+                </a:solidFill>
+                <a:latin typeface="Arial" panose="020B0604020202020204" pitchFamily="34" charset="0"/>
+                <a:cs typeface="Arial" panose="020B0604020202020204" pitchFamily="34" charset="0"/>
+              </a:defRPr>
+            </a:lvl4pPr>
+            <a:lvl5pPr marL="2057400" indent="-228600">
+              <a:defRPr>
+                <a:solidFill>
+                  <a:schemeClr val="tx1"/>
+                </a:solidFill>
+                <a:latin typeface="Arial" panose="020B0604020202020204" pitchFamily="34" charset="0"/>
+                <a:cs typeface="Arial" panose="020B0604020202020204" pitchFamily="34" charset="0"/>
+              </a:defRPr>
+            </a:lvl5pPr>
+            <a:lvl6pPr marL="2514600" indent="-228600" fontAlgn="base">
+              <a:spcBef>
+                <a:spcPct val="0"/>
+              </a:spcBef>
+              <a:spcAft>
+                <a:spcPct val="0"/>
+              </a:spcAft>
+              <a:defRPr>
+                <a:solidFill>
+                  <a:schemeClr val="tx1"/>
+                </a:solidFill>
+                <a:latin typeface="Arial" panose="020B0604020202020204" pitchFamily="34" charset="0"/>
+                <a:cs typeface="Arial" panose="020B0604020202020204" pitchFamily="34" charset="0"/>
+              </a:defRPr>
+            </a:lvl6pPr>
+            <a:lvl7pPr marL="2971800" indent="-228600" fontAlgn="base">
+              <a:spcBef>
+                <a:spcPct val="0"/>
+              </a:spcBef>
+              <a:spcAft>
+                <a:spcPct val="0"/>
+              </a:spcAft>
+              <a:defRPr>
+                <a:solidFill>
+                  <a:schemeClr val="tx1"/>
+                </a:solidFill>
+                <a:latin typeface="Arial" panose="020B0604020202020204" pitchFamily="34" charset="0"/>
+                <a:cs typeface="Arial" panose="020B0604020202020204" pitchFamily="34" charset="0"/>
+              </a:defRPr>
+            </a:lvl7pPr>
+            <a:lvl8pPr marL="3429000" indent="-228600" fontAlgn="base">
+              <a:spcBef>
+                <a:spcPct val="0"/>
+              </a:spcBef>
+              <a:spcAft>
+                <a:spcPct val="0"/>
+              </a:spcAft>
+              <a:defRPr>
+                <a:solidFill>
+                  <a:schemeClr val="tx1"/>
+                </a:solidFill>
+                <a:latin typeface="Arial" panose="020B0604020202020204" pitchFamily="34" charset="0"/>
+                <a:cs typeface="Arial" panose="020B0604020202020204" pitchFamily="34" charset="0"/>
+              </a:defRPr>
+            </a:lvl8pPr>
+            <a:lvl9pPr marL="3886200" indent="-228600" fontAlgn="base">
+              <a:spcBef>
+                <a:spcPct val="0"/>
+              </a:spcBef>
+              <a:spcAft>
+                <a:spcPct val="0"/>
+              </a:spcAft>
+              <a:defRPr>
+                <a:solidFill>
+                  <a:schemeClr val="tx1"/>
+                </a:solidFill>
+                <a:latin typeface="Arial" panose="020B0604020202020204" pitchFamily="34" charset="0"/>
+                <a:cs typeface="Arial" panose="020B0604020202020204" pitchFamily="34" charset="0"/>
+              </a:defRPr>
+            </a:lvl9pPr>
+          </a:lstStyle>
+          <a:p>
+            <a:pPr algn="ctr">
+              <a:buClr>
+                <a:srgbClr val="000000"/>
+              </a:buClr>
+              <a:buSzPct val="25000"/>
+              <a:buFont typeface="Arial" panose="020B0604020202020204" pitchFamily="34" charset="0"/>
+              <a:buNone/>
+            </a:pPr>
+            <a:r>
+              <a:rPr lang="ru-RU" altLang="ru-RU" dirty="0">
+                <a:solidFill>
+                  <a:srgbClr val="002060"/>
+                </a:solidFill>
+                <a:latin typeface="Times New Roman" panose="02020603050405020304" pitchFamily="18" charset="0"/>
+                <a:cs typeface="Times New Roman" panose="02020603050405020304" pitchFamily="18" charset="0"/>
+                <a:sym typeface="Times New Roman" panose="02020603050405020304" pitchFamily="18" charset="0"/>
+              </a:rPr>
+              <a:t>ПРИМЕНЕНИЕ МЕТОДОЛОГИИ PWA ДЛЯ РАЗРАБОТКИ ПРИЛОЖЕНИЯ-ЕЖЕДНЕВНИКА</a:t>
+            </a:r>
+          </a:p>
+        </p:txBody>
+      </p:sp>
+      <p:sp>
+        <p:nvSpPr>
+          <p:cNvPr id="3084" name="Rectangle 12"/>
+          <p:cNvSpPr>
+            <a:spLocks noGrp="1" noChangeArrowheads="1"/>
+          </p:cNvSpPr>
+          <p:nvPr>
+            <p:ph type="ctrTitle"/>
+          </p:nvPr>
+        </p:nvSpPr>
+        <p:spPr>
+          <a:xfrm>
+            <a:off x="2209800" y="1143001"/>
+            <a:ext cx="7696200" cy="765175"/>
+          </a:xfrm>
+        </p:spPr>
+        <p:txBody>
+          <a:bodyPr anchor="ctr"/>
+          <a:lstStyle/>
+          <a:p>
+            <a:r>
+              <a:rPr lang="ru-RU" altLang="ru-RU" sz="3600" dirty="0">
+                <a:latin typeface="Times New Roman" panose="02020603050405020304" pitchFamily="18" charset="0"/>
+              </a:rPr>
+              <a:t>Ссылка на приложение</a:t>
+            </a:r>
+          </a:p>
+        </p:txBody>
+      </p:sp>
+      <p:sp>
+        <p:nvSpPr>
+          <p:cNvPr id="3085" name="Rectangle 13"/>
+          <p:cNvSpPr>
+            <a:spLocks noGrp="1" noChangeArrowheads="1"/>
+          </p:cNvSpPr>
+          <p:nvPr>
+            <p:ph type="subTitle" idx="1"/>
+          </p:nvPr>
+        </p:nvSpPr>
+        <p:spPr>
+          <a:xfrm>
+            <a:off x="1828800" y="2133600"/>
+            <a:ext cx="8458200" cy="3352800"/>
+          </a:xfrm>
+        </p:spPr>
+        <p:txBody>
+          <a:bodyPr>
+            <a:normAutofit/>
+          </a:bodyPr>
+          <a:lstStyle/>
+          <a:p>
+            <a:pPr marL="609600" indent="-609600" algn="l">
+              <a:buFontTx/>
+              <a:buChar char="•"/>
+            </a:pPr>
+            <a:endParaRPr lang="en-US" altLang="ru-RU" dirty="0" smtClean="0">
+              <a:latin typeface="Times New Roman" panose="02020603050405020304" pitchFamily="18" charset="0"/>
+            </a:endParaRPr>
+          </a:p>
+          <a:p>
+            <a:pPr marL="609600" indent="-609600" algn="l">
+              <a:buFontTx/>
+              <a:buChar char="•"/>
+            </a:pPr>
+            <a:endParaRPr lang="en-US" altLang="ru-RU" dirty="0" smtClean="0">
+              <a:latin typeface="Times New Roman" panose="02020603050405020304" pitchFamily="18" charset="0"/>
+            </a:endParaRPr>
+          </a:p>
+          <a:p>
+            <a:r>
+              <a:rPr lang="en-US" altLang="ru-RU" sz="3200" u="sng" dirty="0">
+                <a:solidFill>
+                  <a:srgbClr val="0070C0"/>
+                </a:solidFill>
+                <a:latin typeface="Times New Roman" panose="02020603050405020304" pitchFamily="18" charset="0"/>
+              </a:rPr>
+              <a:t>https://todo-pwa.herokuapp.com</a:t>
+            </a:r>
+          </a:p>
+          <a:p>
+            <a:pPr marL="609600" indent="-609600" algn="l">
+              <a:buFontTx/>
+              <a:buChar char="•"/>
+            </a:pPr>
+            <a:endParaRPr lang="ru-RU" altLang="ru-RU" dirty="0">
+              <a:latin typeface="Times New Roman" panose="02020603050405020304" pitchFamily="18" charset="0"/>
+            </a:endParaRPr>
+          </a:p>
+        </p:txBody>
+      </p:sp>
+      <p:sp>
+        <p:nvSpPr>
+          <p:cNvPr id="3086" name="Shape 90"/>
+          <p:cNvSpPr txBox="1">
+            <a:spLocks noGrp="1"/>
+          </p:cNvSpPr>
+          <p:nvPr/>
+        </p:nvSpPr>
+        <p:spPr bwMode="auto">
+          <a:xfrm>
+            <a:off x="9448800" y="6324601"/>
+            <a:ext cx="762000" cy="365125"/>
+          </a:xfrm>
+          <a:prstGeom prst="rect">
+            <a:avLst/>
+          </a:prstGeom>
+          <a:noFill/>
+          <a:ln>
+            <a:noFill/>
+          </a:ln>
+          <a:extLst>
+            <a:ext uri="{909E8E84-426E-40DD-AFC4-6F175D3DCCD1}">
+              <a14:hiddenFill xmlns:a14="http://schemas.microsoft.com/office/drawing/2010/main">
+                <a:solidFill>
+                  <a:srgbClr val="FFFFFF"/>
+                </a:solidFill>
+              </a14:hiddenFill>
+            </a:ext>
+            <a:ext uri="{91240B29-F687-4F45-9708-019B960494DF}">
+              <a14:hiddenLine xmlns:a14="http://schemas.microsoft.com/office/drawing/2010/main" w="9525">
+                <a:solidFill>
+                  <a:srgbClr val="000000"/>
+                </a:solidFill>
+                <a:miter lim="800000"/>
+                <a:headEnd/>
+                <a:tailEnd/>
+              </a14:hiddenLine>
+            </a:ext>
+          </a:extLst>
+        </p:spPr>
+        <p:txBody>
+          <a:bodyPr lIns="91425" tIns="45700" rIns="91425" bIns="45700" anchor="ctr"/>
+          <a:lstStyle>
+            <a:lvl1pPr>
+              <a:defRPr>
+                <a:solidFill>
+                  <a:schemeClr val="tx1"/>
+                </a:solidFill>
+                <a:latin typeface="Arial" panose="020B0604020202020204" pitchFamily="34" charset="0"/>
+                <a:cs typeface="Arial" panose="020B0604020202020204" pitchFamily="34" charset="0"/>
+              </a:defRPr>
+            </a:lvl1pPr>
+            <a:lvl2pPr marL="742950" indent="-285750">
+              <a:defRPr>
+                <a:solidFill>
+                  <a:schemeClr val="tx1"/>
+                </a:solidFill>
+                <a:latin typeface="Arial" panose="020B0604020202020204" pitchFamily="34" charset="0"/>
+                <a:cs typeface="Arial" panose="020B0604020202020204" pitchFamily="34" charset="0"/>
+              </a:defRPr>
+            </a:lvl2pPr>
+            <a:lvl3pPr marL="1143000" indent="-228600">
+              <a:defRPr>
+                <a:solidFill>
+                  <a:schemeClr val="tx1"/>
+                </a:solidFill>
+                <a:latin typeface="Arial" panose="020B0604020202020204" pitchFamily="34" charset="0"/>
+                <a:cs typeface="Arial" panose="020B0604020202020204" pitchFamily="34" charset="0"/>
+              </a:defRPr>
+            </a:lvl3pPr>
+            <a:lvl4pPr marL="1600200" indent="-228600">
+              <a:defRPr>
+                <a:solidFill>
+                  <a:schemeClr val="tx1"/>
+                </a:solidFill>
+                <a:latin typeface="Arial" panose="020B0604020202020204" pitchFamily="34" charset="0"/>
+                <a:cs typeface="Arial" panose="020B0604020202020204" pitchFamily="34" charset="0"/>
+              </a:defRPr>
+            </a:lvl4pPr>
+            <a:lvl5pPr marL="2057400" indent="-228600">
+              <a:defRPr>
+                <a:solidFill>
+                  <a:schemeClr val="tx1"/>
+                </a:solidFill>
+                <a:latin typeface="Arial" panose="020B0604020202020204" pitchFamily="34" charset="0"/>
+                <a:cs typeface="Arial" panose="020B0604020202020204" pitchFamily="34" charset="0"/>
+              </a:defRPr>
+            </a:lvl5pPr>
+            <a:lvl6pPr marL="2514600" indent="-228600" fontAlgn="base">
+              <a:spcBef>
+                <a:spcPct val="0"/>
+              </a:spcBef>
+              <a:spcAft>
+                <a:spcPct val="0"/>
+              </a:spcAft>
+              <a:defRPr>
+                <a:solidFill>
+                  <a:schemeClr val="tx1"/>
+                </a:solidFill>
+                <a:latin typeface="Arial" panose="020B0604020202020204" pitchFamily="34" charset="0"/>
+                <a:cs typeface="Arial" panose="020B0604020202020204" pitchFamily="34" charset="0"/>
+              </a:defRPr>
+            </a:lvl6pPr>
+            <a:lvl7pPr marL="2971800" indent="-228600" fontAlgn="base">
+              <a:spcBef>
+                <a:spcPct val="0"/>
+              </a:spcBef>
+              <a:spcAft>
+                <a:spcPct val="0"/>
+              </a:spcAft>
+              <a:defRPr>
+                <a:solidFill>
+                  <a:schemeClr val="tx1"/>
+                </a:solidFill>
+                <a:latin typeface="Arial" panose="020B0604020202020204" pitchFamily="34" charset="0"/>
+                <a:cs typeface="Arial" panose="020B0604020202020204" pitchFamily="34" charset="0"/>
+              </a:defRPr>
+            </a:lvl7pPr>
+            <a:lvl8pPr marL="3429000" indent="-228600" fontAlgn="base">
+              <a:spcBef>
+                <a:spcPct val="0"/>
+              </a:spcBef>
+              <a:spcAft>
+                <a:spcPct val="0"/>
+              </a:spcAft>
+              <a:defRPr>
+                <a:solidFill>
+                  <a:schemeClr val="tx1"/>
+                </a:solidFill>
+                <a:latin typeface="Arial" panose="020B0604020202020204" pitchFamily="34" charset="0"/>
+                <a:cs typeface="Arial" panose="020B0604020202020204" pitchFamily="34" charset="0"/>
+              </a:defRPr>
+            </a:lvl8pPr>
+            <a:lvl9pPr marL="3886200" indent="-228600" fontAlgn="base">
+              <a:spcBef>
+                <a:spcPct val="0"/>
+              </a:spcBef>
+              <a:spcAft>
+                <a:spcPct val="0"/>
+              </a:spcAft>
+              <a:defRPr>
+                <a:solidFill>
+                  <a:schemeClr val="tx1"/>
+                </a:solidFill>
+                <a:latin typeface="Arial" panose="020B0604020202020204" pitchFamily="34" charset="0"/>
+                <a:cs typeface="Arial" panose="020B0604020202020204" pitchFamily="34" charset="0"/>
+              </a:defRPr>
+            </a:lvl9pPr>
+          </a:lstStyle>
+          <a:p>
+            <a:pPr algn="r">
+              <a:buSzPct val="25000"/>
+            </a:pPr>
+            <a:fld id="{E8D2BFA3-0E08-4F54-BE52-BFAC23070E27}" type="slidenum">
+              <a:rPr lang="ru-RU" altLang="ru-RU" sz="1200">
+                <a:solidFill>
+                  <a:srgbClr val="888888"/>
+                </a:solidFill>
+                <a:latin typeface="Calibri" panose="020F0502020204030204" pitchFamily="34" charset="0"/>
+                <a:cs typeface="Calibri" panose="020F0502020204030204" pitchFamily="34" charset="0"/>
+                <a:sym typeface="Calibri" panose="020F0502020204030204" pitchFamily="34" charset="0"/>
+              </a:rPr>
+              <a:pPr algn="r">
+                <a:buSzPct val="25000"/>
+              </a:pPr>
+              <a:t>12</a:t>
+            </a:fld>
+            <a:endParaRPr lang="ru-RU" altLang="ru-RU" sz="1200">
+              <a:solidFill>
+                <a:srgbClr val="888888"/>
+              </a:solidFill>
+              <a:latin typeface="Calibri" panose="020F0502020204030204" pitchFamily="34" charset="0"/>
+              <a:cs typeface="Calibri" panose="020F0502020204030204" pitchFamily="34" charset="0"/>
+              <a:sym typeface="Calibri" panose="020F0502020204030204" pitchFamily="34" charset="0"/>
+            </a:endParaRPr>
+          </a:p>
+        </p:txBody>
+      </p:sp>
+    </p:spTree>
+    <p:extLst>
+      <p:ext uri="{BB962C8B-B14F-4D97-AF65-F5344CB8AC3E}">
+        <p14:creationId xmlns:p14="http://schemas.microsoft.com/office/powerpoint/2010/main" val="2768526645"/>
+      </p:ext>
+    </p:extLst>
+  </p:cSld>
+  <p:clrMapOvr>
+    <a:masterClrMapping/>
+  </p:clrMapOvr>
+  <p:timing>
+    <p:tnLst>
+      <p:par>
+        <p:cTn id="1" dur="indefinite" restart="never" nodeType="tmRoot"/>
+      </p:par>
+    </p:tnLst>
+  </p:timing>
+</p:sld>
+</file>
+
+<file path=ppt/slides/slide13.xml><?xml version="1.0" encoding="utf-8"?>
+<p:sld xmlns:a="http://schemas.openxmlformats.org/drawingml/2006/main" xmlns:r="http://schemas.openxmlformats.org/officeDocument/2006/relationships" xmlns:p="http://schemas.openxmlformats.org/presentationml/2006/main">
+  <p:cSld>
+    <p:spTree>
+      <p:nvGrpSpPr>
+        <p:cNvPr id="1" name=""/>
+        <p:cNvGrpSpPr/>
+        <p:nvPr/>
+      </p:nvGrpSpPr>
+      <p:grpSpPr>
+        <a:xfrm>
+          <a:off x="0" y="0"/>
+          <a:ext cx="0" cy="0"/>
+          <a:chOff x="0" y="0"/>
+          <a:chExt cx="0" cy="0"/>
+        </a:xfrm>
+      </p:grpSpPr>
+      <p:sp>
+        <p:nvSpPr>
+          <p:cNvPr id="3076" name="Shape 120"/>
+          <p:cNvSpPr txBox="1">
+            <a:spLocks noGrp="1"/>
+          </p:cNvSpPr>
+          <p:nvPr/>
+        </p:nvSpPr>
+        <p:spPr bwMode="auto">
+          <a:xfrm>
+            <a:off x="4191000" y="6356351"/>
+            <a:ext cx="3352800" cy="365125"/>
+          </a:xfrm>
+          <a:prstGeom prst="rect">
+            <a:avLst/>
+          </a:prstGeom>
+          <a:noFill/>
+          <a:ln>
+            <a:noFill/>
+          </a:ln>
+          <a:extLst>
+            <a:ext uri="{909E8E84-426E-40DD-AFC4-6F175D3DCCD1}">
+              <a14:hiddenFill xmlns:a14="http://schemas.microsoft.com/office/drawing/2010/main">
+                <a:solidFill>
+                  <a:srgbClr val="FFFFFF"/>
+                </a:solidFill>
+              </a14:hiddenFill>
+            </a:ext>
+            <a:ext uri="{91240B29-F687-4F45-9708-019B960494DF}">
+              <a14:hiddenLine xmlns:a14="http://schemas.microsoft.com/office/drawing/2010/main" w="9525">
+                <a:solidFill>
+                  <a:srgbClr val="000000"/>
+                </a:solidFill>
+                <a:miter lim="800000"/>
+                <a:headEnd/>
+                <a:tailEnd/>
+              </a14:hiddenLine>
+            </a:ext>
+          </a:extLst>
+        </p:spPr>
+        <p:txBody>
+          <a:bodyPr lIns="91425" tIns="45700" rIns="91425" bIns="45700" anchor="ctr"/>
+          <a:lstStyle>
+            <a:lvl1pPr>
+              <a:defRPr>
+                <a:solidFill>
+                  <a:schemeClr val="tx1"/>
+                </a:solidFill>
+                <a:latin typeface="Arial" panose="020B0604020202020204" pitchFamily="34" charset="0"/>
+                <a:cs typeface="Arial" panose="020B0604020202020204" pitchFamily="34" charset="0"/>
+              </a:defRPr>
+            </a:lvl1pPr>
+            <a:lvl2pPr marL="742950" indent="-285750">
+              <a:defRPr>
+                <a:solidFill>
+                  <a:schemeClr val="tx1"/>
+                </a:solidFill>
+                <a:latin typeface="Arial" panose="020B0604020202020204" pitchFamily="34" charset="0"/>
+                <a:cs typeface="Arial" panose="020B0604020202020204" pitchFamily="34" charset="0"/>
+              </a:defRPr>
+            </a:lvl2pPr>
+            <a:lvl3pPr marL="1143000" indent="-228600">
+              <a:defRPr>
+                <a:solidFill>
+                  <a:schemeClr val="tx1"/>
+                </a:solidFill>
+                <a:latin typeface="Arial" panose="020B0604020202020204" pitchFamily="34" charset="0"/>
+                <a:cs typeface="Arial" panose="020B0604020202020204" pitchFamily="34" charset="0"/>
+              </a:defRPr>
+            </a:lvl3pPr>
+            <a:lvl4pPr marL="1600200" indent="-228600">
+              <a:defRPr>
+                <a:solidFill>
+                  <a:schemeClr val="tx1"/>
+                </a:solidFill>
+                <a:latin typeface="Arial" panose="020B0604020202020204" pitchFamily="34" charset="0"/>
+                <a:cs typeface="Arial" panose="020B0604020202020204" pitchFamily="34" charset="0"/>
+              </a:defRPr>
+            </a:lvl4pPr>
+            <a:lvl5pPr marL="2057400" indent="-228600">
+              <a:defRPr>
+                <a:solidFill>
+                  <a:schemeClr val="tx1"/>
+                </a:solidFill>
+                <a:latin typeface="Arial" panose="020B0604020202020204" pitchFamily="34" charset="0"/>
+                <a:cs typeface="Arial" panose="020B0604020202020204" pitchFamily="34" charset="0"/>
+              </a:defRPr>
+            </a:lvl5pPr>
+            <a:lvl6pPr marL="2514600" indent="-228600" fontAlgn="base">
+              <a:spcBef>
+                <a:spcPct val="0"/>
+              </a:spcBef>
+              <a:spcAft>
+                <a:spcPct val="0"/>
+              </a:spcAft>
+              <a:defRPr>
+                <a:solidFill>
+                  <a:schemeClr val="tx1"/>
+                </a:solidFill>
+                <a:latin typeface="Arial" panose="020B0604020202020204" pitchFamily="34" charset="0"/>
+                <a:cs typeface="Arial" panose="020B0604020202020204" pitchFamily="34" charset="0"/>
+              </a:defRPr>
+            </a:lvl6pPr>
+            <a:lvl7pPr marL="2971800" indent="-228600" fontAlgn="base">
+              <a:spcBef>
+                <a:spcPct val="0"/>
+              </a:spcBef>
+              <a:spcAft>
+                <a:spcPct val="0"/>
+              </a:spcAft>
+              <a:defRPr>
+                <a:solidFill>
+                  <a:schemeClr val="tx1"/>
+                </a:solidFill>
+                <a:latin typeface="Arial" panose="020B0604020202020204" pitchFamily="34" charset="0"/>
+                <a:cs typeface="Arial" panose="020B0604020202020204" pitchFamily="34" charset="0"/>
+              </a:defRPr>
+            </a:lvl7pPr>
+            <a:lvl8pPr marL="3429000" indent="-228600" fontAlgn="base">
+              <a:spcBef>
+                <a:spcPct val="0"/>
+              </a:spcBef>
+              <a:spcAft>
+                <a:spcPct val="0"/>
+              </a:spcAft>
+              <a:defRPr>
+                <a:solidFill>
+                  <a:schemeClr val="tx1"/>
+                </a:solidFill>
+                <a:latin typeface="Arial" panose="020B0604020202020204" pitchFamily="34" charset="0"/>
+                <a:cs typeface="Arial" panose="020B0604020202020204" pitchFamily="34" charset="0"/>
+              </a:defRPr>
+            </a:lvl8pPr>
+            <a:lvl9pPr marL="3886200" indent="-228600" fontAlgn="base">
+              <a:spcBef>
+                <a:spcPct val="0"/>
+              </a:spcBef>
+              <a:spcAft>
+                <a:spcPct val="0"/>
+              </a:spcAft>
+              <a:defRPr>
+                <a:solidFill>
+                  <a:schemeClr val="tx1"/>
+                </a:solidFill>
+                <a:latin typeface="Arial" panose="020B0604020202020204" pitchFamily="34" charset="0"/>
+                <a:cs typeface="Arial" panose="020B0604020202020204" pitchFamily="34" charset="0"/>
+              </a:defRPr>
+            </a:lvl9pPr>
+          </a:lstStyle>
+          <a:p>
+            <a:pPr algn="ctr">
+              <a:buSzPct val="25000"/>
+            </a:pPr>
+            <a:r>
+              <a:rPr lang="ru-RU" altLang="ru-RU" sz="1200">
+                <a:solidFill>
+                  <a:srgbClr val="538CD5"/>
+                </a:solidFill>
+                <a:latin typeface="Calibri" panose="020F0502020204030204" pitchFamily="34" charset="0"/>
+                <a:cs typeface="Calibri" panose="020F0502020204030204" pitchFamily="34" charset="0"/>
+                <a:sym typeface="Calibri" panose="020F0502020204030204" pitchFamily="34" charset="0"/>
+              </a:rPr>
+              <a:t>Минск 2017</a:t>
+            </a:r>
+          </a:p>
+        </p:txBody>
+      </p:sp>
+      <p:pic>
+        <p:nvPicPr>
+          <p:cNvPr id="3077" name="Shape 119" descr="BSU 2"/>
+          <p:cNvPicPr preferRelativeResize="0">
+            <a:picLocks noChangeAspect="1" noChangeArrowheads="1"/>
+          </p:cNvPicPr>
+          <p:nvPr/>
+        </p:nvPicPr>
+        <p:blipFill>
+          <a:blip r:embed="rId2">
+            <a:extLst>
+              <a:ext uri="{28A0092B-C50C-407E-A947-70E740481C1C}">
+                <a14:useLocalDpi xmlns:a14="http://schemas.microsoft.com/office/drawing/2010/main" val="0"/>
+              </a:ext>
+            </a:extLst>
+          </a:blip>
+          <a:srcRect/>
+          <a:stretch>
+            <a:fillRect/>
+          </a:stretch>
+        </p:blipFill>
+        <p:spPr bwMode="auto">
+          <a:xfrm>
+            <a:off x="1524001" y="0"/>
+            <a:ext cx="619125" cy="977900"/>
+          </a:xfrm>
+          <a:prstGeom prst="rect">
+            <a:avLst/>
+          </a:prstGeom>
+          <a:noFill/>
+          <a:ln>
+            <a:noFill/>
+          </a:ln>
+          <a:extLst>
+            <a:ext uri="{909E8E84-426E-40DD-AFC4-6F175D3DCCD1}">
+              <a14:hiddenFill xmlns:a14="http://schemas.microsoft.com/office/drawing/2010/main">
+                <a:solidFill>
+                  <a:srgbClr val="FFFFFF"/>
+                </a:solidFill>
+              </a14:hiddenFill>
+            </a:ext>
+            <a:ext uri="{91240B29-F687-4F45-9708-019B960494DF}">
+              <a14:hiddenLine xmlns:a14="http://schemas.microsoft.com/office/drawing/2010/main" w="9525">
+                <a:solidFill>
+                  <a:srgbClr val="000000"/>
+                </a:solidFill>
+                <a:miter lim="800000"/>
+                <a:headEnd/>
+                <a:tailEnd/>
+              </a14:hiddenLine>
+            </a:ext>
+          </a:extLst>
+        </p:spPr>
+      </p:pic>
+      <p:sp>
+        <p:nvSpPr>
+          <p:cNvPr id="3078" name="Shape 121"/>
+          <p:cNvSpPr txBox="1">
+            <a:spLocks noGrp="1"/>
+          </p:cNvSpPr>
+          <p:nvPr/>
+        </p:nvSpPr>
+        <p:spPr bwMode="auto">
+          <a:xfrm>
+            <a:off x="1952625" y="6357939"/>
+            <a:ext cx="2133600" cy="365125"/>
+          </a:xfrm>
+          <a:prstGeom prst="rect">
+            <a:avLst/>
+          </a:prstGeom>
+          <a:noFill/>
+          <a:ln>
+            <a:noFill/>
+          </a:ln>
+          <a:extLst>
+            <a:ext uri="{909E8E84-426E-40DD-AFC4-6F175D3DCCD1}">
+              <a14:hiddenFill xmlns:a14="http://schemas.microsoft.com/office/drawing/2010/main">
+                <a:solidFill>
+                  <a:srgbClr val="FFFFFF"/>
+                </a:solidFill>
+              </a14:hiddenFill>
+            </a:ext>
+            <a:ext uri="{91240B29-F687-4F45-9708-019B960494DF}">
+              <a14:hiddenLine xmlns:a14="http://schemas.microsoft.com/office/drawing/2010/main" w="9525">
+                <a:solidFill>
+                  <a:srgbClr val="000000"/>
+                </a:solidFill>
+                <a:miter lim="800000"/>
+                <a:headEnd/>
+                <a:tailEnd/>
+              </a14:hiddenLine>
+            </a:ext>
+          </a:extLst>
+        </p:spPr>
+        <p:txBody>
+          <a:bodyPr lIns="91425" tIns="45700" rIns="91425" bIns="45700" anchor="ctr"/>
+          <a:lstStyle>
+            <a:lvl1pPr>
+              <a:defRPr>
+                <a:solidFill>
+                  <a:schemeClr val="tx1"/>
+                </a:solidFill>
+                <a:latin typeface="Arial" panose="020B0604020202020204" pitchFamily="34" charset="0"/>
+                <a:cs typeface="Arial" panose="020B0604020202020204" pitchFamily="34" charset="0"/>
+              </a:defRPr>
+            </a:lvl1pPr>
+            <a:lvl2pPr marL="742950" indent="-285750">
+              <a:defRPr>
+                <a:solidFill>
+                  <a:schemeClr val="tx1"/>
+                </a:solidFill>
+                <a:latin typeface="Arial" panose="020B0604020202020204" pitchFamily="34" charset="0"/>
+                <a:cs typeface="Arial" panose="020B0604020202020204" pitchFamily="34" charset="0"/>
+              </a:defRPr>
+            </a:lvl2pPr>
+            <a:lvl3pPr marL="1143000" indent="-228600">
+              <a:defRPr>
+                <a:solidFill>
+                  <a:schemeClr val="tx1"/>
+                </a:solidFill>
+                <a:latin typeface="Arial" panose="020B0604020202020204" pitchFamily="34" charset="0"/>
+                <a:cs typeface="Arial" panose="020B0604020202020204" pitchFamily="34" charset="0"/>
+              </a:defRPr>
+            </a:lvl3pPr>
+            <a:lvl4pPr marL="1600200" indent="-228600">
+              <a:defRPr>
+                <a:solidFill>
+                  <a:schemeClr val="tx1"/>
+                </a:solidFill>
+                <a:latin typeface="Arial" panose="020B0604020202020204" pitchFamily="34" charset="0"/>
+                <a:cs typeface="Arial" panose="020B0604020202020204" pitchFamily="34" charset="0"/>
+              </a:defRPr>
+            </a:lvl4pPr>
+            <a:lvl5pPr marL="2057400" indent="-228600">
+              <a:defRPr>
+                <a:solidFill>
+                  <a:schemeClr val="tx1"/>
+                </a:solidFill>
+                <a:latin typeface="Arial" panose="020B0604020202020204" pitchFamily="34" charset="0"/>
+                <a:cs typeface="Arial" panose="020B0604020202020204" pitchFamily="34" charset="0"/>
+              </a:defRPr>
+            </a:lvl5pPr>
+            <a:lvl6pPr marL="2514600" indent="-228600" fontAlgn="base">
+              <a:spcBef>
+                <a:spcPct val="0"/>
+              </a:spcBef>
+              <a:spcAft>
+                <a:spcPct val="0"/>
+              </a:spcAft>
+              <a:defRPr>
+                <a:solidFill>
+                  <a:schemeClr val="tx1"/>
+                </a:solidFill>
+                <a:latin typeface="Arial" panose="020B0604020202020204" pitchFamily="34" charset="0"/>
+                <a:cs typeface="Arial" panose="020B0604020202020204" pitchFamily="34" charset="0"/>
+              </a:defRPr>
+            </a:lvl6pPr>
+            <a:lvl7pPr marL="2971800" indent="-228600" fontAlgn="base">
+              <a:spcBef>
+                <a:spcPct val="0"/>
+              </a:spcBef>
+              <a:spcAft>
+                <a:spcPct val="0"/>
+              </a:spcAft>
+              <a:defRPr>
+                <a:solidFill>
+                  <a:schemeClr val="tx1"/>
+                </a:solidFill>
+                <a:latin typeface="Arial" panose="020B0604020202020204" pitchFamily="34" charset="0"/>
+                <a:cs typeface="Arial" panose="020B0604020202020204" pitchFamily="34" charset="0"/>
+              </a:defRPr>
+            </a:lvl7pPr>
+            <a:lvl8pPr marL="3429000" indent="-228600" fontAlgn="base">
+              <a:spcBef>
+                <a:spcPct val="0"/>
+              </a:spcBef>
+              <a:spcAft>
+                <a:spcPct val="0"/>
+              </a:spcAft>
+              <a:defRPr>
+                <a:solidFill>
+                  <a:schemeClr val="tx1"/>
+                </a:solidFill>
+                <a:latin typeface="Arial" panose="020B0604020202020204" pitchFamily="34" charset="0"/>
+                <a:cs typeface="Arial" panose="020B0604020202020204" pitchFamily="34" charset="0"/>
+              </a:defRPr>
+            </a:lvl8pPr>
+            <a:lvl9pPr marL="3886200" indent="-228600" fontAlgn="base">
+              <a:spcBef>
+                <a:spcPct val="0"/>
+              </a:spcBef>
+              <a:spcAft>
+                <a:spcPct val="0"/>
+              </a:spcAft>
+              <a:defRPr>
+                <a:solidFill>
+                  <a:schemeClr val="tx1"/>
+                </a:solidFill>
+                <a:latin typeface="Arial" panose="020B0604020202020204" pitchFamily="34" charset="0"/>
+                <a:cs typeface="Arial" panose="020B0604020202020204" pitchFamily="34" charset="0"/>
+              </a:defRPr>
+            </a:lvl9pPr>
+          </a:lstStyle>
+          <a:p>
+            <a:pPr>
+              <a:buSzPct val="25000"/>
+            </a:pPr>
+            <a:r>
+              <a:rPr lang="ru-RU" altLang="ru-RU" sz="1200" dirty="0" smtClean="0">
+                <a:solidFill>
+                  <a:srgbClr val="538CD5"/>
+                </a:solidFill>
+                <a:cs typeface="Calibri" panose="020F0502020204030204" pitchFamily="34" charset="0"/>
+                <a:sym typeface="Calibri" panose="020F0502020204030204" pitchFamily="34" charset="0"/>
+              </a:rPr>
+              <a:t>Грушевский </a:t>
+            </a:r>
+            <a:r>
+              <a:rPr lang="ru-RU" altLang="ru-RU" sz="1200" dirty="0">
+                <a:solidFill>
+                  <a:srgbClr val="538CD5"/>
+                </a:solidFill>
+                <a:cs typeface="Calibri" panose="020F0502020204030204" pitchFamily="34" charset="0"/>
+                <a:sym typeface="Calibri" panose="020F0502020204030204" pitchFamily="34" charset="0"/>
+              </a:rPr>
+              <a:t>А. А.</a:t>
+            </a:r>
+          </a:p>
+        </p:txBody>
+      </p:sp>
+      <p:sp>
+        <p:nvSpPr>
+          <p:cNvPr id="3082" name="Shape 122"/>
+          <p:cNvSpPr txBox="1">
+            <a:spLocks noChangeArrowheads="1"/>
+          </p:cNvSpPr>
+          <p:nvPr/>
+        </p:nvSpPr>
+        <p:spPr bwMode="auto">
+          <a:xfrm>
+            <a:off x="2590800" y="152401"/>
+            <a:ext cx="7353300" cy="923925"/>
+          </a:xfrm>
+          <a:prstGeom prst="rect">
+            <a:avLst/>
+          </a:prstGeom>
+          <a:noFill/>
+          <a:ln>
+            <a:noFill/>
+          </a:ln>
+          <a:extLst>
+            <a:ext uri="{909E8E84-426E-40DD-AFC4-6F175D3DCCD1}">
+              <a14:hiddenFill xmlns:a14="http://schemas.microsoft.com/office/drawing/2010/main">
+                <a:solidFill>
+                  <a:srgbClr val="FFFFFF"/>
+                </a:solidFill>
+              </a14:hiddenFill>
+            </a:ext>
+            <a:ext uri="{91240B29-F687-4F45-9708-019B960494DF}">
+              <a14:hiddenLine xmlns:a14="http://schemas.microsoft.com/office/drawing/2010/main" w="9525">
+                <a:solidFill>
+                  <a:srgbClr val="000000"/>
+                </a:solidFill>
+                <a:miter lim="800000"/>
+                <a:headEnd/>
+                <a:tailEnd/>
+              </a14:hiddenLine>
+            </a:ext>
+          </a:extLst>
+        </p:spPr>
+        <p:txBody>
+          <a:bodyPr lIns="91425" tIns="45700" rIns="91425" bIns="45700"/>
+          <a:lstStyle>
+            <a:lvl1pPr>
+              <a:defRPr>
+                <a:solidFill>
+                  <a:schemeClr val="tx1"/>
+                </a:solidFill>
+                <a:latin typeface="Arial" panose="020B0604020202020204" pitchFamily="34" charset="0"/>
+                <a:cs typeface="Arial" panose="020B0604020202020204" pitchFamily="34" charset="0"/>
+              </a:defRPr>
+            </a:lvl1pPr>
+            <a:lvl2pPr marL="742950" indent="-285750">
+              <a:defRPr>
+                <a:solidFill>
+                  <a:schemeClr val="tx1"/>
+                </a:solidFill>
+                <a:latin typeface="Arial" panose="020B0604020202020204" pitchFamily="34" charset="0"/>
+                <a:cs typeface="Arial" panose="020B0604020202020204" pitchFamily="34" charset="0"/>
+              </a:defRPr>
+            </a:lvl2pPr>
+            <a:lvl3pPr marL="1143000" indent="-228600">
+              <a:defRPr>
+                <a:solidFill>
+                  <a:schemeClr val="tx1"/>
+                </a:solidFill>
+                <a:latin typeface="Arial" panose="020B0604020202020204" pitchFamily="34" charset="0"/>
+                <a:cs typeface="Arial" panose="020B0604020202020204" pitchFamily="34" charset="0"/>
+              </a:defRPr>
+            </a:lvl3pPr>
+            <a:lvl4pPr marL="1600200" indent="-228600">
+              <a:defRPr>
+                <a:solidFill>
+                  <a:schemeClr val="tx1"/>
+                </a:solidFill>
+                <a:latin typeface="Arial" panose="020B0604020202020204" pitchFamily="34" charset="0"/>
+                <a:cs typeface="Arial" panose="020B0604020202020204" pitchFamily="34" charset="0"/>
+              </a:defRPr>
+            </a:lvl4pPr>
+            <a:lvl5pPr marL="2057400" indent="-228600">
+              <a:defRPr>
+                <a:solidFill>
+                  <a:schemeClr val="tx1"/>
+                </a:solidFill>
+                <a:latin typeface="Arial" panose="020B0604020202020204" pitchFamily="34" charset="0"/>
+                <a:cs typeface="Arial" panose="020B0604020202020204" pitchFamily="34" charset="0"/>
+              </a:defRPr>
+            </a:lvl5pPr>
+            <a:lvl6pPr marL="2514600" indent="-228600" fontAlgn="base">
+              <a:spcBef>
+                <a:spcPct val="0"/>
+              </a:spcBef>
+              <a:spcAft>
+                <a:spcPct val="0"/>
+              </a:spcAft>
+              <a:defRPr>
+                <a:solidFill>
+                  <a:schemeClr val="tx1"/>
+                </a:solidFill>
+                <a:latin typeface="Arial" panose="020B0604020202020204" pitchFamily="34" charset="0"/>
+                <a:cs typeface="Arial" panose="020B0604020202020204" pitchFamily="34" charset="0"/>
+              </a:defRPr>
+            </a:lvl6pPr>
+            <a:lvl7pPr marL="2971800" indent="-228600" fontAlgn="base">
+              <a:spcBef>
+                <a:spcPct val="0"/>
+              </a:spcBef>
+              <a:spcAft>
+                <a:spcPct val="0"/>
+              </a:spcAft>
+              <a:defRPr>
+                <a:solidFill>
+                  <a:schemeClr val="tx1"/>
+                </a:solidFill>
+                <a:latin typeface="Arial" panose="020B0604020202020204" pitchFamily="34" charset="0"/>
+                <a:cs typeface="Arial" panose="020B0604020202020204" pitchFamily="34" charset="0"/>
+              </a:defRPr>
+            </a:lvl7pPr>
+            <a:lvl8pPr marL="3429000" indent="-228600" fontAlgn="base">
+              <a:spcBef>
+                <a:spcPct val="0"/>
+              </a:spcBef>
+              <a:spcAft>
+                <a:spcPct val="0"/>
+              </a:spcAft>
+              <a:defRPr>
+                <a:solidFill>
+                  <a:schemeClr val="tx1"/>
+                </a:solidFill>
+                <a:latin typeface="Arial" panose="020B0604020202020204" pitchFamily="34" charset="0"/>
+                <a:cs typeface="Arial" panose="020B0604020202020204" pitchFamily="34" charset="0"/>
+              </a:defRPr>
+            </a:lvl8pPr>
+            <a:lvl9pPr marL="3886200" indent="-228600" fontAlgn="base">
+              <a:spcBef>
+                <a:spcPct val="0"/>
+              </a:spcBef>
+              <a:spcAft>
+                <a:spcPct val="0"/>
+              </a:spcAft>
+              <a:defRPr>
+                <a:solidFill>
+                  <a:schemeClr val="tx1"/>
+                </a:solidFill>
+                <a:latin typeface="Arial" panose="020B0604020202020204" pitchFamily="34" charset="0"/>
+                <a:cs typeface="Arial" panose="020B0604020202020204" pitchFamily="34" charset="0"/>
+              </a:defRPr>
+            </a:lvl9pPr>
+          </a:lstStyle>
+          <a:p>
+            <a:pPr algn="ctr">
+              <a:buClr>
+                <a:srgbClr val="000000"/>
+              </a:buClr>
+              <a:buSzPct val="25000"/>
+              <a:buFont typeface="Arial" panose="020B0604020202020204" pitchFamily="34" charset="0"/>
+              <a:buNone/>
+            </a:pPr>
+            <a:r>
+              <a:rPr lang="ru-RU" altLang="ru-RU" dirty="0">
+                <a:solidFill>
+                  <a:srgbClr val="002060"/>
+                </a:solidFill>
+                <a:latin typeface="Times New Roman" panose="02020603050405020304" pitchFamily="18" charset="0"/>
+                <a:cs typeface="Times New Roman" panose="02020603050405020304" pitchFamily="18" charset="0"/>
+                <a:sym typeface="Times New Roman" panose="02020603050405020304" pitchFamily="18" charset="0"/>
+              </a:rPr>
+              <a:t>ПРИМЕНЕНИЕ МЕТОДОЛОГИИ PWA ДЛЯ РАЗРАБОТКИ ПРИЛОЖЕНИЯ-ЕЖЕДНЕВНИКА</a:t>
+            </a:r>
+          </a:p>
+        </p:txBody>
+      </p:sp>
+      <p:sp>
+        <p:nvSpPr>
+          <p:cNvPr id="3084" name="Rectangle 12"/>
+          <p:cNvSpPr>
+            <a:spLocks noGrp="1" noChangeArrowheads="1"/>
+          </p:cNvSpPr>
+          <p:nvPr>
+            <p:ph type="ctrTitle"/>
+          </p:nvPr>
+        </p:nvSpPr>
+        <p:spPr>
+          <a:xfrm>
+            <a:off x="2209800" y="1143001"/>
+            <a:ext cx="7696200" cy="765175"/>
+          </a:xfrm>
+        </p:spPr>
+        <p:txBody>
+          <a:bodyPr anchor="ctr"/>
+          <a:lstStyle/>
+          <a:p>
+            <a:r>
+              <a:rPr lang="ru-RU" altLang="ru-RU" sz="3600" dirty="0">
+                <a:latin typeface="Times New Roman" panose="02020603050405020304" pitchFamily="18" charset="0"/>
+              </a:rPr>
+              <a:t>Заключение</a:t>
+            </a:r>
+          </a:p>
+        </p:txBody>
+      </p:sp>
+      <p:sp>
+        <p:nvSpPr>
+          <p:cNvPr id="3085" name="Rectangle 13"/>
+          <p:cNvSpPr>
+            <a:spLocks noGrp="1" noChangeArrowheads="1"/>
+          </p:cNvSpPr>
+          <p:nvPr>
+            <p:ph type="subTitle" idx="1"/>
+          </p:nvPr>
+        </p:nvSpPr>
+        <p:spPr>
+          <a:xfrm>
+            <a:off x="1828800" y="2133600"/>
+            <a:ext cx="8458200" cy="3352800"/>
+          </a:xfrm>
+        </p:spPr>
+        <p:txBody>
+          <a:bodyPr/>
+          <a:lstStyle/>
+          <a:p>
+            <a:pPr marL="609600" indent="-609600" algn="l">
+              <a:buFontTx/>
+              <a:buChar char="•"/>
+            </a:pPr>
+            <a:r>
+              <a:rPr lang="ru-RU" altLang="ru-RU" sz="2000" dirty="0" smtClean="0">
+                <a:latin typeface="Times New Roman" panose="02020603050405020304" pitchFamily="18" charset="0"/>
+              </a:rPr>
+              <a:t>Была </a:t>
+            </a:r>
+            <a:r>
+              <a:rPr lang="ru-RU" altLang="ru-RU" sz="2000" dirty="0">
+                <a:latin typeface="Times New Roman" panose="02020603050405020304" pitchFamily="18" charset="0"/>
+              </a:rPr>
+              <a:t>проверена практическая зрелость методологии создания прогрессивных </a:t>
+            </a:r>
+            <a:r>
+              <a:rPr lang="ru-RU" altLang="ru-RU" sz="2000" dirty="0" smtClean="0">
+                <a:latin typeface="Times New Roman" panose="02020603050405020304" pitchFamily="18" charset="0"/>
+              </a:rPr>
+              <a:t>веб-приложений</a:t>
+            </a:r>
+            <a:endParaRPr lang="en-US" altLang="ru-RU" sz="2000" dirty="0" smtClean="0">
+              <a:latin typeface="Times New Roman" panose="02020603050405020304" pitchFamily="18" charset="0"/>
+            </a:endParaRPr>
+          </a:p>
+          <a:p>
+            <a:pPr marL="609600" indent="-609600" algn="l">
+              <a:buFontTx/>
+              <a:buChar char="•"/>
+            </a:pPr>
+            <a:r>
+              <a:rPr lang="ru-RU" altLang="ru-RU" sz="2000" dirty="0" smtClean="0">
+                <a:latin typeface="Times New Roman" panose="02020603050405020304" pitchFamily="18" charset="0"/>
+              </a:rPr>
+              <a:t>Проанализирован </a:t>
+            </a:r>
+            <a:r>
+              <a:rPr lang="ru-RU" altLang="ru-RU" sz="2000" dirty="0">
+                <a:latin typeface="Times New Roman" panose="02020603050405020304" pitchFamily="18" charset="0"/>
+              </a:rPr>
+              <a:t>функционал существующих веб и нативных приложений-ежедневников, и выработан функционал, требуемый для тестового </a:t>
+            </a:r>
+            <a:r>
+              <a:rPr lang="ru-RU" altLang="ru-RU" sz="2000" dirty="0" smtClean="0">
+                <a:latin typeface="Times New Roman" panose="02020603050405020304" pitchFamily="18" charset="0"/>
+              </a:rPr>
+              <a:t>приложения</a:t>
+            </a:r>
+            <a:endParaRPr lang="en-US" altLang="ru-RU" sz="2000" dirty="0" smtClean="0">
+              <a:latin typeface="Times New Roman" panose="02020603050405020304" pitchFamily="18" charset="0"/>
+            </a:endParaRPr>
+          </a:p>
+          <a:p>
+            <a:pPr marL="609600" indent="-609600" algn="l">
+              <a:buFontTx/>
+              <a:buChar char="•"/>
+            </a:pPr>
+            <a:r>
+              <a:rPr lang="ru-RU" altLang="ru-RU" sz="2000" dirty="0" smtClean="0">
+                <a:latin typeface="Times New Roman" panose="02020603050405020304" pitchFamily="18" charset="0"/>
+              </a:rPr>
+              <a:t>Было </a:t>
+            </a:r>
+            <a:r>
+              <a:rPr lang="ru-RU" altLang="ru-RU" sz="2000" dirty="0">
+                <a:latin typeface="Times New Roman" panose="02020603050405020304" pitchFamily="18" charset="0"/>
+              </a:rPr>
+              <a:t>создано приложение, использующее </a:t>
+            </a:r>
+            <a:r>
+              <a:rPr lang="ru-RU" altLang="ru-RU" sz="2000" dirty="0" smtClean="0">
+                <a:latin typeface="Times New Roman" panose="02020603050405020304" pitchFamily="18" charset="0"/>
+              </a:rPr>
+              <a:t>технологии прогрессивных веб-приложений, </a:t>
+            </a:r>
+            <a:r>
+              <a:rPr lang="ru-RU" altLang="ru-RU" sz="2000" dirty="0">
+                <a:latin typeface="Times New Roman" panose="02020603050405020304" pitchFamily="18" charset="0"/>
+              </a:rPr>
+              <a:t>а также проведен анализ его эффективности</a:t>
+            </a:r>
+          </a:p>
+        </p:txBody>
+      </p:sp>
+      <p:sp>
+        <p:nvSpPr>
+          <p:cNvPr id="3086" name="Shape 90"/>
+          <p:cNvSpPr txBox="1">
+            <a:spLocks noGrp="1"/>
+          </p:cNvSpPr>
+          <p:nvPr/>
+        </p:nvSpPr>
+        <p:spPr bwMode="auto">
+          <a:xfrm>
+            <a:off x="9448800" y="6324601"/>
+            <a:ext cx="762000" cy="365125"/>
+          </a:xfrm>
+          <a:prstGeom prst="rect">
+            <a:avLst/>
+          </a:prstGeom>
+          <a:noFill/>
+          <a:ln>
+            <a:noFill/>
+          </a:ln>
+          <a:extLst>
+            <a:ext uri="{909E8E84-426E-40DD-AFC4-6F175D3DCCD1}">
+              <a14:hiddenFill xmlns:a14="http://schemas.microsoft.com/office/drawing/2010/main">
+                <a:solidFill>
+                  <a:srgbClr val="FFFFFF"/>
+                </a:solidFill>
+              </a14:hiddenFill>
+            </a:ext>
+            <a:ext uri="{91240B29-F687-4F45-9708-019B960494DF}">
+              <a14:hiddenLine xmlns:a14="http://schemas.microsoft.com/office/drawing/2010/main" w="9525">
+                <a:solidFill>
+                  <a:srgbClr val="000000"/>
+                </a:solidFill>
+                <a:miter lim="800000"/>
+                <a:headEnd/>
+                <a:tailEnd/>
+              </a14:hiddenLine>
+            </a:ext>
+          </a:extLst>
+        </p:spPr>
+        <p:txBody>
+          <a:bodyPr lIns="91425" tIns="45700" rIns="91425" bIns="45700" anchor="ctr"/>
+          <a:lstStyle>
+            <a:lvl1pPr>
+              <a:defRPr>
+                <a:solidFill>
+                  <a:schemeClr val="tx1"/>
+                </a:solidFill>
+                <a:latin typeface="Arial" panose="020B0604020202020204" pitchFamily="34" charset="0"/>
+                <a:cs typeface="Arial" panose="020B0604020202020204" pitchFamily="34" charset="0"/>
+              </a:defRPr>
+            </a:lvl1pPr>
+            <a:lvl2pPr marL="742950" indent="-285750">
+              <a:defRPr>
+                <a:solidFill>
+                  <a:schemeClr val="tx1"/>
+                </a:solidFill>
+                <a:latin typeface="Arial" panose="020B0604020202020204" pitchFamily="34" charset="0"/>
+                <a:cs typeface="Arial" panose="020B0604020202020204" pitchFamily="34" charset="0"/>
+              </a:defRPr>
+            </a:lvl2pPr>
+            <a:lvl3pPr marL="1143000" indent="-228600">
+              <a:defRPr>
+                <a:solidFill>
+                  <a:schemeClr val="tx1"/>
+                </a:solidFill>
+                <a:latin typeface="Arial" panose="020B0604020202020204" pitchFamily="34" charset="0"/>
+                <a:cs typeface="Arial" panose="020B0604020202020204" pitchFamily="34" charset="0"/>
+              </a:defRPr>
+            </a:lvl3pPr>
+            <a:lvl4pPr marL="1600200" indent="-228600">
+              <a:defRPr>
+                <a:solidFill>
+                  <a:schemeClr val="tx1"/>
+                </a:solidFill>
+                <a:latin typeface="Arial" panose="020B0604020202020204" pitchFamily="34" charset="0"/>
+                <a:cs typeface="Arial" panose="020B0604020202020204" pitchFamily="34" charset="0"/>
+              </a:defRPr>
+            </a:lvl4pPr>
+            <a:lvl5pPr marL="2057400" indent="-228600">
+              <a:defRPr>
+                <a:solidFill>
+                  <a:schemeClr val="tx1"/>
+                </a:solidFill>
+                <a:latin typeface="Arial" panose="020B0604020202020204" pitchFamily="34" charset="0"/>
+                <a:cs typeface="Arial" panose="020B0604020202020204" pitchFamily="34" charset="0"/>
+              </a:defRPr>
+            </a:lvl5pPr>
+            <a:lvl6pPr marL="2514600" indent="-228600" fontAlgn="base">
+              <a:spcBef>
+                <a:spcPct val="0"/>
+              </a:spcBef>
+              <a:spcAft>
+                <a:spcPct val="0"/>
+              </a:spcAft>
+              <a:defRPr>
+                <a:solidFill>
+                  <a:schemeClr val="tx1"/>
+                </a:solidFill>
+                <a:latin typeface="Arial" panose="020B0604020202020204" pitchFamily="34" charset="0"/>
+                <a:cs typeface="Arial" panose="020B0604020202020204" pitchFamily="34" charset="0"/>
+              </a:defRPr>
+            </a:lvl6pPr>
+            <a:lvl7pPr marL="2971800" indent="-228600" fontAlgn="base">
+              <a:spcBef>
+                <a:spcPct val="0"/>
+              </a:spcBef>
+              <a:spcAft>
+                <a:spcPct val="0"/>
+              </a:spcAft>
+              <a:defRPr>
+                <a:solidFill>
+                  <a:schemeClr val="tx1"/>
+                </a:solidFill>
+                <a:latin typeface="Arial" panose="020B0604020202020204" pitchFamily="34" charset="0"/>
+                <a:cs typeface="Arial" panose="020B0604020202020204" pitchFamily="34" charset="0"/>
+              </a:defRPr>
+            </a:lvl7pPr>
+            <a:lvl8pPr marL="3429000" indent="-228600" fontAlgn="base">
+              <a:spcBef>
+                <a:spcPct val="0"/>
+              </a:spcBef>
+              <a:spcAft>
+                <a:spcPct val="0"/>
+              </a:spcAft>
+              <a:defRPr>
+                <a:solidFill>
+                  <a:schemeClr val="tx1"/>
+                </a:solidFill>
+                <a:latin typeface="Arial" panose="020B0604020202020204" pitchFamily="34" charset="0"/>
+                <a:cs typeface="Arial" panose="020B0604020202020204" pitchFamily="34" charset="0"/>
+              </a:defRPr>
+            </a:lvl8pPr>
+            <a:lvl9pPr marL="3886200" indent="-228600" fontAlgn="base">
+              <a:spcBef>
+                <a:spcPct val="0"/>
+              </a:spcBef>
+              <a:spcAft>
+                <a:spcPct val="0"/>
+              </a:spcAft>
+              <a:defRPr>
+                <a:solidFill>
+                  <a:schemeClr val="tx1"/>
+                </a:solidFill>
+                <a:latin typeface="Arial" panose="020B0604020202020204" pitchFamily="34" charset="0"/>
+                <a:cs typeface="Arial" panose="020B0604020202020204" pitchFamily="34" charset="0"/>
+              </a:defRPr>
+            </a:lvl9pPr>
+          </a:lstStyle>
+          <a:p>
+            <a:pPr algn="r">
+              <a:buSzPct val="25000"/>
+            </a:pPr>
+            <a:fld id="{E8D2BFA3-0E08-4F54-BE52-BFAC23070E27}" type="slidenum">
+              <a:rPr lang="ru-RU" altLang="ru-RU" sz="1200">
+                <a:solidFill>
+                  <a:srgbClr val="888888"/>
+                </a:solidFill>
+                <a:latin typeface="Calibri" panose="020F0502020204030204" pitchFamily="34" charset="0"/>
+                <a:cs typeface="Calibri" panose="020F0502020204030204" pitchFamily="34" charset="0"/>
+                <a:sym typeface="Calibri" panose="020F0502020204030204" pitchFamily="34" charset="0"/>
+              </a:rPr>
+              <a:pPr algn="r">
+                <a:buSzPct val="25000"/>
+              </a:pPr>
+              <a:t>13</a:t>
+            </a:fld>
+            <a:endParaRPr lang="ru-RU" altLang="ru-RU" sz="1200">
+              <a:solidFill>
+                <a:srgbClr val="888888"/>
+              </a:solidFill>
+              <a:latin typeface="Calibri" panose="020F0502020204030204" pitchFamily="34" charset="0"/>
+              <a:cs typeface="Calibri" panose="020F0502020204030204" pitchFamily="34" charset="0"/>
+              <a:sym typeface="Calibri" panose="020F0502020204030204" pitchFamily="34" charset="0"/>
+            </a:endParaRPr>
+          </a:p>
+        </p:txBody>
+      </p:sp>
+    </p:spTree>
+    <p:extLst>
+      <p:ext uri="{BB962C8B-B14F-4D97-AF65-F5344CB8AC3E}">
+        <p14:creationId xmlns:p14="http://schemas.microsoft.com/office/powerpoint/2010/main" val="677905570"/>
+      </p:ext>
+    </p:extLst>
+  </p:cSld>
+  <p:clrMapOvr>
+    <a:masterClrMapping/>
+  </p:clrMapOvr>
+  <p:timing>
+    <p:tnLst>
+      <p:par>
+        <p:cTn id="1" dur="indefinite" restart="never" nodeType="tmRoot"/>
+      </p:par>
+    </p:tnLst>
+  </p:timing>
+</p:sld>
+</file>
+
+<file path=ppt/slides/slide14.xml><?xml version="1.0" encoding="utf-8"?>
+<p:sld xmlns:a="http://schemas.openxmlformats.org/drawingml/2006/main" xmlns:r="http://schemas.openxmlformats.org/officeDocument/2006/relationships" xmlns:p="http://schemas.openxmlformats.org/presentationml/2006/main">
+  <p:cSld>
+    <p:spTree>
+      <p:nvGrpSpPr>
+        <p:cNvPr id="1" name=""/>
+        <p:cNvGrpSpPr/>
+        <p:nvPr/>
+      </p:nvGrpSpPr>
+      <p:grpSpPr>
+        <a:xfrm>
+          <a:off x="0" y="0"/>
+          <a:ext cx="0" cy="0"/>
+          <a:chOff x="0" y="0"/>
+          <a:chExt cx="0" cy="0"/>
+        </a:xfrm>
+      </p:grpSpPr>
+      <p:sp>
+        <p:nvSpPr>
+          <p:cNvPr id="3076" name="Shape 120"/>
+          <p:cNvSpPr txBox="1">
+            <a:spLocks noGrp="1"/>
+          </p:cNvSpPr>
+          <p:nvPr/>
+        </p:nvSpPr>
+        <p:spPr bwMode="auto">
+          <a:xfrm>
+            <a:off x="4191000" y="6356351"/>
+            <a:ext cx="3352800" cy="365125"/>
+          </a:xfrm>
+          <a:prstGeom prst="rect">
+            <a:avLst/>
+          </a:prstGeom>
+          <a:noFill/>
+          <a:ln>
+            <a:noFill/>
+          </a:ln>
+          <a:extLst>
+            <a:ext uri="{909E8E84-426E-40DD-AFC4-6F175D3DCCD1}">
+              <a14:hiddenFill xmlns:a14="http://schemas.microsoft.com/office/drawing/2010/main">
+                <a:solidFill>
+                  <a:srgbClr val="FFFFFF"/>
+                </a:solidFill>
+              </a14:hiddenFill>
+            </a:ext>
+            <a:ext uri="{91240B29-F687-4F45-9708-019B960494DF}">
+              <a14:hiddenLine xmlns:a14="http://schemas.microsoft.com/office/drawing/2010/main" w="9525">
+                <a:solidFill>
+                  <a:srgbClr val="000000"/>
+                </a:solidFill>
+                <a:miter lim="800000"/>
+                <a:headEnd/>
+                <a:tailEnd/>
+              </a14:hiddenLine>
+            </a:ext>
+          </a:extLst>
+        </p:spPr>
+        <p:txBody>
+          <a:bodyPr lIns="91425" tIns="45700" rIns="91425" bIns="45700" anchor="ctr"/>
+          <a:lstStyle>
+            <a:lvl1pPr>
+              <a:defRPr>
+                <a:solidFill>
+                  <a:schemeClr val="tx1"/>
+                </a:solidFill>
+                <a:latin typeface="Arial" panose="020B0604020202020204" pitchFamily="34" charset="0"/>
+                <a:cs typeface="Arial" panose="020B0604020202020204" pitchFamily="34" charset="0"/>
+              </a:defRPr>
+            </a:lvl1pPr>
+            <a:lvl2pPr marL="742950" indent="-285750">
+              <a:defRPr>
+                <a:solidFill>
+                  <a:schemeClr val="tx1"/>
+                </a:solidFill>
+                <a:latin typeface="Arial" panose="020B0604020202020204" pitchFamily="34" charset="0"/>
+                <a:cs typeface="Arial" panose="020B0604020202020204" pitchFamily="34" charset="0"/>
+              </a:defRPr>
+            </a:lvl2pPr>
+            <a:lvl3pPr marL="1143000" indent="-228600">
+              <a:defRPr>
+                <a:solidFill>
+                  <a:schemeClr val="tx1"/>
+                </a:solidFill>
+                <a:latin typeface="Arial" panose="020B0604020202020204" pitchFamily="34" charset="0"/>
+                <a:cs typeface="Arial" panose="020B0604020202020204" pitchFamily="34" charset="0"/>
+              </a:defRPr>
+            </a:lvl3pPr>
+            <a:lvl4pPr marL="1600200" indent="-228600">
+              <a:defRPr>
+                <a:solidFill>
+                  <a:schemeClr val="tx1"/>
+                </a:solidFill>
+                <a:latin typeface="Arial" panose="020B0604020202020204" pitchFamily="34" charset="0"/>
+                <a:cs typeface="Arial" panose="020B0604020202020204" pitchFamily="34" charset="0"/>
+              </a:defRPr>
+            </a:lvl4pPr>
+            <a:lvl5pPr marL="2057400" indent="-228600">
+              <a:defRPr>
+                <a:solidFill>
+                  <a:schemeClr val="tx1"/>
+                </a:solidFill>
+                <a:latin typeface="Arial" panose="020B0604020202020204" pitchFamily="34" charset="0"/>
+                <a:cs typeface="Arial" panose="020B0604020202020204" pitchFamily="34" charset="0"/>
+              </a:defRPr>
+            </a:lvl5pPr>
+            <a:lvl6pPr marL="2514600" indent="-228600" fontAlgn="base">
+              <a:spcBef>
+                <a:spcPct val="0"/>
+              </a:spcBef>
+              <a:spcAft>
+                <a:spcPct val="0"/>
+              </a:spcAft>
+              <a:defRPr>
+                <a:solidFill>
+                  <a:schemeClr val="tx1"/>
+                </a:solidFill>
+                <a:latin typeface="Arial" panose="020B0604020202020204" pitchFamily="34" charset="0"/>
+                <a:cs typeface="Arial" panose="020B0604020202020204" pitchFamily="34" charset="0"/>
+              </a:defRPr>
+            </a:lvl6pPr>
+            <a:lvl7pPr marL="2971800" indent="-228600" fontAlgn="base">
+              <a:spcBef>
+                <a:spcPct val="0"/>
+              </a:spcBef>
+              <a:spcAft>
+                <a:spcPct val="0"/>
+              </a:spcAft>
+              <a:defRPr>
+                <a:solidFill>
+                  <a:schemeClr val="tx1"/>
+                </a:solidFill>
+                <a:latin typeface="Arial" panose="020B0604020202020204" pitchFamily="34" charset="0"/>
+                <a:cs typeface="Arial" panose="020B0604020202020204" pitchFamily="34" charset="0"/>
+              </a:defRPr>
+            </a:lvl7pPr>
+            <a:lvl8pPr marL="3429000" indent="-228600" fontAlgn="base">
+              <a:spcBef>
+                <a:spcPct val="0"/>
+              </a:spcBef>
+              <a:spcAft>
+                <a:spcPct val="0"/>
+              </a:spcAft>
+              <a:defRPr>
+                <a:solidFill>
+                  <a:schemeClr val="tx1"/>
+                </a:solidFill>
+                <a:latin typeface="Arial" panose="020B0604020202020204" pitchFamily="34" charset="0"/>
+                <a:cs typeface="Arial" panose="020B0604020202020204" pitchFamily="34" charset="0"/>
+              </a:defRPr>
+            </a:lvl8pPr>
+            <a:lvl9pPr marL="3886200" indent="-228600" fontAlgn="base">
+              <a:spcBef>
+                <a:spcPct val="0"/>
+              </a:spcBef>
+              <a:spcAft>
+                <a:spcPct val="0"/>
+              </a:spcAft>
+              <a:defRPr>
+                <a:solidFill>
+                  <a:schemeClr val="tx1"/>
+                </a:solidFill>
+                <a:latin typeface="Arial" panose="020B0604020202020204" pitchFamily="34" charset="0"/>
+                <a:cs typeface="Arial" panose="020B0604020202020204" pitchFamily="34" charset="0"/>
+              </a:defRPr>
+            </a:lvl9pPr>
+          </a:lstStyle>
+          <a:p>
+            <a:pPr algn="ctr">
+              <a:buSzPct val="25000"/>
+            </a:pPr>
+            <a:r>
+              <a:rPr lang="ru-RU" altLang="ru-RU" sz="1200">
+                <a:solidFill>
+                  <a:srgbClr val="538CD5"/>
+                </a:solidFill>
+                <a:latin typeface="Calibri" panose="020F0502020204030204" pitchFamily="34" charset="0"/>
+                <a:cs typeface="Calibri" panose="020F0502020204030204" pitchFamily="34" charset="0"/>
+                <a:sym typeface="Calibri" panose="020F0502020204030204" pitchFamily="34" charset="0"/>
+              </a:rPr>
+              <a:t>Минск 2017</a:t>
+            </a:r>
+          </a:p>
+        </p:txBody>
+      </p:sp>
+      <p:pic>
+        <p:nvPicPr>
+          <p:cNvPr id="3077" name="Shape 119" descr="BSU 2"/>
+          <p:cNvPicPr preferRelativeResize="0">
+            <a:picLocks noChangeAspect="1" noChangeArrowheads="1"/>
+          </p:cNvPicPr>
+          <p:nvPr/>
+        </p:nvPicPr>
+        <p:blipFill>
+          <a:blip r:embed="rId2">
+            <a:extLst>
+              <a:ext uri="{28A0092B-C50C-407E-A947-70E740481C1C}">
+                <a14:useLocalDpi xmlns:a14="http://schemas.microsoft.com/office/drawing/2010/main" val="0"/>
+              </a:ext>
+            </a:extLst>
+          </a:blip>
+          <a:srcRect/>
+          <a:stretch>
+            <a:fillRect/>
+          </a:stretch>
+        </p:blipFill>
+        <p:spPr bwMode="auto">
+          <a:xfrm>
+            <a:off x="1524001" y="0"/>
+            <a:ext cx="619125" cy="977900"/>
+          </a:xfrm>
+          <a:prstGeom prst="rect">
+            <a:avLst/>
+          </a:prstGeom>
+          <a:noFill/>
+          <a:ln>
+            <a:noFill/>
+          </a:ln>
+          <a:extLst>
+            <a:ext uri="{909E8E84-426E-40DD-AFC4-6F175D3DCCD1}">
+              <a14:hiddenFill xmlns:a14="http://schemas.microsoft.com/office/drawing/2010/main">
+                <a:solidFill>
+                  <a:srgbClr val="FFFFFF"/>
+                </a:solidFill>
+              </a14:hiddenFill>
+            </a:ext>
+            <a:ext uri="{91240B29-F687-4F45-9708-019B960494DF}">
+              <a14:hiddenLine xmlns:a14="http://schemas.microsoft.com/office/drawing/2010/main" w="9525">
+                <a:solidFill>
+                  <a:srgbClr val="000000"/>
+                </a:solidFill>
+                <a:miter lim="800000"/>
+                <a:headEnd/>
+                <a:tailEnd/>
+              </a14:hiddenLine>
+            </a:ext>
+          </a:extLst>
+        </p:spPr>
+      </p:pic>
+      <p:sp>
+        <p:nvSpPr>
+          <p:cNvPr id="3078" name="Shape 121"/>
+          <p:cNvSpPr txBox="1">
+            <a:spLocks noGrp="1"/>
+          </p:cNvSpPr>
+          <p:nvPr/>
+        </p:nvSpPr>
+        <p:spPr bwMode="auto">
+          <a:xfrm>
+            <a:off x="1952625" y="6357939"/>
+            <a:ext cx="2133600" cy="365125"/>
+          </a:xfrm>
+          <a:prstGeom prst="rect">
+            <a:avLst/>
+          </a:prstGeom>
+          <a:noFill/>
+          <a:ln>
+            <a:noFill/>
+          </a:ln>
+          <a:extLst>
+            <a:ext uri="{909E8E84-426E-40DD-AFC4-6F175D3DCCD1}">
+              <a14:hiddenFill xmlns:a14="http://schemas.microsoft.com/office/drawing/2010/main">
+                <a:solidFill>
+                  <a:srgbClr val="FFFFFF"/>
+                </a:solidFill>
+              </a14:hiddenFill>
+            </a:ext>
+            <a:ext uri="{91240B29-F687-4F45-9708-019B960494DF}">
+              <a14:hiddenLine xmlns:a14="http://schemas.microsoft.com/office/drawing/2010/main" w="9525">
+                <a:solidFill>
+                  <a:srgbClr val="000000"/>
+                </a:solidFill>
+                <a:miter lim="800000"/>
+                <a:headEnd/>
+                <a:tailEnd/>
+              </a14:hiddenLine>
+            </a:ext>
+          </a:extLst>
+        </p:spPr>
+        <p:txBody>
+          <a:bodyPr lIns="91425" tIns="45700" rIns="91425" bIns="45700" anchor="ctr"/>
+          <a:lstStyle>
+            <a:lvl1pPr>
+              <a:defRPr>
+                <a:solidFill>
+                  <a:schemeClr val="tx1"/>
+                </a:solidFill>
+                <a:latin typeface="Arial" panose="020B0604020202020204" pitchFamily="34" charset="0"/>
+                <a:cs typeface="Arial" panose="020B0604020202020204" pitchFamily="34" charset="0"/>
+              </a:defRPr>
+            </a:lvl1pPr>
+            <a:lvl2pPr marL="742950" indent="-285750">
+              <a:defRPr>
+                <a:solidFill>
+                  <a:schemeClr val="tx1"/>
+                </a:solidFill>
+                <a:latin typeface="Arial" panose="020B0604020202020204" pitchFamily="34" charset="0"/>
+                <a:cs typeface="Arial" panose="020B0604020202020204" pitchFamily="34" charset="0"/>
+              </a:defRPr>
+            </a:lvl2pPr>
+            <a:lvl3pPr marL="1143000" indent="-228600">
+              <a:defRPr>
+                <a:solidFill>
+                  <a:schemeClr val="tx1"/>
+                </a:solidFill>
+                <a:latin typeface="Arial" panose="020B0604020202020204" pitchFamily="34" charset="0"/>
+                <a:cs typeface="Arial" panose="020B0604020202020204" pitchFamily="34" charset="0"/>
+              </a:defRPr>
+            </a:lvl3pPr>
+            <a:lvl4pPr marL="1600200" indent="-228600">
+              <a:defRPr>
+                <a:solidFill>
+                  <a:schemeClr val="tx1"/>
+                </a:solidFill>
+                <a:latin typeface="Arial" panose="020B0604020202020204" pitchFamily="34" charset="0"/>
+                <a:cs typeface="Arial" panose="020B0604020202020204" pitchFamily="34" charset="0"/>
+              </a:defRPr>
+            </a:lvl4pPr>
+            <a:lvl5pPr marL="2057400" indent="-228600">
+              <a:defRPr>
+                <a:solidFill>
+                  <a:schemeClr val="tx1"/>
+                </a:solidFill>
+                <a:latin typeface="Arial" panose="020B0604020202020204" pitchFamily="34" charset="0"/>
+                <a:cs typeface="Arial" panose="020B0604020202020204" pitchFamily="34" charset="0"/>
+              </a:defRPr>
+            </a:lvl5pPr>
+            <a:lvl6pPr marL="2514600" indent="-228600" fontAlgn="base">
+              <a:spcBef>
+                <a:spcPct val="0"/>
+              </a:spcBef>
+              <a:spcAft>
+                <a:spcPct val="0"/>
+              </a:spcAft>
+              <a:defRPr>
+                <a:solidFill>
+                  <a:schemeClr val="tx1"/>
+                </a:solidFill>
+                <a:latin typeface="Arial" panose="020B0604020202020204" pitchFamily="34" charset="0"/>
+                <a:cs typeface="Arial" panose="020B0604020202020204" pitchFamily="34" charset="0"/>
+              </a:defRPr>
+            </a:lvl6pPr>
+            <a:lvl7pPr marL="2971800" indent="-228600" fontAlgn="base">
+              <a:spcBef>
+                <a:spcPct val="0"/>
+              </a:spcBef>
+              <a:spcAft>
+                <a:spcPct val="0"/>
+              </a:spcAft>
+              <a:defRPr>
+                <a:solidFill>
+                  <a:schemeClr val="tx1"/>
+                </a:solidFill>
+                <a:latin typeface="Arial" panose="020B0604020202020204" pitchFamily="34" charset="0"/>
+                <a:cs typeface="Arial" panose="020B0604020202020204" pitchFamily="34" charset="0"/>
+              </a:defRPr>
+            </a:lvl7pPr>
+            <a:lvl8pPr marL="3429000" indent="-228600" fontAlgn="base">
+              <a:spcBef>
+                <a:spcPct val="0"/>
+              </a:spcBef>
+              <a:spcAft>
+                <a:spcPct val="0"/>
+              </a:spcAft>
+              <a:defRPr>
+                <a:solidFill>
+                  <a:schemeClr val="tx1"/>
+                </a:solidFill>
+                <a:latin typeface="Arial" panose="020B0604020202020204" pitchFamily="34" charset="0"/>
+                <a:cs typeface="Arial" panose="020B0604020202020204" pitchFamily="34" charset="0"/>
+              </a:defRPr>
+            </a:lvl8pPr>
+            <a:lvl9pPr marL="3886200" indent="-228600" fontAlgn="base">
+              <a:spcBef>
+                <a:spcPct val="0"/>
+              </a:spcBef>
+              <a:spcAft>
+                <a:spcPct val="0"/>
+              </a:spcAft>
+              <a:defRPr>
+                <a:solidFill>
+                  <a:schemeClr val="tx1"/>
+                </a:solidFill>
+                <a:latin typeface="Arial" panose="020B0604020202020204" pitchFamily="34" charset="0"/>
+                <a:cs typeface="Arial" panose="020B0604020202020204" pitchFamily="34" charset="0"/>
+              </a:defRPr>
+            </a:lvl9pPr>
+          </a:lstStyle>
+          <a:p>
+            <a:pPr>
+              <a:buSzPct val="25000"/>
+            </a:pPr>
+            <a:r>
+              <a:rPr lang="ru-RU" altLang="ru-RU" sz="1200" dirty="0" smtClean="0">
+                <a:solidFill>
+                  <a:srgbClr val="538CD5"/>
+                </a:solidFill>
+                <a:cs typeface="Calibri" panose="020F0502020204030204" pitchFamily="34" charset="0"/>
+                <a:sym typeface="Calibri" panose="020F0502020204030204" pitchFamily="34" charset="0"/>
+              </a:rPr>
+              <a:t>Грушевский </a:t>
+            </a:r>
+            <a:r>
+              <a:rPr lang="ru-RU" altLang="ru-RU" sz="1200" dirty="0">
+                <a:solidFill>
+                  <a:srgbClr val="538CD5"/>
+                </a:solidFill>
+                <a:cs typeface="Calibri" panose="020F0502020204030204" pitchFamily="34" charset="0"/>
+                <a:sym typeface="Calibri" panose="020F0502020204030204" pitchFamily="34" charset="0"/>
+              </a:rPr>
+              <a:t>А. А.</a:t>
+            </a:r>
+          </a:p>
+        </p:txBody>
+      </p:sp>
+      <p:sp>
+        <p:nvSpPr>
+          <p:cNvPr id="3082" name="Shape 122"/>
+          <p:cNvSpPr txBox="1">
+            <a:spLocks noChangeArrowheads="1"/>
+          </p:cNvSpPr>
+          <p:nvPr/>
+        </p:nvSpPr>
+        <p:spPr bwMode="auto">
+          <a:xfrm>
+            <a:off x="2590800" y="152401"/>
+            <a:ext cx="7353300" cy="923925"/>
+          </a:xfrm>
+          <a:prstGeom prst="rect">
+            <a:avLst/>
+          </a:prstGeom>
+          <a:noFill/>
+          <a:ln>
+            <a:noFill/>
+          </a:ln>
+          <a:extLst>
+            <a:ext uri="{909E8E84-426E-40DD-AFC4-6F175D3DCCD1}">
+              <a14:hiddenFill xmlns:a14="http://schemas.microsoft.com/office/drawing/2010/main">
+                <a:solidFill>
+                  <a:srgbClr val="FFFFFF"/>
+                </a:solidFill>
+              </a14:hiddenFill>
+            </a:ext>
+            <a:ext uri="{91240B29-F687-4F45-9708-019B960494DF}">
+              <a14:hiddenLine xmlns:a14="http://schemas.microsoft.com/office/drawing/2010/main" w="9525">
+                <a:solidFill>
+                  <a:srgbClr val="000000"/>
+                </a:solidFill>
+                <a:miter lim="800000"/>
+                <a:headEnd/>
+                <a:tailEnd/>
+              </a14:hiddenLine>
+            </a:ext>
+          </a:extLst>
+        </p:spPr>
+        <p:txBody>
+          <a:bodyPr lIns="91425" tIns="45700" rIns="91425" bIns="45700"/>
+          <a:lstStyle>
+            <a:lvl1pPr>
+              <a:defRPr>
+                <a:solidFill>
+                  <a:schemeClr val="tx1"/>
+                </a:solidFill>
+                <a:latin typeface="Arial" panose="020B0604020202020204" pitchFamily="34" charset="0"/>
+                <a:cs typeface="Arial" panose="020B0604020202020204" pitchFamily="34" charset="0"/>
+              </a:defRPr>
+            </a:lvl1pPr>
+            <a:lvl2pPr marL="742950" indent="-285750">
+              <a:defRPr>
+                <a:solidFill>
+                  <a:schemeClr val="tx1"/>
+                </a:solidFill>
+                <a:latin typeface="Arial" panose="020B0604020202020204" pitchFamily="34" charset="0"/>
+                <a:cs typeface="Arial" panose="020B0604020202020204" pitchFamily="34" charset="0"/>
+              </a:defRPr>
+            </a:lvl2pPr>
+            <a:lvl3pPr marL="1143000" indent="-228600">
+              <a:defRPr>
+                <a:solidFill>
+                  <a:schemeClr val="tx1"/>
+                </a:solidFill>
+                <a:latin typeface="Arial" panose="020B0604020202020204" pitchFamily="34" charset="0"/>
+                <a:cs typeface="Arial" panose="020B0604020202020204" pitchFamily="34" charset="0"/>
+              </a:defRPr>
+            </a:lvl3pPr>
+            <a:lvl4pPr marL="1600200" indent="-228600">
+              <a:defRPr>
+                <a:solidFill>
+                  <a:schemeClr val="tx1"/>
+                </a:solidFill>
+                <a:latin typeface="Arial" panose="020B0604020202020204" pitchFamily="34" charset="0"/>
+                <a:cs typeface="Arial" panose="020B0604020202020204" pitchFamily="34" charset="0"/>
+              </a:defRPr>
+            </a:lvl4pPr>
+            <a:lvl5pPr marL="2057400" indent="-228600">
+              <a:defRPr>
+                <a:solidFill>
+                  <a:schemeClr val="tx1"/>
+                </a:solidFill>
+                <a:latin typeface="Arial" panose="020B0604020202020204" pitchFamily="34" charset="0"/>
+                <a:cs typeface="Arial" panose="020B0604020202020204" pitchFamily="34" charset="0"/>
+              </a:defRPr>
+            </a:lvl5pPr>
+            <a:lvl6pPr marL="2514600" indent="-228600" fontAlgn="base">
+              <a:spcBef>
+                <a:spcPct val="0"/>
+              </a:spcBef>
+              <a:spcAft>
+                <a:spcPct val="0"/>
+              </a:spcAft>
+              <a:defRPr>
+                <a:solidFill>
+                  <a:schemeClr val="tx1"/>
+                </a:solidFill>
+                <a:latin typeface="Arial" panose="020B0604020202020204" pitchFamily="34" charset="0"/>
+                <a:cs typeface="Arial" panose="020B0604020202020204" pitchFamily="34" charset="0"/>
+              </a:defRPr>
+            </a:lvl6pPr>
+            <a:lvl7pPr marL="2971800" indent="-228600" fontAlgn="base">
+              <a:spcBef>
+                <a:spcPct val="0"/>
+              </a:spcBef>
+              <a:spcAft>
+                <a:spcPct val="0"/>
+              </a:spcAft>
+              <a:defRPr>
+                <a:solidFill>
+                  <a:schemeClr val="tx1"/>
+                </a:solidFill>
+                <a:latin typeface="Arial" panose="020B0604020202020204" pitchFamily="34" charset="0"/>
+                <a:cs typeface="Arial" panose="020B0604020202020204" pitchFamily="34" charset="0"/>
+              </a:defRPr>
+            </a:lvl7pPr>
+            <a:lvl8pPr marL="3429000" indent="-228600" fontAlgn="base">
+              <a:spcBef>
+                <a:spcPct val="0"/>
+              </a:spcBef>
+              <a:spcAft>
+                <a:spcPct val="0"/>
+              </a:spcAft>
+              <a:defRPr>
+                <a:solidFill>
+                  <a:schemeClr val="tx1"/>
+                </a:solidFill>
+                <a:latin typeface="Arial" panose="020B0604020202020204" pitchFamily="34" charset="0"/>
+                <a:cs typeface="Arial" panose="020B0604020202020204" pitchFamily="34" charset="0"/>
+              </a:defRPr>
+            </a:lvl8pPr>
+            <a:lvl9pPr marL="3886200" indent="-228600" fontAlgn="base">
+              <a:spcBef>
+                <a:spcPct val="0"/>
+              </a:spcBef>
+              <a:spcAft>
+                <a:spcPct val="0"/>
+              </a:spcAft>
+              <a:defRPr>
+                <a:solidFill>
+                  <a:schemeClr val="tx1"/>
+                </a:solidFill>
+                <a:latin typeface="Arial" panose="020B0604020202020204" pitchFamily="34" charset="0"/>
+                <a:cs typeface="Arial" panose="020B0604020202020204" pitchFamily="34" charset="0"/>
+              </a:defRPr>
+            </a:lvl9pPr>
+          </a:lstStyle>
+          <a:p>
+            <a:pPr algn="ctr">
+              <a:buClr>
+                <a:srgbClr val="000000"/>
+              </a:buClr>
+              <a:buSzPct val="25000"/>
+              <a:buFont typeface="Arial" panose="020B0604020202020204" pitchFamily="34" charset="0"/>
+              <a:buNone/>
+            </a:pPr>
+            <a:r>
+              <a:rPr lang="ru-RU" altLang="ru-RU" dirty="0">
+                <a:solidFill>
+                  <a:srgbClr val="002060"/>
+                </a:solidFill>
+                <a:latin typeface="Times New Roman" panose="02020603050405020304" pitchFamily="18" charset="0"/>
+                <a:cs typeface="Times New Roman" panose="02020603050405020304" pitchFamily="18" charset="0"/>
+                <a:sym typeface="Times New Roman" panose="02020603050405020304" pitchFamily="18" charset="0"/>
+              </a:rPr>
+              <a:t>ПРИМЕНЕНИЕ МЕТОДОЛОГИИ PWA ДЛЯ РАЗРАБОТКИ ПРИЛОЖЕНИЯ-ЕЖЕДНЕВНИКА</a:t>
+            </a:r>
+          </a:p>
+        </p:txBody>
+      </p:sp>
+      <p:sp>
+        <p:nvSpPr>
+          <p:cNvPr id="3084" name="Rectangle 12"/>
+          <p:cNvSpPr>
+            <a:spLocks noGrp="1" noChangeArrowheads="1"/>
+          </p:cNvSpPr>
+          <p:nvPr>
+            <p:ph type="ctrTitle"/>
+          </p:nvPr>
+        </p:nvSpPr>
+        <p:spPr>
+          <a:xfrm>
+            <a:off x="2209800" y="1143001"/>
+            <a:ext cx="7696200" cy="765175"/>
+          </a:xfrm>
+        </p:spPr>
+        <p:txBody>
+          <a:bodyPr anchor="ctr"/>
+          <a:lstStyle/>
+          <a:p>
+            <a:endParaRPr lang="ru-RU" altLang="ru-RU" sz="3600" dirty="0">
+              <a:latin typeface="Times New Roman" panose="02020603050405020304" pitchFamily="18" charset="0"/>
+            </a:endParaRPr>
+          </a:p>
+        </p:txBody>
+      </p:sp>
+      <p:sp>
+        <p:nvSpPr>
+          <p:cNvPr id="3085" name="Rectangle 13"/>
+          <p:cNvSpPr>
+            <a:spLocks noGrp="1" noChangeArrowheads="1"/>
+          </p:cNvSpPr>
+          <p:nvPr>
+            <p:ph type="subTitle" idx="1"/>
+          </p:nvPr>
+        </p:nvSpPr>
+        <p:spPr>
+          <a:xfrm>
+            <a:off x="1828800" y="2133600"/>
+            <a:ext cx="8458200" cy="3352800"/>
+          </a:xfrm>
+        </p:spPr>
+        <p:txBody>
+          <a:bodyPr>
+            <a:normAutofit/>
+          </a:bodyPr>
+          <a:lstStyle/>
+          <a:p>
+            <a:pPr algn="l"/>
+            <a:endParaRPr lang="en-US" altLang="ru-RU" sz="3200" dirty="0" smtClean="0">
+              <a:latin typeface="Times New Roman" panose="02020603050405020304" pitchFamily="18" charset="0"/>
+            </a:endParaRPr>
+          </a:p>
+          <a:p>
+            <a:pPr algn="l"/>
+            <a:endParaRPr lang="en-US" altLang="ru-RU" sz="3200" dirty="0" smtClean="0">
+              <a:latin typeface="Times New Roman" panose="02020603050405020304" pitchFamily="18" charset="0"/>
+            </a:endParaRPr>
+          </a:p>
+          <a:p>
+            <a:r>
+              <a:rPr lang="ru-RU" altLang="ru-RU" sz="3200" dirty="0" smtClean="0">
+                <a:latin typeface="Times New Roman" panose="02020603050405020304" pitchFamily="18" charset="0"/>
+              </a:rPr>
+              <a:t>Спасибо </a:t>
+            </a:r>
+            <a:r>
+              <a:rPr lang="ru-RU" altLang="ru-RU" sz="3200" dirty="0">
+                <a:latin typeface="Times New Roman" panose="02020603050405020304" pitchFamily="18" charset="0"/>
+              </a:rPr>
+              <a:t>за внимание</a:t>
+            </a:r>
+          </a:p>
+        </p:txBody>
+      </p:sp>
+      <p:sp>
+        <p:nvSpPr>
+          <p:cNvPr id="3086" name="Shape 90"/>
+          <p:cNvSpPr txBox="1">
+            <a:spLocks noGrp="1"/>
+          </p:cNvSpPr>
+          <p:nvPr/>
+        </p:nvSpPr>
+        <p:spPr bwMode="auto">
+          <a:xfrm>
+            <a:off x="9448800" y="6324601"/>
+            <a:ext cx="762000" cy="365125"/>
+          </a:xfrm>
+          <a:prstGeom prst="rect">
+            <a:avLst/>
+          </a:prstGeom>
+          <a:noFill/>
+          <a:ln>
+            <a:noFill/>
+          </a:ln>
+          <a:extLst>
+            <a:ext uri="{909E8E84-426E-40DD-AFC4-6F175D3DCCD1}">
+              <a14:hiddenFill xmlns:a14="http://schemas.microsoft.com/office/drawing/2010/main">
+                <a:solidFill>
+                  <a:srgbClr val="FFFFFF"/>
+                </a:solidFill>
+              </a14:hiddenFill>
+            </a:ext>
+            <a:ext uri="{91240B29-F687-4F45-9708-019B960494DF}">
+              <a14:hiddenLine xmlns:a14="http://schemas.microsoft.com/office/drawing/2010/main" w="9525">
+                <a:solidFill>
+                  <a:srgbClr val="000000"/>
+                </a:solidFill>
+                <a:miter lim="800000"/>
+                <a:headEnd/>
+                <a:tailEnd/>
+              </a14:hiddenLine>
+            </a:ext>
+          </a:extLst>
+        </p:spPr>
+        <p:txBody>
+          <a:bodyPr lIns="91425" tIns="45700" rIns="91425" bIns="45700" anchor="ctr"/>
+          <a:lstStyle>
+            <a:lvl1pPr>
+              <a:defRPr>
+                <a:solidFill>
+                  <a:schemeClr val="tx1"/>
+                </a:solidFill>
+                <a:latin typeface="Arial" panose="020B0604020202020204" pitchFamily="34" charset="0"/>
+                <a:cs typeface="Arial" panose="020B0604020202020204" pitchFamily="34" charset="0"/>
+              </a:defRPr>
+            </a:lvl1pPr>
+            <a:lvl2pPr marL="742950" indent="-285750">
+              <a:defRPr>
+                <a:solidFill>
+                  <a:schemeClr val="tx1"/>
+                </a:solidFill>
+                <a:latin typeface="Arial" panose="020B0604020202020204" pitchFamily="34" charset="0"/>
+                <a:cs typeface="Arial" panose="020B0604020202020204" pitchFamily="34" charset="0"/>
+              </a:defRPr>
+            </a:lvl2pPr>
+            <a:lvl3pPr marL="1143000" indent="-228600">
+              <a:defRPr>
+                <a:solidFill>
+                  <a:schemeClr val="tx1"/>
+                </a:solidFill>
+                <a:latin typeface="Arial" panose="020B0604020202020204" pitchFamily="34" charset="0"/>
+                <a:cs typeface="Arial" panose="020B0604020202020204" pitchFamily="34" charset="0"/>
+              </a:defRPr>
+            </a:lvl3pPr>
+            <a:lvl4pPr marL="1600200" indent="-228600">
+              <a:defRPr>
+                <a:solidFill>
+                  <a:schemeClr val="tx1"/>
+                </a:solidFill>
+                <a:latin typeface="Arial" panose="020B0604020202020204" pitchFamily="34" charset="0"/>
+                <a:cs typeface="Arial" panose="020B0604020202020204" pitchFamily="34" charset="0"/>
+              </a:defRPr>
+            </a:lvl4pPr>
+            <a:lvl5pPr marL="2057400" indent="-228600">
+              <a:defRPr>
+                <a:solidFill>
+                  <a:schemeClr val="tx1"/>
+                </a:solidFill>
+                <a:latin typeface="Arial" panose="020B0604020202020204" pitchFamily="34" charset="0"/>
+                <a:cs typeface="Arial" panose="020B0604020202020204" pitchFamily="34" charset="0"/>
+              </a:defRPr>
+            </a:lvl5pPr>
+            <a:lvl6pPr marL="2514600" indent="-228600" fontAlgn="base">
+              <a:spcBef>
+                <a:spcPct val="0"/>
+              </a:spcBef>
+              <a:spcAft>
+                <a:spcPct val="0"/>
+              </a:spcAft>
+              <a:defRPr>
+                <a:solidFill>
+                  <a:schemeClr val="tx1"/>
+                </a:solidFill>
+                <a:latin typeface="Arial" panose="020B0604020202020204" pitchFamily="34" charset="0"/>
+                <a:cs typeface="Arial" panose="020B0604020202020204" pitchFamily="34" charset="0"/>
+              </a:defRPr>
+            </a:lvl6pPr>
+            <a:lvl7pPr marL="2971800" indent="-228600" fontAlgn="base">
+              <a:spcBef>
+                <a:spcPct val="0"/>
+              </a:spcBef>
+              <a:spcAft>
+                <a:spcPct val="0"/>
+              </a:spcAft>
+              <a:defRPr>
+                <a:solidFill>
+                  <a:schemeClr val="tx1"/>
+                </a:solidFill>
+                <a:latin typeface="Arial" panose="020B0604020202020204" pitchFamily="34" charset="0"/>
+                <a:cs typeface="Arial" panose="020B0604020202020204" pitchFamily="34" charset="0"/>
+              </a:defRPr>
+            </a:lvl7pPr>
+            <a:lvl8pPr marL="3429000" indent="-228600" fontAlgn="base">
+              <a:spcBef>
+                <a:spcPct val="0"/>
+              </a:spcBef>
+              <a:spcAft>
+                <a:spcPct val="0"/>
+              </a:spcAft>
+              <a:defRPr>
+                <a:solidFill>
+                  <a:schemeClr val="tx1"/>
+                </a:solidFill>
+                <a:latin typeface="Arial" panose="020B0604020202020204" pitchFamily="34" charset="0"/>
+                <a:cs typeface="Arial" panose="020B0604020202020204" pitchFamily="34" charset="0"/>
+              </a:defRPr>
+            </a:lvl8pPr>
+            <a:lvl9pPr marL="3886200" indent="-228600" fontAlgn="base">
+              <a:spcBef>
+                <a:spcPct val="0"/>
+              </a:spcBef>
+              <a:spcAft>
+                <a:spcPct val="0"/>
+              </a:spcAft>
+              <a:defRPr>
+                <a:solidFill>
+                  <a:schemeClr val="tx1"/>
+                </a:solidFill>
+                <a:latin typeface="Arial" panose="020B0604020202020204" pitchFamily="34" charset="0"/>
+                <a:cs typeface="Arial" panose="020B0604020202020204" pitchFamily="34" charset="0"/>
+              </a:defRPr>
+            </a:lvl9pPr>
+          </a:lstStyle>
+          <a:p>
+            <a:pPr algn="r">
+              <a:buSzPct val="25000"/>
+            </a:pPr>
+            <a:fld id="{E8D2BFA3-0E08-4F54-BE52-BFAC23070E27}" type="slidenum">
+              <a:rPr lang="ru-RU" altLang="ru-RU" sz="1200">
+                <a:solidFill>
+                  <a:srgbClr val="888888"/>
+                </a:solidFill>
+                <a:latin typeface="Calibri" panose="020F0502020204030204" pitchFamily="34" charset="0"/>
+                <a:cs typeface="Calibri" panose="020F0502020204030204" pitchFamily="34" charset="0"/>
+                <a:sym typeface="Calibri" panose="020F0502020204030204" pitchFamily="34" charset="0"/>
+              </a:rPr>
+              <a:pPr algn="r">
+                <a:buSzPct val="25000"/>
+              </a:pPr>
+              <a:t>14</a:t>
             </a:fld>
             <a:endParaRPr lang="ru-RU" altLang="ru-RU" sz="1200">
               <a:solidFill>
@@ -9297,7 +13398,7 @@
         </p:nvSpPr>
         <p:spPr>
           <a:xfrm>
-            <a:off x="1828800" y="2133600"/>
+            <a:off x="1959435" y="2133600"/>
             <a:ext cx="8458200" cy="3352800"/>
           </a:xfrm>
         </p:spPr>
@@ -9305,33 +13406,12 @@
           <a:bodyPr/>
           <a:lstStyle/>
           <a:p>
-            <a:pPr marL="609600" indent="-609600" algn="l">
-              <a:buFontTx/>
-              <a:buChar char="•"/>
-            </a:pPr>
+            <a:pPr algn="l"/>
             <a:r>
               <a:rPr lang="en-US" altLang="ru-RU" sz="2000" dirty="0" smtClean="0">
                 <a:latin typeface="Times New Roman" panose="02020603050405020304" pitchFamily="18" charset="0"/>
               </a:rPr>
-              <a:t>Wunderlist</a:t>
-            </a:r>
-          </a:p>
-          <a:p>
-            <a:pPr marL="609600" indent="-609600" algn="l">
-              <a:buFontTx/>
-              <a:buChar char="•"/>
-            </a:pPr>
-            <a:r>
-              <a:rPr lang="en-US" altLang="ru-RU" sz="2000" dirty="0" smtClean="0">
-                <a:latin typeface="Times New Roman" panose="02020603050405020304" pitchFamily="18" charset="0"/>
-              </a:rPr>
-              <a:t>Todoist //</a:t>
-            </a:r>
-            <a:r>
-              <a:rPr lang="ru-RU" altLang="ru-RU" sz="2000" dirty="0" smtClean="0">
-                <a:latin typeface="Times New Roman" panose="02020603050405020304" pitchFamily="18" charset="0"/>
-              </a:rPr>
-              <a:t>добавить картинки</a:t>
+              <a:t>	Wunderlist</a:t>
             </a:r>
             <a:endParaRPr lang="ru-RU" altLang="ru-RU" sz="2000" dirty="0">
               <a:latin typeface="Times New Roman" panose="02020603050405020304" pitchFamily="18" charset="0"/>
@@ -9517,6 +13597,120 @@
           </a:p>
         </p:txBody>
       </p:sp>
+      <p:pic>
+        <p:nvPicPr>
+          <p:cNvPr id="1026" name="Picture 2" descr="https://dr0wv9n0kx6h5.cloudfront.net/664cb69d34d0ef040ff8a446e429bce8feb54b41/site/images/logo-big.png"/>
+          <p:cNvPicPr>
+            <a:picLocks noChangeAspect="1" noChangeArrowheads="1"/>
+          </p:cNvPicPr>
+          <p:nvPr/>
+        </p:nvPicPr>
+        <p:blipFill>
+          <a:blip r:embed="rId3">
+            <a:extLst>
+              <a:ext uri="{28A0092B-C50C-407E-A947-70E740481C1C}">
+                <a14:useLocalDpi xmlns:a14="http://schemas.microsoft.com/office/drawing/2010/main" val="0"/>
+              </a:ext>
+            </a:extLst>
+          </a:blip>
+          <a:srcRect/>
+          <a:stretch>
+            <a:fillRect/>
+          </a:stretch>
+        </p:blipFill>
+        <p:spPr bwMode="auto">
+          <a:xfrm>
+            <a:off x="2756271" y="2496049"/>
+            <a:ext cx="1542596" cy="1542597"/>
+          </a:xfrm>
+          <a:prstGeom prst="rect">
+            <a:avLst/>
+          </a:prstGeom>
+          <a:noFill/>
+          <a:extLst>
+            <a:ext uri="{909E8E84-426E-40DD-AFC4-6F175D3DCCD1}">
+              <a14:hiddenFill xmlns:a14="http://schemas.microsoft.com/office/drawing/2010/main">
+                <a:solidFill>
+                  <a:srgbClr val="FFFFFF"/>
+                </a:solidFill>
+              </a14:hiddenFill>
+            </a:ext>
+          </a:extLst>
+        </p:spPr>
+      </p:pic>
+      <p:sp>
+        <p:nvSpPr>
+          <p:cNvPr id="2" name="TextBox 1"/>
+          <p:cNvSpPr txBox="1"/>
+          <p:nvPr/>
+        </p:nvSpPr>
+        <p:spPr>
+          <a:xfrm>
+            <a:off x="7543800" y="2133600"/>
+            <a:ext cx="1611086" cy="369332"/>
+          </a:xfrm>
+          <a:prstGeom prst="rect">
+            <a:avLst/>
+          </a:prstGeom>
+          <a:noFill/>
+        </p:spPr>
+        <p:txBody>
+          <a:bodyPr wrap="square" rtlCol="0">
+            <a:spAutoFit/>
+          </a:bodyPr>
+          <a:lstStyle/>
+          <a:p>
+            <a:r>
+              <a:rPr lang="en-US" altLang="ru-RU" dirty="0">
+                <a:latin typeface="Times New Roman" panose="02020603050405020304" pitchFamily="18" charset="0"/>
+              </a:rPr>
+              <a:t>Todoist</a:t>
+            </a:r>
+            <a:endParaRPr lang="ru-RU" dirty="0"/>
+          </a:p>
+        </p:txBody>
+      </p:sp>
+      <p:pic>
+        <p:nvPicPr>
+          <p:cNvPr id="1028" name="Picture 4" descr="https://lh3.googleusercontent.com/qW5UpOFYLQRJ7jz_kUkHv6XXHQe_bldMLKD7dlXrwqgWD_H89KXMsCgng_9pcrTqaA=w300"/>
+          <p:cNvPicPr>
+            <a:picLocks noChangeAspect="1" noChangeArrowheads="1"/>
+          </p:cNvPicPr>
+          <p:nvPr/>
+        </p:nvPicPr>
+        <p:blipFill>
+          <a:blip r:embed="rId4">
+            <a:extLst>
+              <a:ext uri="{28A0092B-C50C-407E-A947-70E740481C1C}">
+                <a14:useLocalDpi xmlns:a14="http://schemas.microsoft.com/office/drawing/2010/main" val="0"/>
+              </a:ext>
+            </a:extLst>
+          </a:blip>
+          <a:srcRect/>
+          <a:stretch>
+            <a:fillRect/>
+          </a:stretch>
+        </p:blipFill>
+        <p:spPr bwMode="auto">
+          <a:xfrm>
+            <a:off x="7173379" y="2366397"/>
+            <a:ext cx="1698376" cy="1698376"/>
+          </a:xfrm>
+          <a:prstGeom prst="rect">
+            <a:avLst/>
+          </a:prstGeom>
+          <a:noFill/>
+          <a:extLst>
+            <a:ext uri="{909E8E84-426E-40DD-AFC4-6F175D3DCCD1}">
+              <a14:hiddenFill xmlns:a14="http://schemas.microsoft.com/office/drawing/2010/main">
+                <a:solidFill>
+                  <a:srgbClr val="FFFFFF"/>
+                </a:solidFill>
+              </a14:hiddenFill>
+            </a:ext>
+          </a:extLst>
+        </p:spPr>
+      </p:pic>
     </p:spTree>
     <p:extLst>
       <p:ext uri="{BB962C8B-B14F-4D97-AF65-F5344CB8AC3E}">
@@ -10135,7 +14329,7 @@
         </p:nvSpPr>
         <p:spPr>
           <a:xfrm>
-            <a:off x="2209800" y="1143001"/>
+            <a:off x="2209800" y="1125583"/>
             <a:ext cx="7696200" cy="765175"/>
           </a:xfrm>
         </p:spPr>
@@ -10144,99 +14338,12 @@
           <a:lstStyle/>
           <a:p>
             <a:r>
-              <a:rPr lang="ru-RU" altLang="ru-RU" sz="3600" dirty="0">
+              <a:rPr lang="ru-RU" altLang="ru-RU" sz="3600" dirty="0" smtClean="0">
                 <a:latin typeface="Times New Roman" panose="02020603050405020304" pitchFamily="18" charset="0"/>
               </a:rPr>
-              <a:t>Приложение-ежедневник</a:t>
-            </a:r>
-          </a:p>
-        </p:txBody>
-      </p:sp>
-      <p:sp>
-        <p:nvSpPr>
-          <p:cNvPr id="3085" name="Rectangle 13"/>
-          <p:cNvSpPr>
-            <a:spLocks noGrp="1" noChangeArrowheads="1"/>
-          </p:cNvSpPr>
-          <p:nvPr>
-            <p:ph type="subTitle" idx="1"/>
-          </p:nvPr>
-        </p:nvSpPr>
-        <p:spPr>
-          <a:xfrm>
-            <a:off x="1828800" y="2133600"/>
-            <a:ext cx="8458200" cy="3352800"/>
-          </a:xfrm>
-        </p:spPr>
-        <p:txBody>
-          <a:bodyPr/>
-          <a:lstStyle/>
-          <a:p>
-            <a:pPr marL="609600" indent="-609600" algn="l">
-              <a:buFontTx/>
-              <a:buChar char="•"/>
-            </a:pPr>
-            <a:r>
-              <a:rPr lang="ru-RU" altLang="ru-RU" sz="2000" dirty="0">
-                <a:latin typeface="Times New Roman" panose="02020603050405020304" pitchFamily="18" charset="0"/>
-              </a:rPr>
-              <a:t>Регистрация и авторизация</a:t>
-            </a:r>
-          </a:p>
-          <a:p>
-            <a:pPr marL="609600" indent="-609600" algn="l">
-              <a:buFontTx/>
-              <a:buChar char="•"/>
-            </a:pPr>
-            <a:r>
-              <a:rPr lang="ru-RU" altLang="ru-RU" sz="2000" dirty="0">
-                <a:latin typeface="Times New Roman" panose="02020603050405020304" pitchFamily="18" charset="0"/>
-              </a:rPr>
-              <a:t>Редактирование задач</a:t>
-            </a:r>
-          </a:p>
-          <a:p>
-            <a:pPr marL="609600" indent="-609600" algn="l">
-              <a:buFontTx/>
-              <a:buChar char="•"/>
-            </a:pPr>
-            <a:r>
-              <a:rPr lang="ru-RU" altLang="ru-RU" sz="2000" dirty="0">
-                <a:latin typeface="Times New Roman" panose="02020603050405020304" pitchFamily="18" charset="0"/>
-              </a:rPr>
-              <a:t>Редактирование меток к задачам</a:t>
-            </a:r>
-          </a:p>
-          <a:p>
-            <a:pPr marL="609600" indent="-609600" algn="l">
-              <a:buFontTx/>
-              <a:buChar char="•"/>
-            </a:pPr>
-            <a:r>
-              <a:rPr lang="ru-RU" altLang="ru-RU" sz="2000" dirty="0">
-                <a:latin typeface="Times New Roman" panose="02020603050405020304" pitchFamily="18" charset="0"/>
-              </a:rPr>
-              <a:t>Редактирование сроков выполнения задач</a:t>
-            </a:r>
-          </a:p>
-          <a:p>
-            <a:pPr marL="609600" indent="-609600" algn="l">
-              <a:buFontTx/>
-              <a:buChar char="•"/>
-            </a:pPr>
-            <a:r>
-              <a:rPr lang="ru-RU" altLang="ru-RU" sz="2000" dirty="0">
-                <a:latin typeface="Times New Roman" panose="02020603050405020304" pitchFamily="18" charset="0"/>
-              </a:rPr>
-              <a:t>Сортировка по срокам выполнения задач</a:t>
-            </a:r>
-          </a:p>
-          <a:p>
-            <a:pPr marL="609600" indent="-609600" algn="l">
-              <a:buFontTx/>
-              <a:buChar char="•"/>
-            </a:pPr>
-            <a:endParaRPr lang="ru-RU" altLang="ru-RU" sz="2000" dirty="0">
+              <a:t>Сравнение приложений</a:t>
+            </a:r>
+            <a:endParaRPr lang="ru-RU" altLang="ru-RU" sz="3600" dirty="0">
               <a:latin typeface="Times New Roman" panose="02020603050405020304" pitchFamily="18" charset="0"/>
             </a:endParaRPr>
           </a:p>
@@ -10420,10 +14527,1019 @@
           </a:p>
         </p:txBody>
       </p:sp>
+      <p:graphicFrame>
+        <p:nvGraphicFramePr>
+          <p:cNvPr id="4" name="Таблица 3"/>
+          <p:cNvGraphicFramePr>
+            <a:graphicFrameLocks noGrp="1"/>
+          </p:cNvGraphicFramePr>
+          <p:nvPr>
+            <p:extLst>
+              <p:ext uri="{D42A27DB-BD31-4B8C-83A1-F6EECF244321}">
+                <p14:modId xmlns:p14="http://schemas.microsoft.com/office/powerpoint/2010/main" val="2614717576"/>
+              </p:ext>
+            </p:extLst>
+          </p:nvPr>
+        </p:nvGraphicFramePr>
+        <p:xfrm>
+          <a:off x="2143126" y="2329012"/>
+          <a:ext cx="7800974" cy="1854000"/>
+        </p:xfrm>
+        <a:graphic>
+          <a:graphicData uri="http://schemas.openxmlformats.org/drawingml/2006/table">
+            <a:tbl>
+              <a:tblPr firstRow="1" firstCol="1" bandRow="1">
+                <a:tableStyleId>{2D5ABB26-0587-4C30-8999-92F81FD0307C}</a:tableStyleId>
+              </a:tblPr>
+              <a:tblGrid>
+                <a:gridCol w="4048668">
+                  <a:extLst>
+                    <a:ext uri="{9D8B030D-6E8A-4147-A177-3AD203B41FA5}">
+                      <a16:colId xmlns:a16="http://schemas.microsoft.com/office/drawing/2014/main" val="180653229"/>
+                    </a:ext>
+                  </a:extLst>
+                </a:gridCol>
+                <a:gridCol w="1876153">
+                  <a:extLst>
+                    <a:ext uri="{9D8B030D-6E8A-4147-A177-3AD203B41FA5}">
+                      <a16:colId xmlns:a16="http://schemas.microsoft.com/office/drawing/2014/main" val="2576241847"/>
+                    </a:ext>
+                  </a:extLst>
+                </a:gridCol>
+                <a:gridCol w="1876153">
+                  <a:extLst>
+                    <a:ext uri="{9D8B030D-6E8A-4147-A177-3AD203B41FA5}">
+                      <a16:colId xmlns:a16="http://schemas.microsoft.com/office/drawing/2014/main" val="4001171245"/>
+                    </a:ext>
+                  </a:extLst>
+                </a:gridCol>
+              </a:tblGrid>
+              <a:tr h="370800">
+                <a:tc>
+                  <a:txBody>
+                    <a:bodyPr/>
+                    <a:lstStyle/>
+                    <a:p>
+                      <a:pPr indent="450215" algn="ctr">
+                        <a:lnSpc>
+                          <a:spcPts val="1800"/>
+                        </a:lnSpc>
+                        <a:spcAft>
+                          <a:spcPts val="0"/>
+                        </a:spcAft>
+                      </a:pPr>
+                      <a:r>
+                        <a:rPr lang="ru-RU" sz="1800" dirty="0">
+                          <a:effectLst/>
+                          <a:latin typeface="Times New Roman" panose="02020603050405020304" pitchFamily="18" charset="0"/>
+                          <a:cs typeface="Times New Roman" panose="02020603050405020304" pitchFamily="18" charset="0"/>
+                        </a:rPr>
+                        <a:t> </a:t>
+                      </a:r>
+                      <a:endParaRPr lang="ru-RU" sz="1800" dirty="0">
+                        <a:effectLst/>
+                        <a:latin typeface="Times New Roman" panose="02020603050405020304" pitchFamily="18" charset="0"/>
+                        <a:ea typeface="Calibri" panose="020F0502020204030204" pitchFamily="34" charset="0"/>
+                        <a:cs typeface="Times New Roman" panose="02020603050405020304" pitchFamily="18" charset="0"/>
+                      </a:endParaRPr>
+                    </a:p>
+                  </a:txBody>
+                  <a:tcPr marL="68580" marR="68580" marT="0" marB="0"/>
+                </a:tc>
+                <a:tc>
+                  <a:txBody>
+                    <a:bodyPr/>
+                    <a:lstStyle/>
+                    <a:p>
+                      <a:pPr indent="450215" algn="ctr">
+                        <a:lnSpc>
+                          <a:spcPts val="1800"/>
+                        </a:lnSpc>
+                        <a:spcAft>
+                          <a:spcPts val="0"/>
+                        </a:spcAft>
+                      </a:pPr>
+                      <a:r>
+                        <a:rPr lang="en-US" altLang="ru-RU" sz="1800" dirty="0" smtClean="0">
+                          <a:latin typeface="Times New Roman" panose="02020603050405020304" pitchFamily="18" charset="0"/>
+                          <a:cs typeface="Times New Roman" panose="02020603050405020304" pitchFamily="18" charset="0"/>
+                        </a:rPr>
+                        <a:t>Wunderlist</a:t>
+                      </a:r>
+                      <a:endParaRPr lang="ru-RU" sz="1800" dirty="0">
+                        <a:effectLst/>
+                        <a:latin typeface="Times New Roman" panose="02020603050405020304" pitchFamily="18" charset="0"/>
+                        <a:ea typeface="Calibri" panose="020F0502020204030204" pitchFamily="34" charset="0"/>
+                        <a:cs typeface="Times New Roman" panose="02020603050405020304" pitchFamily="18" charset="0"/>
+                      </a:endParaRPr>
+                    </a:p>
+                  </a:txBody>
+                  <a:tcPr marL="68580" marR="68580" marT="0" marB="0"/>
+                </a:tc>
+                <a:tc>
+                  <a:txBody>
+                    <a:bodyPr/>
+                    <a:lstStyle/>
+                    <a:p>
+                      <a:pPr indent="450215" algn="ctr">
+                        <a:lnSpc>
+                          <a:spcPts val="1800"/>
+                        </a:lnSpc>
+                        <a:spcAft>
+                          <a:spcPts val="0"/>
+                        </a:spcAft>
+                      </a:pPr>
+                      <a:r>
+                        <a:rPr lang="en-US" altLang="ru-RU" sz="1800" dirty="0" smtClean="0">
+                          <a:latin typeface="Times New Roman" panose="02020603050405020304" pitchFamily="18" charset="0"/>
+                          <a:cs typeface="Times New Roman" panose="02020603050405020304" pitchFamily="18" charset="0"/>
+                        </a:rPr>
+                        <a:t>Todoist</a:t>
+                      </a:r>
+                      <a:endParaRPr lang="ru-RU" sz="1800" dirty="0">
+                        <a:effectLst/>
+                        <a:latin typeface="Times New Roman" panose="02020603050405020304" pitchFamily="18" charset="0"/>
+                        <a:ea typeface="Calibri" panose="020F0502020204030204" pitchFamily="34" charset="0"/>
+                        <a:cs typeface="Times New Roman" panose="02020603050405020304" pitchFamily="18" charset="0"/>
+                      </a:endParaRPr>
+                    </a:p>
+                  </a:txBody>
+                  <a:tcPr marL="68580" marR="68580" marT="0" marB="0"/>
+                </a:tc>
+                <a:extLst>
+                  <a:ext uri="{0D108BD9-81ED-4DB2-BD59-A6C34878D82A}">
+                    <a16:rowId xmlns:a16="http://schemas.microsoft.com/office/drawing/2014/main" val="3768506673"/>
+                  </a:ext>
+                </a:extLst>
+              </a:tr>
+              <a:tr h="370800">
+                <a:tc>
+                  <a:txBody>
+                    <a:bodyPr/>
+                    <a:lstStyle/>
+                    <a:p>
+                      <a:pPr indent="450215" algn="ctr">
+                        <a:lnSpc>
+                          <a:spcPts val="1800"/>
+                        </a:lnSpc>
+                        <a:spcAft>
+                          <a:spcPts val="0"/>
+                        </a:spcAft>
+                      </a:pPr>
+                      <a:r>
+                        <a:rPr lang="ru-RU" sz="1800" dirty="0" smtClean="0">
+                          <a:effectLst/>
+                          <a:latin typeface="Times New Roman" panose="02020603050405020304" pitchFamily="18" charset="0"/>
+                          <a:cs typeface="Times New Roman" panose="02020603050405020304" pitchFamily="18" charset="0"/>
+                        </a:rPr>
+                        <a:t>Время</a:t>
+                      </a:r>
+                      <a:r>
+                        <a:rPr lang="en-US" sz="1800" dirty="0" smtClean="0">
+                          <a:effectLst/>
+                          <a:latin typeface="Times New Roman" panose="02020603050405020304" pitchFamily="18" charset="0"/>
+                          <a:cs typeface="Times New Roman" panose="02020603050405020304" pitchFamily="18" charset="0"/>
+                        </a:rPr>
+                        <a:t> </a:t>
+                      </a:r>
+                      <a:r>
+                        <a:rPr lang="ru-RU" sz="1800" dirty="0" smtClean="0">
+                          <a:effectLst/>
+                          <a:latin typeface="Times New Roman" panose="02020603050405020304" pitchFamily="18" charset="0"/>
+                          <a:cs typeface="Times New Roman" panose="02020603050405020304" pitchFamily="18" charset="0"/>
+                        </a:rPr>
+                        <a:t>первой </a:t>
+                      </a:r>
+                      <a:r>
+                        <a:rPr lang="ru-RU" sz="1800" dirty="0">
+                          <a:effectLst/>
+                          <a:latin typeface="Times New Roman" panose="02020603050405020304" pitchFamily="18" charset="0"/>
+                          <a:cs typeface="Times New Roman" panose="02020603050405020304" pitchFamily="18" charset="0"/>
+                        </a:rPr>
+                        <a:t>загрузки</a:t>
+                      </a:r>
+                      <a:endParaRPr lang="ru-RU" sz="1800" dirty="0">
+                        <a:effectLst/>
+                        <a:latin typeface="Times New Roman" panose="02020603050405020304" pitchFamily="18" charset="0"/>
+                        <a:ea typeface="Calibri" panose="020F0502020204030204" pitchFamily="34" charset="0"/>
+                        <a:cs typeface="Times New Roman" panose="02020603050405020304" pitchFamily="18" charset="0"/>
+                      </a:endParaRPr>
+                    </a:p>
+                  </a:txBody>
+                  <a:tcPr marL="68580" marR="68580" marT="0" marB="0"/>
+                </a:tc>
+                <a:tc>
+                  <a:txBody>
+                    <a:bodyPr/>
+                    <a:lstStyle/>
+                    <a:p>
+                      <a:pPr indent="450215" algn="ctr">
+                        <a:lnSpc>
+                          <a:spcPts val="1800"/>
+                        </a:lnSpc>
+                        <a:spcAft>
+                          <a:spcPts val="0"/>
+                        </a:spcAft>
+                      </a:pPr>
+                      <a:r>
+                        <a:rPr lang="ru-RU" sz="1800" dirty="0">
+                          <a:effectLst/>
+                          <a:latin typeface="Times New Roman" panose="02020603050405020304" pitchFamily="18" charset="0"/>
+                          <a:cs typeface="Times New Roman" panose="02020603050405020304" pitchFamily="18" charset="0"/>
+                        </a:rPr>
+                        <a:t>3,39с</a:t>
+                      </a:r>
+                      <a:endParaRPr lang="ru-RU" sz="1800" dirty="0">
+                        <a:effectLst/>
+                        <a:latin typeface="Times New Roman" panose="02020603050405020304" pitchFamily="18" charset="0"/>
+                        <a:ea typeface="Calibri" panose="020F0502020204030204" pitchFamily="34" charset="0"/>
+                        <a:cs typeface="Times New Roman" panose="02020603050405020304" pitchFamily="18" charset="0"/>
+                      </a:endParaRPr>
+                    </a:p>
+                  </a:txBody>
+                  <a:tcPr marL="68580" marR="68580" marT="0" marB="0"/>
+                </a:tc>
+                <a:tc>
+                  <a:txBody>
+                    <a:bodyPr/>
+                    <a:lstStyle/>
+                    <a:p>
+                      <a:pPr indent="450215" algn="ctr">
+                        <a:lnSpc>
+                          <a:spcPts val="1800"/>
+                        </a:lnSpc>
+                        <a:spcAft>
+                          <a:spcPts val="0"/>
+                        </a:spcAft>
+                      </a:pPr>
+                      <a:r>
+                        <a:rPr lang="ru-RU" sz="1800">
+                          <a:effectLst/>
+                          <a:latin typeface="Times New Roman" panose="02020603050405020304" pitchFamily="18" charset="0"/>
+                          <a:cs typeface="Times New Roman" panose="02020603050405020304" pitchFamily="18" charset="0"/>
+                        </a:rPr>
+                        <a:t>2,73 с</a:t>
+                      </a:r>
+                      <a:endParaRPr lang="ru-RU" sz="1800">
+                        <a:effectLst/>
+                        <a:latin typeface="Times New Roman" panose="02020603050405020304" pitchFamily="18" charset="0"/>
+                        <a:ea typeface="Calibri" panose="020F0502020204030204" pitchFamily="34" charset="0"/>
+                        <a:cs typeface="Times New Roman" panose="02020603050405020304" pitchFamily="18" charset="0"/>
+                      </a:endParaRPr>
+                    </a:p>
+                  </a:txBody>
+                  <a:tcPr marL="68580" marR="68580" marT="0" marB="0"/>
+                </a:tc>
+                <a:extLst>
+                  <a:ext uri="{0D108BD9-81ED-4DB2-BD59-A6C34878D82A}">
+                    <a16:rowId xmlns:a16="http://schemas.microsoft.com/office/drawing/2014/main" val="1723339095"/>
+                  </a:ext>
+                </a:extLst>
+              </a:tr>
+              <a:tr h="370800">
+                <a:tc>
+                  <a:txBody>
+                    <a:bodyPr/>
+                    <a:lstStyle/>
+                    <a:p>
+                      <a:pPr algn="ctr"/>
+                      <a:r>
+                        <a:rPr lang="ru-RU" dirty="0" smtClean="0">
+                          <a:latin typeface="Times New Roman" panose="02020603050405020304" pitchFamily="18" charset="0"/>
+                          <a:cs typeface="Times New Roman" panose="02020603050405020304" pitchFamily="18" charset="0"/>
+                        </a:rPr>
+                        <a:t>Объем</a:t>
+                      </a:r>
+                      <a:r>
+                        <a:rPr lang="ru-RU" baseline="0" dirty="0" smtClean="0">
+                          <a:latin typeface="Times New Roman" panose="02020603050405020304" pitchFamily="18" charset="0"/>
+                          <a:cs typeface="Times New Roman" panose="02020603050405020304" pitchFamily="18" charset="0"/>
+                        </a:rPr>
+                        <a:t> данных при первой загрузке</a:t>
+                      </a:r>
+                      <a:endParaRPr lang="ru-RU" dirty="0">
+                        <a:latin typeface="Times New Roman" panose="02020603050405020304" pitchFamily="18" charset="0"/>
+                        <a:cs typeface="Times New Roman" panose="02020603050405020304" pitchFamily="18" charset="0"/>
+                      </a:endParaRPr>
+                    </a:p>
+                  </a:txBody>
+                  <a:tcPr marL="68580" marR="68580" marT="0" marB="0"/>
+                </a:tc>
+                <a:tc>
+                  <a:txBody>
+                    <a:bodyPr/>
+                    <a:lstStyle/>
+                    <a:p>
+                      <a:pPr indent="450215" algn="ctr">
+                        <a:lnSpc>
+                          <a:spcPts val="1800"/>
+                        </a:lnSpc>
+                        <a:spcAft>
+                          <a:spcPts val="0"/>
+                        </a:spcAft>
+                      </a:pPr>
+                      <a:r>
+                        <a:rPr lang="ru-RU" sz="1800" dirty="0">
+                          <a:effectLst/>
+                          <a:latin typeface="Times New Roman" panose="02020603050405020304" pitchFamily="18" charset="0"/>
+                          <a:cs typeface="Times New Roman" panose="02020603050405020304" pitchFamily="18" charset="0"/>
+                        </a:rPr>
+                        <a:t>1,9 Мбайт</a:t>
+                      </a:r>
+                      <a:endParaRPr lang="ru-RU" sz="1800" dirty="0">
+                        <a:effectLst/>
+                        <a:latin typeface="Times New Roman" panose="02020603050405020304" pitchFamily="18" charset="0"/>
+                        <a:ea typeface="Calibri" panose="020F0502020204030204" pitchFamily="34" charset="0"/>
+                        <a:cs typeface="Times New Roman" panose="02020603050405020304" pitchFamily="18" charset="0"/>
+                      </a:endParaRPr>
+                    </a:p>
+                  </a:txBody>
+                  <a:tcPr marL="68580" marR="68580" marT="0" marB="0"/>
+                </a:tc>
+                <a:tc>
+                  <a:txBody>
+                    <a:bodyPr/>
+                    <a:lstStyle/>
+                    <a:p>
+                      <a:pPr indent="450215" algn="ctr">
+                        <a:lnSpc>
+                          <a:spcPts val="1800"/>
+                        </a:lnSpc>
+                        <a:spcAft>
+                          <a:spcPts val="0"/>
+                        </a:spcAft>
+                      </a:pPr>
+                      <a:r>
+                        <a:rPr lang="ru-RU" sz="1800" dirty="0">
+                          <a:effectLst/>
+                          <a:latin typeface="Times New Roman" panose="02020603050405020304" pitchFamily="18" charset="0"/>
+                          <a:cs typeface="Times New Roman" panose="02020603050405020304" pitchFamily="18" charset="0"/>
+                        </a:rPr>
+                        <a:t>188 Кбайт</a:t>
+                      </a:r>
+                      <a:endParaRPr lang="ru-RU" sz="1800" dirty="0">
+                        <a:effectLst/>
+                        <a:latin typeface="Times New Roman" panose="02020603050405020304" pitchFamily="18" charset="0"/>
+                        <a:ea typeface="Calibri" panose="020F0502020204030204" pitchFamily="34" charset="0"/>
+                        <a:cs typeface="Times New Roman" panose="02020603050405020304" pitchFamily="18" charset="0"/>
+                      </a:endParaRPr>
+                    </a:p>
+                  </a:txBody>
+                  <a:tcPr marL="68580" marR="68580" marT="0" marB="0"/>
+                </a:tc>
+                <a:extLst>
+                  <a:ext uri="{0D108BD9-81ED-4DB2-BD59-A6C34878D82A}">
+                    <a16:rowId xmlns:a16="http://schemas.microsoft.com/office/drawing/2014/main" val="4075385997"/>
+                  </a:ext>
+                </a:extLst>
+              </a:tr>
+              <a:tr h="370800">
+                <a:tc>
+                  <a:txBody>
+                    <a:bodyPr/>
+                    <a:lstStyle/>
+                    <a:p>
+                      <a:pPr indent="450215" algn="ctr">
+                        <a:lnSpc>
+                          <a:spcPts val="1800"/>
+                        </a:lnSpc>
+                        <a:spcAft>
+                          <a:spcPts val="0"/>
+                        </a:spcAft>
+                      </a:pPr>
+                      <a:r>
+                        <a:rPr lang="ru-RU" sz="1800" dirty="0" smtClean="0">
+                          <a:effectLst/>
+                          <a:latin typeface="Times New Roman" panose="02020603050405020304" pitchFamily="18" charset="0"/>
+                          <a:cs typeface="Times New Roman" panose="02020603050405020304" pitchFamily="18" charset="0"/>
+                        </a:rPr>
+                        <a:t>Время повторной </a:t>
+                      </a:r>
+                      <a:r>
+                        <a:rPr lang="ru-RU" sz="1800" dirty="0">
+                          <a:effectLst/>
+                          <a:latin typeface="Times New Roman" panose="02020603050405020304" pitchFamily="18" charset="0"/>
+                          <a:cs typeface="Times New Roman" panose="02020603050405020304" pitchFamily="18" charset="0"/>
+                        </a:rPr>
+                        <a:t>загрузки</a:t>
+                      </a:r>
+                      <a:endParaRPr lang="ru-RU" sz="1800" dirty="0">
+                        <a:effectLst/>
+                        <a:latin typeface="Times New Roman" panose="02020603050405020304" pitchFamily="18" charset="0"/>
+                        <a:ea typeface="Calibri" panose="020F0502020204030204" pitchFamily="34" charset="0"/>
+                        <a:cs typeface="Times New Roman" panose="02020603050405020304" pitchFamily="18" charset="0"/>
+                      </a:endParaRPr>
+                    </a:p>
+                  </a:txBody>
+                  <a:tcPr marL="68580" marR="68580" marT="0" marB="0"/>
+                </a:tc>
+                <a:tc>
+                  <a:txBody>
+                    <a:bodyPr/>
+                    <a:lstStyle/>
+                    <a:p>
+                      <a:pPr indent="450215" algn="ctr">
+                        <a:lnSpc>
+                          <a:spcPts val="1800"/>
+                        </a:lnSpc>
+                        <a:spcAft>
+                          <a:spcPts val="0"/>
+                        </a:spcAft>
+                      </a:pPr>
+                      <a:r>
+                        <a:rPr lang="ru-RU" sz="1800" dirty="0">
+                          <a:effectLst/>
+                          <a:latin typeface="Times New Roman" panose="02020603050405020304" pitchFamily="18" charset="0"/>
+                          <a:cs typeface="Times New Roman" panose="02020603050405020304" pitchFamily="18" charset="0"/>
+                        </a:rPr>
+                        <a:t>1,60с</a:t>
+                      </a:r>
+                      <a:endParaRPr lang="ru-RU" sz="1800" dirty="0">
+                        <a:effectLst/>
+                        <a:latin typeface="Times New Roman" panose="02020603050405020304" pitchFamily="18" charset="0"/>
+                        <a:ea typeface="Calibri" panose="020F0502020204030204" pitchFamily="34" charset="0"/>
+                        <a:cs typeface="Times New Roman" panose="02020603050405020304" pitchFamily="18" charset="0"/>
+                      </a:endParaRPr>
+                    </a:p>
+                  </a:txBody>
+                  <a:tcPr marL="68580" marR="68580" marT="0" marB="0"/>
+                </a:tc>
+                <a:tc>
+                  <a:txBody>
+                    <a:bodyPr/>
+                    <a:lstStyle/>
+                    <a:p>
+                      <a:pPr indent="450215" algn="ctr">
+                        <a:lnSpc>
+                          <a:spcPts val="1800"/>
+                        </a:lnSpc>
+                        <a:spcAft>
+                          <a:spcPts val="0"/>
+                        </a:spcAft>
+                      </a:pPr>
+                      <a:r>
+                        <a:rPr lang="ru-RU" sz="1800" dirty="0">
+                          <a:effectLst/>
+                          <a:latin typeface="Times New Roman" panose="02020603050405020304" pitchFamily="18" charset="0"/>
+                          <a:cs typeface="Times New Roman" panose="02020603050405020304" pitchFamily="18" charset="0"/>
+                        </a:rPr>
+                        <a:t>0,96с</a:t>
+                      </a:r>
+                      <a:endParaRPr lang="ru-RU" sz="1800" dirty="0">
+                        <a:effectLst/>
+                        <a:latin typeface="Times New Roman" panose="02020603050405020304" pitchFamily="18" charset="0"/>
+                        <a:ea typeface="Calibri" panose="020F0502020204030204" pitchFamily="34" charset="0"/>
+                        <a:cs typeface="Times New Roman" panose="02020603050405020304" pitchFamily="18" charset="0"/>
+                      </a:endParaRPr>
+                    </a:p>
+                  </a:txBody>
+                  <a:tcPr marL="68580" marR="68580" marT="0" marB="0"/>
+                </a:tc>
+                <a:extLst>
+                  <a:ext uri="{0D108BD9-81ED-4DB2-BD59-A6C34878D82A}">
+                    <a16:rowId xmlns:a16="http://schemas.microsoft.com/office/drawing/2014/main" val="3262245754"/>
+                  </a:ext>
+                </a:extLst>
+              </a:tr>
+              <a:tr h="370800">
+                <a:tc>
+                  <a:txBody>
+                    <a:bodyPr/>
+                    <a:lstStyle/>
+                    <a:p>
+                      <a:pPr algn="ctr"/>
+                      <a:r>
+                        <a:rPr lang="ru-RU" dirty="0" smtClean="0">
+                          <a:latin typeface="Times New Roman" panose="02020603050405020304" pitchFamily="18" charset="0"/>
+                          <a:cs typeface="Times New Roman" panose="02020603050405020304" pitchFamily="18" charset="0"/>
+                        </a:rPr>
+                        <a:t>Объем</a:t>
+                      </a:r>
+                      <a:r>
+                        <a:rPr lang="ru-RU" baseline="0" dirty="0" smtClean="0">
+                          <a:latin typeface="Times New Roman" panose="02020603050405020304" pitchFamily="18" charset="0"/>
+                          <a:cs typeface="Times New Roman" panose="02020603050405020304" pitchFamily="18" charset="0"/>
+                        </a:rPr>
+                        <a:t> данных при повторной загрузке</a:t>
+                      </a:r>
+                      <a:endParaRPr lang="ru-RU" dirty="0">
+                        <a:latin typeface="Times New Roman" panose="02020603050405020304" pitchFamily="18" charset="0"/>
+                        <a:cs typeface="Times New Roman" panose="02020603050405020304" pitchFamily="18" charset="0"/>
+                      </a:endParaRPr>
+                    </a:p>
+                  </a:txBody>
+                  <a:tcPr marL="68580" marR="68580" marT="0" marB="0"/>
+                </a:tc>
+                <a:tc>
+                  <a:txBody>
+                    <a:bodyPr/>
+                    <a:lstStyle/>
+                    <a:p>
+                      <a:pPr indent="450215" algn="ctr">
+                        <a:lnSpc>
+                          <a:spcPts val="1800"/>
+                        </a:lnSpc>
+                        <a:spcAft>
+                          <a:spcPts val="0"/>
+                        </a:spcAft>
+                      </a:pPr>
+                      <a:r>
+                        <a:rPr lang="ru-RU" sz="1800">
+                          <a:effectLst/>
+                          <a:latin typeface="Times New Roman" panose="02020603050405020304" pitchFamily="18" charset="0"/>
+                          <a:cs typeface="Times New Roman" panose="02020603050405020304" pitchFamily="18" charset="0"/>
+                        </a:rPr>
+                        <a:t>104 Кбайт</a:t>
+                      </a:r>
+                      <a:endParaRPr lang="ru-RU" sz="1800">
+                        <a:effectLst/>
+                        <a:latin typeface="Times New Roman" panose="02020603050405020304" pitchFamily="18" charset="0"/>
+                        <a:ea typeface="Calibri" panose="020F0502020204030204" pitchFamily="34" charset="0"/>
+                        <a:cs typeface="Times New Roman" panose="02020603050405020304" pitchFamily="18" charset="0"/>
+                      </a:endParaRPr>
+                    </a:p>
+                  </a:txBody>
+                  <a:tcPr marL="68580" marR="68580" marT="0" marB="0"/>
+                </a:tc>
+                <a:tc>
+                  <a:txBody>
+                    <a:bodyPr/>
+                    <a:lstStyle/>
+                    <a:p>
+                      <a:pPr indent="450215" algn="ctr">
+                        <a:lnSpc>
+                          <a:spcPts val="1800"/>
+                        </a:lnSpc>
+                        <a:spcAft>
+                          <a:spcPts val="0"/>
+                        </a:spcAft>
+                      </a:pPr>
+                      <a:r>
+                        <a:rPr lang="ru-RU" sz="1800" dirty="0">
+                          <a:effectLst/>
+                          <a:latin typeface="Times New Roman" panose="02020603050405020304" pitchFamily="18" charset="0"/>
+                          <a:cs typeface="Times New Roman" panose="02020603050405020304" pitchFamily="18" charset="0"/>
+                        </a:rPr>
+                        <a:t>1,9 Кбайт</a:t>
+                      </a:r>
+                      <a:endParaRPr lang="ru-RU" sz="1800" dirty="0">
+                        <a:effectLst/>
+                        <a:latin typeface="Times New Roman" panose="02020603050405020304" pitchFamily="18" charset="0"/>
+                        <a:ea typeface="Calibri" panose="020F0502020204030204" pitchFamily="34" charset="0"/>
+                        <a:cs typeface="Times New Roman" panose="02020603050405020304" pitchFamily="18" charset="0"/>
+                      </a:endParaRPr>
+                    </a:p>
+                  </a:txBody>
+                  <a:tcPr marL="68580" marR="68580" marT="0" marB="0"/>
+                </a:tc>
+                <a:extLst>
+                  <a:ext uri="{0D108BD9-81ED-4DB2-BD59-A6C34878D82A}">
+                    <a16:rowId xmlns:a16="http://schemas.microsoft.com/office/drawing/2014/main" val="1406881273"/>
+                  </a:ext>
+                </a:extLst>
+              </a:tr>
+            </a:tbl>
+          </a:graphicData>
+        </a:graphic>
+      </p:graphicFrame>
+      <p:graphicFrame>
+        <p:nvGraphicFramePr>
+          <p:cNvPr id="16" name="Таблица 15"/>
+          <p:cNvGraphicFramePr>
+            <a:graphicFrameLocks noGrp="1"/>
+          </p:cNvGraphicFramePr>
+          <p:nvPr>
+            <p:extLst>
+              <p:ext uri="{D42A27DB-BD31-4B8C-83A1-F6EECF244321}">
+                <p14:modId xmlns:p14="http://schemas.microsoft.com/office/powerpoint/2010/main" val="3198349899"/>
+              </p:ext>
+            </p:extLst>
+          </p:nvPr>
+        </p:nvGraphicFramePr>
+        <p:xfrm>
+          <a:off x="2209800" y="4775197"/>
+          <a:ext cx="7800974" cy="1112400"/>
+        </p:xfrm>
+        <a:graphic>
+          <a:graphicData uri="http://schemas.openxmlformats.org/drawingml/2006/table">
+            <a:tbl>
+              <a:tblPr firstRow="1" firstCol="1" bandRow="1">
+                <a:tableStyleId>{2D5ABB26-0587-4C30-8999-92F81FD0307C}</a:tableStyleId>
+              </a:tblPr>
+              <a:tblGrid>
+                <a:gridCol w="4048668">
+                  <a:extLst>
+                    <a:ext uri="{9D8B030D-6E8A-4147-A177-3AD203B41FA5}">
+                      <a16:colId xmlns:a16="http://schemas.microsoft.com/office/drawing/2014/main" val="180653229"/>
+                    </a:ext>
+                  </a:extLst>
+                </a:gridCol>
+                <a:gridCol w="1876153">
+                  <a:extLst>
+                    <a:ext uri="{9D8B030D-6E8A-4147-A177-3AD203B41FA5}">
+                      <a16:colId xmlns:a16="http://schemas.microsoft.com/office/drawing/2014/main" val="2576241847"/>
+                    </a:ext>
+                  </a:extLst>
+                </a:gridCol>
+                <a:gridCol w="1876153">
+                  <a:extLst>
+                    <a:ext uri="{9D8B030D-6E8A-4147-A177-3AD203B41FA5}">
+                      <a16:colId xmlns:a16="http://schemas.microsoft.com/office/drawing/2014/main" val="4001171245"/>
+                    </a:ext>
+                  </a:extLst>
+                </a:gridCol>
+              </a:tblGrid>
+              <a:tr h="370800">
+                <a:tc>
+                  <a:txBody>
+                    <a:bodyPr/>
+                    <a:lstStyle/>
+                    <a:p>
+                      <a:pPr indent="450215" algn="ctr">
+                        <a:lnSpc>
+                          <a:spcPts val="1800"/>
+                        </a:lnSpc>
+                        <a:spcAft>
+                          <a:spcPts val="0"/>
+                        </a:spcAft>
+                      </a:pPr>
+                      <a:r>
+                        <a:rPr lang="ru-RU" sz="1800" dirty="0">
+                          <a:effectLst/>
+                          <a:latin typeface="Times New Roman" panose="02020603050405020304" pitchFamily="18" charset="0"/>
+                          <a:cs typeface="Times New Roman" panose="02020603050405020304" pitchFamily="18" charset="0"/>
+                        </a:rPr>
+                        <a:t> </a:t>
+                      </a:r>
+                      <a:endParaRPr lang="ru-RU" sz="1800" dirty="0">
+                        <a:effectLst/>
+                        <a:latin typeface="Times New Roman" panose="02020603050405020304" pitchFamily="18" charset="0"/>
+                        <a:ea typeface="Calibri" panose="020F0502020204030204" pitchFamily="34" charset="0"/>
+                        <a:cs typeface="Times New Roman" panose="02020603050405020304" pitchFamily="18" charset="0"/>
+                      </a:endParaRPr>
+                    </a:p>
+                  </a:txBody>
+                  <a:tcPr marL="68580" marR="68580" marT="0" marB="0"/>
+                </a:tc>
+                <a:tc>
+                  <a:txBody>
+                    <a:bodyPr/>
+                    <a:lstStyle/>
+                    <a:p>
+                      <a:pPr indent="450215" algn="ctr">
+                        <a:lnSpc>
+                          <a:spcPts val="1800"/>
+                        </a:lnSpc>
+                        <a:spcAft>
+                          <a:spcPts val="0"/>
+                        </a:spcAft>
+                      </a:pPr>
+                      <a:r>
+                        <a:rPr lang="en-US" altLang="ru-RU" sz="1800" dirty="0" smtClean="0">
+                          <a:latin typeface="Times New Roman" panose="02020603050405020304" pitchFamily="18" charset="0"/>
+                          <a:cs typeface="Times New Roman" panose="02020603050405020304" pitchFamily="18" charset="0"/>
+                        </a:rPr>
+                        <a:t>Wunderlist</a:t>
+                      </a:r>
+                      <a:endParaRPr lang="ru-RU" sz="1800" dirty="0">
+                        <a:effectLst/>
+                        <a:latin typeface="Times New Roman" panose="02020603050405020304" pitchFamily="18" charset="0"/>
+                        <a:ea typeface="Calibri" panose="020F0502020204030204" pitchFamily="34" charset="0"/>
+                        <a:cs typeface="Times New Roman" panose="02020603050405020304" pitchFamily="18" charset="0"/>
+                      </a:endParaRPr>
+                    </a:p>
+                  </a:txBody>
+                  <a:tcPr marL="68580" marR="68580" marT="0" marB="0"/>
+                </a:tc>
+                <a:tc>
+                  <a:txBody>
+                    <a:bodyPr/>
+                    <a:lstStyle/>
+                    <a:p>
+                      <a:pPr indent="450215" algn="ctr">
+                        <a:lnSpc>
+                          <a:spcPts val="1800"/>
+                        </a:lnSpc>
+                        <a:spcAft>
+                          <a:spcPts val="0"/>
+                        </a:spcAft>
+                      </a:pPr>
+                      <a:r>
+                        <a:rPr lang="en-US" altLang="ru-RU" sz="1800" dirty="0" smtClean="0">
+                          <a:latin typeface="Times New Roman" panose="02020603050405020304" pitchFamily="18" charset="0"/>
+                          <a:cs typeface="Times New Roman" panose="02020603050405020304" pitchFamily="18" charset="0"/>
+                        </a:rPr>
+                        <a:t>Todoist</a:t>
+                      </a:r>
+                      <a:endParaRPr lang="ru-RU" sz="1800" dirty="0">
+                        <a:effectLst/>
+                        <a:latin typeface="Times New Roman" panose="02020603050405020304" pitchFamily="18" charset="0"/>
+                        <a:ea typeface="Calibri" panose="020F0502020204030204" pitchFamily="34" charset="0"/>
+                        <a:cs typeface="Times New Roman" panose="02020603050405020304" pitchFamily="18" charset="0"/>
+                      </a:endParaRPr>
+                    </a:p>
+                  </a:txBody>
+                  <a:tcPr marL="68580" marR="68580" marT="0" marB="0"/>
+                </a:tc>
+                <a:extLst>
+                  <a:ext uri="{0D108BD9-81ED-4DB2-BD59-A6C34878D82A}">
+                    <a16:rowId xmlns:a16="http://schemas.microsoft.com/office/drawing/2014/main" val="3768506673"/>
+                  </a:ext>
+                </a:extLst>
+              </a:tr>
+              <a:tr h="370800">
+                <a:tc>
+                  <a:txBody>
+                    <a:bodyPr/>
+                    <a:lstStyle/>
+                    <a:p>
+                      <a:pPr indent="450215" algn="ctr">
+                        <a:lnSpc>
+                          <a:spcPts val="1800"/>
+                        </a:lnSpc>
+                        <a:spcAft>
+                          <a:spcPts val="0"/>
+                        </a:spcAft>
+                      </a:pPr>
+                      <a:r>
+                        <a:rPr lang="ru-RU" sz="1800" dirty="0" smtClean="0">
+                          <a:effectLst/>
+                          <a:latin typeface="Times New Roman" panose="02020603050405020304" pitchFamily="18" charset="0"/>
+                          <a:cs typeface="Times New Roman" panose="02020603050405020304" pitchFamily="18" charset="0"/>
+                        </a:rPr>
+                        <a:t>Размер приложения</a:t>
+                      </a:r>
+                      <a:endParaRPr lang="ru-RU" sz="1800" dirty="0">
+                        <a:effectLst/>
+                        <a:latin typeface="Times New Roman" panose="02020603050405020304" pitchFamily="18" charset="0"/>
+                        <a:ea typeface="Calibri" panose="020F0502020204030204" pitchFamily="34" charset="0"/>
+                        <a:cs typeface="Times New Roman" panose="02020603050405020304" pitchFamily="18" charset="0"/>
+                      </a:endParaRPr>
+                    </a:p>
+                  </a:txBody>
+                  <a:tcPr marL="68580" marR="68580" marT="0" marB="0"/>
+                </a:tc>
+                <a:tc>
+                  <a:txBody>
+                    <a:bodyPr/>
+                    <a:lstStyle/>
+                    <a:p>
+                      <a:pPr indent="450215" algn="ctr">
+                        <a:lnSpc>
+                          <a:spcPts val="1800"/>
+                        </a:lnSpc>
+                        <a:spcAft>
+                          <a:spcPts val="0"/>
+                        </a:spcAft>
+                      </a:pPr>
+                      <a:r>
+                        <a:rPr lang="ru-RU" sz="1800" dirty="0">
+                          <a:effectLst/>
+                          <a:latin typeface="Times New Roman" panose="02020603050405020304" pitchFamily="18" charset="0"/>
+                          <a:cs typeface="Times New Roman" panose="02020603050405020304" pitchFamily="18" charset="0"/>
+                        </a:rPr>
+                        <a:t>3,39с</a:t>
+                      </a:r>
+                      <a:endParaRPr lang="ru-RU" sz="1800" dirty="0">
+                        <a:effectLst/>
+                        <a:latin typeface="Times New Roman" panose="02020603050405020304" pitchFamily="18" charset="0"/>
+                        <a:ea typeface="Calibri" panose="020F0502020204030204" pitchFamily="34" charset="0"/>
+                        <a:cs typeface="Times New Roman" panose="02020603050405020304" pitchFamily="18" charset="0"/>
+                      </a:endParaRPr>
+                    </a:p>
+                  </a:txBody>
+                  <a:tcPr marL="68580" marR="68580" marT="0" marB="0"/>
+                </a:tc>
+                <a:tc>
+                  <a:txBody>
+                    <a:bodyPr/>
+                    <a:lstStyle/>
+                    <a:p>
+                      <a:pPr indent="450215" algn="ctr">
+                        <a:lnSpc>
+                          <a:spcPts val="1800"/>
+                        </a:lnSpc>
+                        <a:spcAft>
+                          <a:spcPts val="0"/>
+                        </a:spcAft>
+                      </a:pPr>
+                      <a:r>
+                        <a:rPr lang="ru-RU" sz="1800">
+                          <a:effectLst/>
+                          <a:latin typeface="Times New Roman" panose="02020603050405020304" pitchFamily="18" charset="0"/>
+                          <a:cs typeface="Times New Roman" panose="02020603050405020304" pitchFamily="18" charset="0"/>
+                        </a:rPr>
+                        <a:t>2,73 с</a:t>
+                      </a:r>
+                      <a:endParaRPr lang="ru-RU" sz="1800">
+                        <a:effectLst/>
+                        <a:latin typeface="Times New Roman" panose="02020603050405020304" pitchFamily="18" charset="0"/>
+                        <a:ea typeface="Calibri" panose="020F0502020204030204" pitchFamily="34" charset="0"/>
+                        <a:cs typeface="Times New Roman" panose="02020603050405020304" pitchFamily="18" charset="0"/>
+                      </a:endParaRPr>
+                    </a:p>
+                  </a:txBody>
+                  <a:tcPr marL="68580" marR="68580" marT="0" marB="0"/>
+                </a:tc>
+                <a:extLst>
+                  <a:ext uri="{0D108BD9-81ED-4DB2-BD59-A6C34878D82A}">
+                    <a16:rowId xmlns:a16="http://schemas.microsoft.com/office/drawing/2014/main" val="1723339095"/>
+                  </a:ext>
+                </a:extLst>
+              </a:tr>
+              <a:tr h="370800">
+                <a:tc>
+                  <a:txBody>
+                    <a:bodyPr/>
+                    <a:lstStyle/>
+                    <a:p>
+                      <a:pPr algn="ctr"/>
+                      <a:r>
+                        <a:rPr lang="ru-RU" dirty="0" smtClean="0">
+                          <a:latin typeface="Times New Roman" panose="02020603050405020304" pitchFamily="18" charset="0"/>
+                          <a:cs typeface="Times New Roman" panose="02020603050405020304" pitchFamily="18" charset="0"/>
+                        </a:rPr>
+                        <a:t>Размер</a:t>
+                      </a:r>
+                      <a:r>
+                        <a:rPr lang="en-US" dirty="0" smtClean="0">
+                          <a:latin typeface="Times New Roman" panose="02020603050405020304" pitchFamily="18" charset="0"/>
+                          <a:cs typeface="Times New Roman" panose="02020603050405020304" pitchFamily="18" charset="0"/>
+                        </a:rPr>
+                        <a:t> </a:t>
+                      </a:r>
+                      <a:r>
+                        <a:rPr lang="ru-RU" dirty="0" smtClean="0">
+                          <a:latin typeface="Times New Roman" panose="02020603050405020304" pitchFamily="18" charset="0"/>
+                          <a:cs typeface="Times New Roman" panose="02020603050405020304" pitchFamily="18" charset="0"/>
+                        </a:rPr>
+                        <a:t>пользовательских данных</a:t>
+                      </a:r>
+                      <a:endParaRPr lang="ru-RU" dirty="0">
+                        <a:latin typeface="Times New Roman" panose="02020603050405020304" pitchFamily="18" charset="0"/>
+                        <a:cs typeface="Times New Roman" panose="02020603050405020304" pitchFamily="18" charset="0"/>
+                      </a:endParaRPr>
+                    </a:p>
+                  </a:txBody>
+                  <a:tcPr marL="68580" marR="68580" marT="0" marB="0"/>
+                </a:tc>
+                <a:tc>
+                  <a:txBody>
+                    <a:bodyPr/>
+                    <a:lstStyle/>
+                    <a:p>
+                      <a:pPr indent="450215" algn="ctr">
+                        <a:lnSpc>
+                          <a:spcPts val="1800"/>
+                        </a:lnSpc>
+                        <a:spcAft>
+                          <a:spcPts val="0"/>
+                        </a:spcAft>
+                      </a:pPr>
+                      <a:r>
+                        <a:rPr lang="ru-RU" sz="1800" dirty="0">
+                          <a:effectLst/>
+                          <a:latin typeface="Times New Roman" panose="02020603050405020304" pitchFamily="18" charset="0"/>
+                          <a:cs typeface="Times New Roman" panose="02020603050405020304" pitchFamily="18" charset="0"/>
+                        </a:rPr>
+                        <a:t>1,9 Мбайт</a:t>
+                      </a:r>
+                      <a:endParaRPr lang="ru-RU" sz="1800" dirty="0">
+                        <a:effectLst/>
+                        <a:latin typeface="Times New Roman" panose="02020603050405020304" pitchFamily="18" charset="0"/>
+                        <a:ea typeface="Calibri" panose="020F0502020204030204" pitchFamily="34" charset="0"/>
+                        <a:cs typeface="Times New Roman" panose="02020603050405020304" pitchFamily="18" charset="0"/>
+                      </a:endParaRPr>
+                    </a:p>
+                  </a:txBody>
+                  <a:tcPr marL="68580" marR="68580" marT="0" marB="0"/>
+                </a:tc>
+                <a:tc>
+                  <a:txBody>
+                    <a:bodyPr/>
+                    <a:lstStyle/>
+                    <a:p>
+                      <a:pPr indent="450215" algn="ctr">
+                        <a:lnSpc>
+                          <a:spcPts val="1800"/>
+                        </a:lnSpc>
+                        <a:spcAft>
+                          <a:spcPts val="0"/>
+                        </a:spcAft>
+                      </a:pPr>
+                      <a:r>
+                        <a:rPr lang="ru-RU" sz="1800" dirty="0">
+                          <a:effectLst/>
+                          <a:latin typeface="Times New Roman" panose="02020603050405020304" pitchFamily="18" charset="0"/>
+                          <a:cs typeface="Times New Roman" panose="02020603050405020304" pitchFamily="18" charset="0"/>
+                        </a:rPr>
+                        <a:t>188 Кбайт</a:t>
+                      </a:r>
+                      <a:endParaRPr lang="ru-RU" sz="1800" dirty="0">
+                        <a:effectLst/>
+                        <a:latin typeface="Times New Roman" panose="02020603050405020304" pitchFamily="18" charset="0"/>
+                        <a:ea typeface="Calibri" panose="020F0502020204030204" pitchFamily="34" charset="0"/>
+                        <a:cs typeface="Times New Roman" panose="02020603050405020304" pitchFamily="18" charset="0"/>
+                      </a:endParaRPr>
+                    </a:p>
+                  </a:txBody>
+                  <a:tcPr marL="68580" marR="68580" marT="0" marB="0"/>
+                </a:tc>
+                <a:extLst>
+                  <a:ext uri="{0D108BD9-81ED-4DB2-BD59-A6C34878D82A}">
+                    <a16:rowId xmlns:a16="http://schemas.microsoft.com/office/drawing/2014/main" val="4075385997"/>
+                  </a:ext>
+                </a:extLst>
+              </a:tr>
+            </a:tbl>
+          </a:graphicData>
+        </a:graphic>
+      </p:graphicFrame>
+      <p:sp>
+        <p:nvSpPr>
+          <p:cNvPr id="6" name="TextBox 5"/>
+          <p:cNvSpPr txBox="1"/>
+          <p:nvPr/>
+        </p:nvSpPr>
+        <p:spPr>
+          <a:xfrm>
+            <a:off x="5294813" y="1830680"/>
+            <a:ext cx="2490650" cy="461665"/>
+          </a:xfrm>
+          <a:prstGeom prst="rect">
+            <a:avLst/>
+          </a:prstGeom>
+          <a:noFill/>
+        </p:spPr>
+        <p:txBody>
+          <a:bodyPr wrap="square" rtlCol="0">
+            <a:spAutoFit/>
+          </a:bodyPr>
+          <a:lstStyle/>
+          <a:p>
+            <a:pPr algn="ctr"/>
+            <a:r>
+              <a:rPr lang="ru-RU" sz="2400" dirty="0" smtClean="0">
+                <a:latin typeface="Times New Roman" panose="02020603050405020304" pitchFamily="18" charset="0"/>
+                <a:cs typeface="Times New Roman" panose="02020603050405020304" pitchFamily="18" charset="0"/>
+              </a:rPr>
+              <a:t>Веб-приложения</a:t>
+            </a:r>
+            <a:endParaRPr lang="ru-RU" sz="2400" dirty="0">
+              <a:latin typeface="Times New Roman" panose="02020603050405020304" pitchFamily="18" charset="0"/>
+              <a:cs typeface="Times New Roman" panose="02020603050405020304" pitchFamily="18" charset="0"/>
+            </a:endParaRPr>
+          </a:p>
+        </p:txBody>
+      </p:sp>
+      <p:sp>
+        <p:nvSpPr>
+          <p:cNvPr id="18" name="TextBox 17"/>
+          <p:cNvSpPr txBox="1"/>
+          <p:nvPr/>
+        </p:nvSpPr>
+        <p:spPr>
+          <a:xfrm>
+            <a:off x="4772297" y="4243975"/>
+            <a:ext cx="3570514" cy="461665"/>
+          </a:xfrm>
+          <a:prstGeom prst="rect">
+            <a:avLst/>
+          </a:prstGeom>
+          <a:noFill/>
+        </p:spPr>
+        <p:txBody>
+          <a:bodyPr wrap="square" rtlCol="0">
+            <a:spAutoFit/>
+          </a:bodyPr>
+          <a:lstStyle/>
+          <a:p>
+            <a:pPr algn="ctr"/>
+            <a:r>
+              <a:rPr lang="en-US" sz="2400" dirty="0" err="1" smtClean="0">
+                <a:latin typeface="Times New Roman" panose="02020603050405020304" pitchFamily="18" charset="0"/>
+                <a:cs typeface="Times New Roman" panose="02020603050405020304" pitchFamily="18" charset="0"/>
+              </a:rPr>
+              <a:t>Anroid</a:t>
+            </a:r>
+            <a:r>
+              <a:rPr lang="ru-RU" sz="2400" dirty="0" smtClean="0">
+                <a:latin typeface="Times New Roman" panose="02020603050405020304" pitchFamily="18" charset="0"/>
+                <a:cs typeface="Times New Roman" panose="02020603050405020304" pitchFamily="18" charset="0"/>
+              </a:rPr>
+              <a:t>-приложения</a:t>
+            </a:r>
+            <a:endParaRPr lang="ru-RU" sz="2400" dirty="0">
+              <a:latin typeface="Times New Roman" panose="02020603050405020304" pitchFamily="18" charset="0"/>
+              <a:cs typeface="Times New Roman" panose="02020603050405020304" pitchFamily="18" charset="0"/>
+            </a:endParaRPr>
+          </a:p>
+        </p:txBody>
+      </p:sp>
     </p:spTree>
     <p:extLst>
       <p:ext uri="{BB962C8B-B14F-4D97-AF65-F5344CB8AC3E}">
-        <p14:creationId xmlns:p14="http://schemas.microsoft.com/office/powerpoint/2010/main" val="2824293973"/>
+        <p14:creationId xmlns:p14="http://schemas.microsoft.com/office/powerpoint/2010/main" val="296768523"/>
       </p:ext>
     </p:extLst>
   </p:cSld>
@@ -11043,20 +16159,16 @@
           </a:xfrm>
         </p:spPr>
         <p:txBody>
-          <a:bodyPr anchor="ctr"/>
+          <a:bodyPr anchor="ctr">
+            <a:normAutofit fontScale="90000"/>
+          </a:bodyPr>
           <a:lstStyle/>
           <a:p>
-            <a:r>
-              <a:rPr lang="ru-RU" altLang="ru-RU" sz="3600" dirty="0">
-                <a:latin typeface="Times New Roman" panose="02020603050405020304" pitchFamily="18" charset="0"/>
-              </a:rPr>
-              <a:t>Минусы </a:t>
-            </a:r>
             <a:r>
               <a:rPr lang="ru-RU" altLang="ru-RU" sz="3600" dirty="0" smtClean="0">
                 <a:latin typeface="Times New Roman" panose="02020603050405020304" pitchFamily="18" charset="0"/>
               </a:rPr>
-              <a:t>ПВП</a:t>
+              <a:t>Возможности выбранных приложений</a:t>
             </a:r>
             <a:endParaRPr lang="ru-RU" altLang="ru-RU" sz="3600" dirty="0">
               <a:latin typeface="Times New Roman" panose="02020603050405020304" pitchFamily="18" charset="0"/>
@@ -11092,31 +16204,7 @@
               <a:rPr lang="ru-RU" altLang="ru-RU" sz="2000" dirty="0">
                 <a:latin typeface="Times New Roman" panose="02020603050405020304" pitchFamily="18" charset="0"/>
               </a:rPr>
-              <a:t>Полностью поддерживается только в </a:t>
-            </a:r>
-            <a:r>
-              <a:rPr lang="ru-RU" altLang="ru-RU" sz="2000" dirty="0" err="1">
-                <a:latin typeface="Times New Roman" panose="02020603050405020304" pitchFamily="18" charset="0"/>
-              </a:rPr>
-              <a:t>Chrome</a:t>
-            </a:r>
-            <a:r>
-              <a:rPr lang="ru-RU" altLang="ru-RU" sz="2000" dirty="0">
-                <a:latin typeface="Times New Roman" panose="02020603050405020304" pitchFamily="18" charset="0"/>
-              </a:rPr>
-              <a:t>, </a:t>
-            </a:r>
-            <a:r>
-              <a:rPr lang="ru-RU" altLang="ru-RU" sz="2000" dirty="0" err="1">
-                <a:latin typeface="Times New Roman" panose="02020603050405020304" pitchFamily="18" charset="0"/>
-              </a:rPr>
-              <a:t>Chrome</a:t>
-            </a:r>
-            <a:r>
-              <a:rPr lang="ru-RU" altLang="ru-RU" sz="2000" dirty="0">
-                <a:latin typeface="Times New Roman" panose="02020603050405020304" pitchFamily="18" charset="0"/>
-              </a:rPr>
-              <a:t> for android</a:t>
+              <a:t>Регистрация и авторизация</a:t>
             </a:r>
           </a:p>
           <a:p>
@@ -11128,8 +16216,107 @@
               <a:rPr lang="ru-RU" altLang="ru-RU" sz="2000" dirty="0">
                 <a:latin typeface="Times New Roman" panose="02020603050405020304" pitchFamily="18" charset="0"/>
               </a:rPr>
-              <a:t>Нет всех возможностей мобильных приложений</a:t>
-            </a:r>
+              <a:t>Редактирование </a:t>
+            </a:r>
+            <a:r>
+              <a:rPr lang="ru-RU" altLang="ru-RU" sz="2000" dirty="0" smtClean="0">
+                <a:latin typeface="Times New Roman" panose="02020603050405020304" pitchFamily="18" charset="0"/>
+              </a:rPr>
+              <a:t>задач</a:t>
+            </a:r>
+          </a:p>
+          <a:p>
+            <a:pPr marL="609600" indent="-609600" algn="l">
+              <a:buFontTx/>
+              <a:buChar char="•"/>
+            </a:pPr>
+            <a:r>
+              <a:rPr lang="ru-RU" altLang="ru-RU" sz="2000" dirty="0" smtClean="0">
+                <a:latin typeface="Times New Roman" panose="02020603050405020304" pitchFamily="18" charset="0"/>
+              </a:rPr>
+              <a:t>Редактирование подзадач</a:t>
+            </a:r>
+            <a:endParaRPr lang="ru-RU" altLang="ru-RU" sz="2000" dirty="0">
+              <a:latin typeface="Times New Roman" panose="02020603050405020304" pitchFamily="18" charset="0"/>
+            </a:endParaRPr>
+          </a:p>
+          <a:p>
+            <a:pPr marL="609600" indent="-609600" algn="l">
+              <a:buFontTx/>
+              <a:buChar char="•"/>
+            </a:pPr>
+            <a:r>
+              <a:rPr lang="ru-RU" altLang="ru-RU" sz="2000" dirty="0">
+                <a:latin typeface="Times New Roman" panose="02020603050405020304" pitchFamily="18" charset="0"/>
+              </a:rPr>
+              <a:t>Редактирование меток к задачам</a:t>
+            </a:r>
+          </a:p>
+          <a:p>
+            <a:pPr marL="609600" indent="-609600" algn="l">
+              <a:buFontTx/>
+              <a:buChar char="•"/>
+            </a:pPr>
+            <a:r>
+              <a:rPr lang="ru-RU" altLang="ru-RU" sz="2000" dirty="0">
+                <a:latin typeface="Times New Roman" panose="02020603050405020304" pitchFamily="18" charset="0"/>
+              </a:rPr>
+              <a:t>Редактирование сроков выполнения </a:t>
+            </a:r>
+            <a:r>
+              <a:rPr lang="ru-RU" altLang="ru-RU" sz="2000" dirty="0" smtClean="0">
+                <a:latin typeface="Times New Roman" panose="02020603050405020304" pitchFamily="18" charset="0"/>
+              </a:rPr>
+              <a:t>задач</a:t>
+            </a:r>
+            <a:endParaRPr lang="ru-RU" altLang="ru-RU" sz="2000" dirty="0">
+              <a:latin typeface="Times New Roman" panose="02020603050405020304" pitchFamily="18" charset="0"/>
+            </a:endParaRPr>
+          </a:p>
+          <a:p>
+            <a:pPr marL="609600" indent="-609600" algn="l">
+              <a:buFontTx/>
+              <a:buChar char="•"/>
+            </a:pPr>
+            <a:r>
+              <a:rPr lang="ru-RU" altLang="ru-RU" sz="2000" dirty="0">
+                <a:latin typeface="Times New Roman" panose="02020603050405020304" pitchFamily="18" charset="0"/>
+              </a:rPr>
+              <a:t>Сортировка по срокам выполнения </a:t>
+            </a:r>
+            <a:r>
+              <a:rPr lang="ru-RU" altLang="ru-RU" sz="2000" dirty="0" smtClean="0">
+                <a:latin typeface="Times New Roman" panose="02020603050405020304" pitchFamily="18" charset="0"/>
+              </a:rPr>
+              <a:t>задач</a:t>
+            </a:r>
+          </a:p>
+          <a:p>
+            <a:pPr marL="609600" indent="-609600" algn="l">
+              <a:buFontTx/>
+              <a:buChar char="•"/>
+            </a:pPr>
+            <a:r>
+              <a:rPr lang="ru-RU" altLang="ru-RU" sz="2000" dirty="0" smtClean="0">
+                <a:latin typeface="Times New Roman" panose="02020603050405020304" pitchFamily="18" charset="0"/>
+              </a:rPr>
+              <a:t>Добавление комментариев к задачам</a:t>
+            </a:r>
+          </a:p>
+          <a:p>
+            <a:pPr marL="609600" indent="-609600" algn="l">
+              <a:buFontTx/>
+              <a:buChar char="•"/>
+            </a:pPr>
+            <a:r>
+              <a:rPr lang="ru-RU" altLang="ru-RU" sz="2000" dirty="0" smtClean="0">
+                <a:latin typeface="Times New Roman" panose="02020603050405020304" pitchFamily="18" charset="0"/>
+              </a:rPr>
+              <a:t>Создание списков задач</a:t>
+            </a:r>
+            <a:endParaRPr lang="ru-RU" altLang="ru-RU" sz="2000" dirty="0">
+              <a:latin typeface="Times New Roman" panose="02020603050405020304" pitchFamily="18" charset="0"/>
+            </a:endParaRPr>
           </a:p>
           <a:p>
             <a:pPr marL="609600" indent="-609600" algn="l">
@@ -11320,46 +16507,10 @@
           </a:p>
         </p:txBody>
       </p:sp>
-      <p:sp>
-        <p:nvSpPr>
-          <p:cNvPr id="9" name="TextBox 8"/>
-          <p:cNvSpPr txBox="1"/>
-          <p:nvPr/>
-        </p:nvSpPr>
-        <p:spPr>
-          <a:xfrm>
-            <a:off x="1828800" y="4239316"/>
-            <a:ext cx="7601312" cy="400110"/>
-          </a:xfrm>
-          <a:prstGeom prst="rect">
-            <a:avLst/>
-          </a:prstGeom>
-          <a:noFill/>
-        </p:spPr>
-        <p:txBody>
-          <a:bodyPr wrap="none" rtlCol="0">
-            <a:spAutoFit/>
-          </a:bodyPr>
-          <a:lstStyle/>
-          <a:p>
-            <a:r>
-              <a:rPr lang="ru-RU" sz="2000" dirty="0" smtClean="0">
-                <a:latin typeface="Times New Roman" panose="02020603050405020304" pitchFamily="18" charset="0"/>
-                <a:cs typeface="Times New Roman" panose="02020603050405020304" pitchFamily="18" charset="0"/>
-              </a:rPr>
-              <a:t>В других браузерах будет реализована поддержка в скором времени</a:t>
-            </a:r>
-            <a:endParaRPr lang="ru-RU" sz="2000" dirty="0">
-              <a:latin typeface="Times New Roman" panose="02020603050405020304" pitchFamily="18" charset="0"/>
-              <a:cs typeface="Times New Roman" panose="02020603050405020304" pitchFamily="18" charset="0"/>
-            </a:endParaRPr>
-          </a:p>
-        </p:txBody>
-      </p:sp>
     </p:spTree>
     <p:extLst>
       <p:ext uri="{BB962C8B-B14F-4D97-AF65-F5344CB8AC3E}">
-        <p14:creationId xmlns:p14="http://schemas.microsoft.com/office/powerpoint/2010/main" val="4009509182"/>
+        <p14:creationId xmlns:p14="http://schemas.microsoft.com/office/powerpoint/2010/main" val="2707144473"/>
       </p:ext>
     </p:extLst>
   </p:cSld>
@@ -11986,7 +17137,7 @@
               <a:rPr lang="ru-RU" altLang="ru-RU" sz="3600" dirty="0">
                 <a:latin typeface="Times New Roman" panose="02020603050405020304" pitchFamily="18" charset="0"/>
               </a:rPr>
-              <a:t>Архитектура</a:t>
+              <a:t>Приложение-ежедневник</a:t>
             </a:r>
           </a:p>
         </p:txBody>
@@ -12010,6 +17161,66 @@
         <p:txBody>
           <a:bodyPr/>
           <a:lstStyle/>
+          <a:p>
+            <a:pPr marL="609600" indent="-609600" algn="l">
+              <a:buFontTx/>
+              <a:buChar char="•"/>
+            </a:pPr>
+            <a:r>
+              <a:rPr lang="ru-RU" altLang="ru-RU" sz="2000" dirty="0">
+                <a:latin typeface="Times New Roman" panose="02020603050405020304" pitchFamily="18" charset="0"/>
+              </a:rPr>
+              <a:t>Регистрация и авторизация</a:t>
+            </a:r>
+          </a:p>
+          <a:p>
+            <a:pPr marL="609600" indent="-609600" algn="l">
+              <a:buFontTx/>
+              <a:buChar char="•"/>
+            </a:pPr>
+            <a:r>
+              <a:rPr lang="ru-RU" altLang="ru-RU" sz="2000" dirty="0">
+                <a:latin typeface="Times New Roman" panose="02020603050405020304" pitchFamily="18" charset="0"/>
+              </a:rPr>
+              <a:t>Редактирование задач</a:t>
+            </a:r>
+          </a:p>
+          <a:p>
+            <a:pPr marL="609600" indent="-609600" algn="l">
+              <a:buFontTx/>
+              <a:buChar char="•"/>
+            </a:pPr>
+            <a:r>
+              <a:rPr lang="ru-RU" altLang="ru-RU" sz="2000" dirty="0">
+                <a:latin typeface="Times New Roman" panose="02020603050405020304" pitchFamily="18" charset="0"/>
+              </a:rPr>
+              <a:t>Редактирование меток к задачам</a:t>
+            </a:r>
+          </a:p>
+          <a:p>
+            <a:pPr marL="609600" indent="-609600" algn="l">
+              <a:buFontTx/>
+              <a:buChar char="•"/>
+            </a:pPr>
+            <a:r>
+              <a:rPr lang="ru-RU" altLang="ru-RU" sz="2000" dirty="0">
+                <a:latin typeface="Times New Roman" panose="02020603050405020304" pitchFamily="18" charset="0"/>
+              </a:rPr>
+              <a:t>Редактирование сроков выполнения задач</a:t>
+            </a:r>
+          </a:p>
+          <a:p>
+            <a:pPr marL="609600" indent="-609600" algn="l">
+              <a:buFontTx/>
+              <a:buChar char="•"/>
+            </a:pPr>
+            <a:r>
+              <a:rPr lang="ru-RU" altLang="ru-RU" sz="2000" dirty="0">
+                <a:latin typeface="Times New Roman" panose="02020603050405020304" pitchFamily="18" charset="0"/>
+              </a:rPr>
+              <a:t>Сортировка по срокам выполнения задач</a:t>
+            </a:r>
+          </a:p>
           <a:p>
             <a:pPr marL="609600" indent="-609600" algn="l">
               <a:buFontTx/>
@@ -12202,7 +17413,7 @@
     </p:spTree>
     <p:extLst>
       <p:ext uri="{BB962C8B-B14F-4D97-AF65-F5344CB8AC3E}">
-        <p14:creationId xmlns:p14="http://schemas.microsoft.com/office/powerpoint/2010/main" val="932438031"/>
+        <p14:creationId xmlns:p14="http://schemas.microsoft.com/office/powerpoint/2010/main" val="2824293973"/>
       </p:ext>
     </p:extLst>
   </p:cSld>
@@ -12826,11 +18037,14 @@
           <a:lstStyle/>
           <a:p>
             <a:r>
-              <a:rPr lang="ru-RU" altLang="ru-RU" sz="3600" dirty="0">
+              <a:rPr lang="ru-RU" altLang="ru-RU" sz="3600" dirty="0" smtClean="0">
                 <a:latin typeface="Times New Roman" panose="02020603050405020304" pitchFamily="18" charset="0"/>
               </a:rPr>
-              <a:t>Результаты тестирования</a:t>
-            </a:r>
+              <a:t>Использованные технологии</a:t>
+            </a:r>
+            <a:endParaRPr lang="ru-RU" altLang="ru-RU" sz="3600" dirty="0">
+              <a:latin typeface="Times New Roman" panose="02020603050405020304" pitchFamily="18" charset="0"/>
+            </a:endParaRPr>
           </a:p>
         </p:txBody>
       </p:sp>
@@ -13001,7 +18215,7 @@
               </a:pPr>
               <a:t>8</a:t>
             </a:fld>
-            <a:endParaRPr lang="ru-RU" altLang="ru-RU" sz="1200" dirty="0">
+            <a:endParaRPr lang="ru-RU" altLang="ru-RU" sz="1200">
               <a:solidFill>
                 <a:srgbClr val="888888"/>
               </a:solidFill>
@@ -13012,425 +18226,174 @@
           </a:p>
         </p:txBody>
       </p:sp>
-      <p:graphicFrame>
-        <p:nvGraphicFramePr>
-          <p:cNvPr id="9" name="Объект 3"/>
-          <p:cNvGraphicFramePr>
-            <a:graphicFrameLocks/>
-          </p:cNvGraphicFramePr>
-          <p:nvPr>
-            <p:extLst>
-              <p:ext uri="{D42A27DB-BD31-4B8C-83A1-F6EECF244321}">
-                <p14:modId xmlns:p14="http://schemas.microsoft.com/office/powerpoint/2010/main" val="3340931260"/>
-              </p:ext>
-            </p:extLst>
-          </p:nvPr>
-        </p:nvGraphicFramePr>
-        <p:xfrm>
-          <a:off x="1524000" y="1825625"/>
-          <a:ext cx="8382000" cy="3672840"/>
-        </p:xfrm>
-        <a:graphic>
-          <a:graphicData uri="http://schemas.openxmlformats.org/drawingml/2006/table">
-            <a:tbl>
-              <a:tblPr firstRow="1" bandRow="1">
-                <a:tableStyleId>{2D5ABB26-0587-4C30-8999-92F81FD0307C}</a:tableStyleId>
-              </a:tblPr>
-              <a:tblGrid>
-                <a:gridCol w="3232638">
-                  <a:extLst>
-                    <a:ext uri="{9D8B030D-6E8A-4147-A177-3AD203B41FA5}">
-                      <a16:colId xmlns:a16="http://schemas.microsoft.com/office/drawing/2014/main" val="1576578613"/>
-                    </a:ext>
-                  </a:extLst>
-                </a:gridCol>
-                <a:gridCol w="2574681">
-                  <a:extLst>
-                    <a:ext uri="{9D8B030D-6E8A-4147-A177-3AD203B41FA5}">
-                      <a16:colId xmlns:a16="http://schemas.microsoft.com/office/drawing/2014/main" val="2330825327"/>
-                    </a:ext>
-                  </a:extLst>
-                </a:gridCol>
-                <a:gridCol w="2574681">
-                  <a:extLst>
-                    <a:ext uri="{9D8B030D-6E8A-4147-A177-3AD203B41FA5}">
-                      <a16:colId xmlns:a16="http://schemas.microsoft.com/office/drawing/2014/main" val="2768766376"/>
-                    </a:ext>
-                  </a:extLst>
-                </a:gridCol>
-              </a:tblGrid>
-              <a:tr h="370840">
-                <a:tc>
-                  <a:txBody>
-                    <a:bodyPr/>
-                    <a:lstStyle/>
-                    <a:p>
-                      <a:pPr algn="ctr"/>
-                      <a:endParaRPr lang="ru-RU" dirty="0"/>
-                    </a:p>
-                  </a:txBody>
-                  <a:tcPr/>
-                </a:tc>
-                <a:tc>
-                  <a:txBody>
-                    <a:bodyPr/>
-                    <a:lstStyle/>
-                    <a:p>
-                      <a:pPr algn="ctr"/>
-                      <a:r>
-                        <a:rPr lang="ru-RU" dirty="0" smtClean="0"/>
-                        <a:t>Веб-приложение</a:t>
-                      </a:r>
-                      <a:endParaRPr lang="ru-RU" dirty="0"/>
-                    </a:p>
-                  </a:txBody>
-                  <a:tcPr/>
-                </a:tc>
-                <a:tc>
-                  <a:txBody>
-                    <a:bodyPr/>
-                    <a:lstStyle/>
-                    <a:p>
-                      <a:pPr algn="ctr"/>
-                      <a:r>
-                        <a:rPr lang="ru-RU" dirty="0" smtClean="0"/>
-                        <a:t>Прогрессивное веб-приложение</a:t>
-                      </a:r>
-                      <a:endParaRPr lang="ru-RU" dirty="0"/>
-                    </a:p>
-                  </a:txBody>
-                  <a:tcPr/>
-                </a:tc>
-                <a:extLst>
-                  <a:ext uri="{0D108BD9-81ED-4DB2-BD59-A6C34878D82A}">
-                    <a16:rowId xmlns:a16="http://schemas.microsoft.com/office/drawing/2014/main" val="4267667118"/>
-                  </a:ext>
-                </a:extLst>
-              </a:tr>
-              <a:tr h="370840">
-                <a:tc>
-                  <a:txBody>
-                    <a:bodyPr/>
-                    <a:lstStyle/>
-                    <a:p>
-                      <a:pPr algn="ctr"/>
-                      <a:r>
-                        <a:rPr lang="ru-RU" dirty="0" smtClean="0"/>
-                        <a:t>Время</a:t>
-                      </a:r>
-                      <a:r>
-                        <a:rPr lang="ru-RU" baseline="0" dirty="0" smtClean="0"/>
-                        <a:t> первой загрузки</a:t>
-                      </a:r>
-                      <a:endParaRPr lang="ru-RU" dirty="0"/>
-                    </a:p>
-                  </a:txBody>
-                  <a:tcPr/>
-                </a:tc>
-                <a:tc>
-                  <a:txBody>
-                    <a:bodyPr/>
-                    <a:lstStyle/>
-                    <a:p>
-                      <a:pPr algn="ctr"/>
-                      <a:endParaRPr lang="ru-RU" dirty="0"/>
-                    </a:p>
-                  </a:txBody>
-                  <a:tcPr/>
-                </a:tc>
-                <a:tc>
-                  <a:txBody>
-                    <a:bodyPr/>
-                    <a:lstStyle/>
-                    <a:p>
-                      <a:pPr algn="ctr"/>
-                      <a:r>
-                        <a:rPr lang="ru-RU" dirty="0" smtClean="0"/>
-                        <a:t>0.51с</a:t>
-                      </a:r>
-                      <a:endParaRPr lang="ru-RU" dirty="0"/>
-                    </a:p>
-                  </a:txBody>
-                  <a:tcPr/>
-                </a:tc>
-                <a:extLst>
-                  <a:ext uri="{0D108BD9-81ED-4DB2-BD59-A6C34878D82A}">
-                    <a16:rowId xmlns:a16="http://schemas.microsoft.com/office/drawing/2014/main" val="3099195955"/>
-                  </a:ext>
-                </a:extLst>
-              </a:tr>
-              <a:tr h="370840">
-                <a:tc>
-                  <a:txBody>
-                    <a:bodyPr/>
-                    <a:lstStyle/>
-                    <a:p>
-                      <a:pPr algn="ctr"/>
-                      <a:r>
-                        <a:rPr lang="ru-RU" dirty="0" smtClean="0"/>
-                        <a:t>Объем</a:t>
-                      </a:r>
-                      <a:r>
-                        <a:rPr lang="ru-RU" baseline="0" dirty="0" smtClean="0"/>
-                        <a:t> данных при первой загрузке</a:t>
-                      </a:r>
-                      <a:endParaRPr lang="ru-RU" dirty="0"/>
-                    </a:p>
-                  </a:txBody>
-                  <a:tcPr/>
-                </a:tc>
-                <a:tc>
-                  <a:txBody>
-                    <a:bodyPr/>
-                    <a:lstStyle/>
-                    <a:p>
-                      <a:pPr algn="ctr"/>
-                      <a:endParaRPr lang="ru-RU" dirty="0"/>
-                    </a:p>
-                  </a:txBody>
-                  <a:tcPr/>
-                </a:tc>
-                <a:tc>
-                  <a:txBody>
-                    <a:bodyPr/>
-                    <a:lstStyle/>
-                    <a:p>
-                      <a:pPr algn="ctr"/>
-                      <a:endParaRPr lang="ru-RU" dirty="0"/>
-                    </a:p>
-                  </a:txBody>
-                  <a:tcPr/>
-                </a:tc>
-                <a:extLst>
-                  <a:ext uri="{0D108BD9-81ED-4DB2-BD59-A6C34878D82A}">
-                    <a16:rowId xmlns:a16="http://schemas.microsoft.com/office/drawing/2014/main" val="1298105542"/>
-                  </a:ext>
-                </a:extLst>
-              </a:tr>
-              <a:tr h="370840">
-                <a:tc>
-                  <a:txBody>
-                    <a:bodyPr/>
-                    <a:lstStyle/>
-                    <a:p>
-                      <a:pPr algn="ctr"/>
-                      <a:r>
-                        <a:rPr lang="ru-RU" dirty="0" smtClean="0"/>
-                        <a:t>Время</a:t>
-                      </a:r>
-                      <a:r>
-                        <a:rPr lang="ru-RU" baseline="0" dirty="0" smtClean="0"/>
-                        <a:t> повторной загрузки</a:t>
-                      </a:r>
-                      <a:endParaRPr lang="ru-RU" dirty="0"/>
-                    </a:p>
-                  </a:txBody>
-                  <a:tcPr/>
-                </a:tc>
-                <a:tc>
-                  <a:txBody>
-                    <a:bodyPr/>
-                    <a:lstStyle/>
-                    <a:p>
-                      <a:pPr algn="ctr"/>
-                      <a:endParaRPr lang="ru-RU" dirty="0"/>
-                    </a:p>
-                  </a:txBody>
-                  <a:tcPr/>
-                </a:tc>
-                <a:tc>
-                  <a:txBody>
-                    <a:bodyPr/>
-                    <a:lstStyle/>
-                    <a:p>
-                      <a:pPr algn="ctr"/>
-                      <a:r>
-                        <a:rPr lang="ru-RU" dirty="0" smtClean="0"/>
-                        <a:t>0</a:t>
-                      </a:r>
-                      <a:r>
-                        <a:rPr lang="en-US" dirty="0" smtClean="0"/>
-                        <a:t>,</a:t>
-                      </a:r>
-                      <a:r>
-                        <a:rPr lang="ru-RU" dirty="0" smtClean="0"/>
-                        <a:t>22с</a:t>
-                      </a:r>
-                      <a:endParaRPr lang="ru-RU" dirty="0"/>
-                    </a:p>
-                  </a:txBody>
-                  <a:tcPr/>
-                </a:tc>
-                <a:extLst>
-                  <a:ext uri="{0D108BD9-81ED-4DB2-BD59-A6C34878D82A}">
-                    <a16:rowId xmlns:a16="http://schemas.microsoft.com/office/drawing/2014/main" val="148870198"/>
-                  </a:ext>
-                </a:extLst>
-              </a:tr>
-              <a:tr h="370840">
-                <a:tc>
-                  <a:txBody>
-                    <a:bodyPr/>
-                    <a:lstStyle/>
-                    <a:p>
-                      <a:pPr algn="ctr"/>
-                      <a:r>
-                        <a:rPr lang="ru-RU" dirty="0" smtClean="0"/>
-                        <a:t>Объем данных при</a:t>
-                      </a:r>
-                      <a:r>
-                        <a:rPr lang="ru-RU" baseline="0" dirty="0" smtClean="0"/>
-                        <a:t> повторной загрузке</a:t>
-                      </a:r>
-                      <a:endParaRPr lang="ru-RU" dirty="0"/>
-                    </a:p>
-                  </a:txBody>
-                  <a:tcPr/>
-                </a:tc>
-                <a:tc>
-                  <a:txBody>
-                    <a:bodyPr/>
-                    <a:lstStyle/>
-                    <a:p>
-                      <a:pPr algn="ctr"/>
-                      <a:endParaRPr lang="ru-RU" dirty="0"/>
-                    </a:p>
-                  </a:txBody>
-                  <a:tcPr/>
-                </a:tc>
-                <a:tc>
-                  <a:txBody>
-                    <a:bodyPr/>
-                    <a:lstStyle/>
-                    <a:p>
-                      <a:pPr algn="ctr"/>
-                      <a:r>
-                        <a:rPr lang="ru-RU" dirty="0" smtClean="0"/>
-                        <a:t>0 байт</a:t>
-                      </a:r>
-                      <a:endParaRPr lang="ru-RU" dirty="0"/>
-                    </a:p>
-                  </a:txBody>
-                  <a:tcPr/>
-                </a:tc>
-                <a:extLst>
-                  <a:ext uri="{0D108BD9-81ED-4DB2-BD59-A6C34878D82A}">
-                    <a16:rowId xmlns:a16="http://schemas.microsoft.com/office/drawing/2014/main" val="2839300284"/>
-                  </a:ext>
-                </a:extLst>
-              </a:tr>
-              <a:tr h="370840">
-                <a:tc>
-                  <a:txBody>
-                    <a:bodyPr/>
-                    <a:lstStyle/>
-                    <a:p>
-                      <a:pPr algn="ctr"/>
-                      <a:r>
-                        <a:rPr lang="ru-RU" dirty="0" smtClean="0"/>
-                        <a:t>Время повторной загрузки </a:t>
-                      </a:r>
-                      <a:r>
-                        <a:rPr lang="en-US" dirty="0" smtClean="0"/>
-                        <a:t>3G</a:t>
-                      </a:r>
-                      <a:endParaRPr lang="ru-RU" dirty="0"/>
-                    </a:p>
-                  </a:txBody>
-                  <a:tcPr/>
-                </a:tc>
-                <a:tc>
-                  <a:txBody>
-                    <a:bodyPr/>
-                    <a:lstStyle/>
-                    <a:p>
-                      <a:pPr algn="ctr"/>
-                      <a:endParaRPr lang="ru-RU"/>
-                    </a:p>
-                  </a:txBody>
-                  <a:tcPr/>
-                </a:tc>
-                <a:tc>
-                  <a:txBody>
-                    <a:bodyPr/>
-                    <a:lstStyle/>
-                    <a:p>
-                      <a:pPr algn="ctr"/>
-                      <a:r>
-                        <a:rPr lang="en-US" dirty="0" smtClean="0"/>
-                        <a:t>0,22</a:t>
-                      </a:r>
-                      <a:r>
-                        <a:rPr lang="ru-RU" dirty="0" smtClean="0"/>
-                        <a:t>с</a:t>
-                      </a:r>
-                      <a:endParaRPr lang="ru-RU" dirty="0"/>
-                    </a:p>
-                  </a:txBody>
-                  <a:tcPr/>
-                </a:tc>
-                <a:extLst>
-                  <a:ext uri="{0D108BD9-81ED-4DB2-BD59-A6C34878D82A}">
-                    <a16:rowId xmlns:a16="http://schemas.microsoft.com/office/drawing/2014/main" val="1675098525"/>
-                  </a:ext>
-                </a:extLst>
-              </a:tr>
-              <a:tr h="370840">
-                <a:tc>
-                  <a:txBody>
-                    <a:bodyPr/>
-                    <a:lstStyle/>
-                    <a:p>
-                      <a:pPr algn="ctr"/>
-                      <a:r>
-                        <a:rPr lang="ru-RU" dirty="0" smtClean="0"/>
-                        <a:t>Время повторной загрузки без подключения к интернету</a:t>
-                      </a:r>
-                      <a:endParaRPr lang="ru-RU" dirty="0"/>
-                    </a:p>
-                  </a:txBody>
-                  <a:tcPr/>
-                </a:tc>
-                <a:tc>
-                  <a:txBody>
-                    <a:bodyPr/>
-                    <a:lstStyle/>
-                    <a:p>
-                      <a:pPr algn="ctr"/>
-                      <a:endParaRPr lang="ru-RU" dirty="0"/>
-                    </a:p>
-                  </a:txBody>
-                  <a:tcPr/>
-                </a:tc>
-                <a:tc>
-                  <a:txBody>
-                    <a:bodyPr/>
-                    <a:lstStyle/>
-                    <a:p>
-                      <a:pPr algn="ctr"/>
-                      <a:r>
-                        <a:rPr lang="ru-RU" dirty="0" smtClean="0"/>
-                        <a:t>0,22с</a:t>
-                      </a:r>
-                      <a:endParaRPr lang="ru-RU" dirty="0"/>
-                    </a:p>
-                  </a:txBody>
-                  <a:tcPr/>
-                </a:tc>
-                <a:extLst>
-                  <a:ext uri="{0D108BD9-81ED-4DB2-BD59-A6C34878D82A}">
-                    <a16:rowId xmlns:a16="http://schemas.microsoft.com/office/drawing/2014/main" val="2491900865"/>
-                  </a:ext>
-                </a:extLst>
-              </a:tr>
-            </a:tbl>
-          </a:graphicData>
-        </a:graphic>
-      </p:graphicFrame>
+      <p:pic>
+        <p:nvPicPr>
+          <p:cNvPr id="1026" name="Picture 2" descr="Картинки по запросу heroku"/>
+          <p:cNvPicPr>
+            <a:picLocks noChangeAspect="1" noChangeArrowheads="1"/>
+          </p:cNvPicPr>
+          <p:nvPr/>
+        </p:nvPicPr>
+        <p:blipFill>
+          <a:blip r:embed="rId3" cstate="print">
+            <a:extLst>
+              <a:ext uri="{28A0092B-C50C-407E-A947-70E740481C1C}">
+                <a14:useLocalDpi xmlns:a14="http://schemas.microsoft.com/office/drawing/2010/main" val="0"/>
+              </a:ext>
+            </a:extLst>
+          </a:blip>
+          <a:srcRect/>
+          <a:stretch>
+            <a:fillRect/>
+          </a:stretch>
+        </p:blipFill>
+        <p:spPr bwMode="auto">
+          <a:xfrm>
+            <a:off x="2777774" y="4309867"/>
+            <a:ext cx="2826452" cy="1193391"/>
+          </a:xfrm>
+          <a:prstGeom prst="rect">
+            <a:avLst/>
+          </a:prstGeom>
+          <a:noFill/>
+          <a:extLst>
+            <a:ext uri="{909E8E84-426E-40DD-AFC4-6F175D3DCCD1}">
+              <a14:hiddenFill xmlns:a14="http://schemas.microsoft.com/office/drawing/2010/main">
+                <a:solidFill>
+                  <a:srgbClr val="FFFFFF"/>
+                </a:solidFill>
+              </a14:hiddenFill>
+            </a:ext>
+          </a:extLst>
+        </p:spPr>
+      </p:pic>
+      <p:pic>
+        <p:nvPicPr>
+          <p:cNvPr id="1030" name="Picture 6" descr="Картинки по запросу express js"/>
+          <p:cNvPicPr>
+            <a:picLocks noChangeAspect="1" noChangeArrowheads="1"/>
+          </p:cNvPicPr>
+          <p:nvPr/>
+        </p:nvPicPr>
+        <p:blipFill>
+          <a:blip r:embed="rId4">
+            <a:extLst>
+              <a:ext uri="{28A0092B-C50C-407E-A947-70E740481C1C}">
+                <a14:useLocalDpi xmlns:a14="http://schemas.microsoft.com/office/drawing/2010/main" val="0"/>
+              </a:ext>
+            </a:extLst>
+          </a:blip>
+          <a:srcRect/>
+          <a:stretch>
+            <a:fillRect/>
+          </a:stretch>
+        </p:blipFill>
+        <p:spPr bwMode="auto">
+          <a:xfrm>
+            <a:off x="2364785" y="1991384"/>
+            <a:ext cx="3084014" cy="2056009"/>
+          </a:xfrm>
+          <a:prstGeom prst="rect">
+            <a:avLst/>
+          </a:prstGeom>
+          <a:noFill/>
+          <a:extLst>
+            <a:ext uri="{909E8E84-426E-40DD-AFC4-6F175D3DCCD1}">
+              <a14:hiddenFill xmlns:a14="http://schemas.microsoft.com/office/drawing/2010/main">
+                <a:solidFill>
+                  <a:srgbClr val="FFFFFF"/>
+                </a:solidFill>
+              </a14:hiddenFill>
+            </a:ext>
+          </a:extLst>
+        </p:spPr>
+      </p:pic>
+      <p:pic>
+        <p:nvPicPr>
+          <p:cNvPr id="1032" name="Picture 8" descr="Картинки по запросу jquery"/>
+          <p:cNvPicPr>
+            <a:picLocks noChangeAspect="1" noChangeArrowheads="1"/>
+          </p:cNvPicPr>
+          <p:nvPr/>
+        </p:nvPicPr>
+        <p:blipFill>
+          <a:blip r:embed="rId5" cstate="print">
+            <a:extLst>
+              <a:ext uri="{28A0092B-C50C-407E-A947-70E740481C1C}">
+                <a14:useLocalDpi xmlns:a14="http://schemas.microsoft.com/office/drawing/2010/main" val="0"/>
+              </a:ext>
+            </a:extLst>
+          </a:blip>
+          <a:srcRect/>
+          <a:stretch>
+            <a:fillRect/>
+          </a:stretch>
+        </p:blipFill>
+        <p:spPr bwMode="auto">
+          <a:xfrm>
+            <a:off x="7317377" y="1991384"/>
+            <a:ext cx="1872342" cy="1872342"/>
+          </a:xfrm>
+          <a:prstGeom prst="rect">
+            <a:avLst/>
+          </a:prstGeom>
+          <a:noFill/>
+          <a:extLst>
+            <a:ext uri="{909E8E84-426E-40DD-AFC4-6F175D3DCCD1}">
+              <a14:hiddenFill xmlns:a14="http://schemas.microsoft.com/office/drawing/2010/main">
+                <a:solidFill>
+                  <a:srgbClr val="FFFFFF"/>
+                </a:solidFill>
+              </a14:hiddenFill>
+            </a:ext>
+          </a:extLst>
+        </p:spPr>
+      </p:pic>
+      <p:pic>
+        <p:nvPicPr>
+          <p:cNvPr id="1034" name="Picture 10" descr="Картинки по запросу https ssl"/>
+          <p:cNvPicPr>
+            <a:picLocks noChangeAspect="1" noChangeArrowheads="1"/>
+          </p:cNvPicPr>
+          <p:nvPr/>
+        </p:nvPicPr>
+        <p:blipFill>
+          <a:blip r:embed="rId6" cstate="print">
+            <a:extLst>
+              <a:ext uri="{28A0092B-C50C-407E-A947-70E740481C1C}">
+                <a14:useLocalDpi xmlns:a14="http://schemas.microsoft.com/office/drawing/2010/main" val="0"/>
+              </a:ext>
+            </a:extLst>
+          </a:blip>
+          <a:srcRect/>
+          <a:stretch>
+            <a:fillRect/>
+          </a:stretch>
+        </p:blipFill>
+        <p:spPr bwMode="auto">
+          <a:xfrm>
+            <a:off x="6776266" y="4281923"/>
+            <a:ext cx="2639876" cy="1319938"/>
+          </a:xfrm>
+          <a:prstGeom prst="rect">
+            <a:avLst/>
+          </a:prstGeom>
+          <a:noFill/>
+          <a:extLst>
+            <a:ext uri="{909E8E84-426E-40DD-AFC4-6F175D3DCCD1}">
+              <a14:hiddenFill xmlns:a14="http://schemas.microsoft.com/office/drawing/2010/main">
+                <a:solidFill>
+                  <a:srgbClr val="FFFFFF"/>
+                </a:solidFill>
+              </a14:hiddenFill>
+            </a:ext>
+          </a:extLst>
+        </p:spPr>
+      </p:pic>
     </p:spTree>
     <p:extLst>
       <p:ext uri="{BB962C8B-B14F-4D97-AF65-F5344CB8AC3E}">
-        <p14:creationId xmlns:p14="http://schemas.microsoft.com/office/powerpoint/2010/main" val="1894094456"/>
+        <p14:creationId xmlns:p14="http://schemas.microsoft.com/office/powerpoint/2010/main" val="2445710074"/>
       </p:ext>
     </p:extLst>
   </p:cSld>
@@ -14050,15 +19013,20 @@
           </a:xfrm>
         </p:spPr>
         <p:txBody>
-          <a:bodyPr anchor="ctr"/>
+          <a:bodyPr anchor="ctr">
+            <a:normAutofit fontScale="90000"/>
+          </a:bodyPr>
           <a:lstStyle/>
           <a:p>
             <a:r>
-              <a:rPr lang="ru-RU" altLang="ru-RU" sz="3600" dirty="0">
+              <a:rPr lang="ru-RU" altLang="ru-RU" sz="3600" dirty="0" smtClean="0">
                 <a:latin typeface="Times New Roman" panose="02020603050405020304" pitchFamily="18" charset="0"/>
               </a:rPr>
-              <a:t>Ссылка на приложение</a:t>
-            </a:r>
+              <a:t>Минусы прогрессивных веб-приложений</a:t>
+            </a:r>
+            <a:endParaRPr lang="ru-RU" altLang="ru-RU" sz="3600" dirty="0">
+              <a:latin typeface="Times New Roman" panose="02020603050405020304" pitchFamily="18" charset="0"/>
+            </a:endParaRPr>
           </a:p>
         </p:txBody>
       </p:sp>
@@ -14086,37 +19054,47 @@
               <a:buFontTx/>
               <a:buChar char="•"/>
             </a:pPr>
-            <a:endParaRPr lang="en-US" altLang="ru-RU" sz="2000" dirty="0" smtClean="0">
-              <a:latin typeface="Times New Roman" panose="02020603050405020304" pitchFamily="18" charset="0"/>
-            </a:endParaRPr>
+            <a:r>
+              <a:rPr lang="ru-RU" altLang="ru-RU" sz="2000" dirty="0">
+                <a:latin typeface="Times New Roman" panose="02020603050405020304" pitchFamily="18" charset="0"/>
+              </a:rPr>
+              <a:t>Полностью поддерживается только в </a:t>
+            </a:r>
+            <a:r>
+              <a:rPr lang="ru-RU" altLang="ru-RU" sz="2000" dirty="0" err="1">
+                <a:latin typeface="Times New Roman" panose="02020603050405020304" pitchFamily="18" charset="0"/>
+              </a:rPr>
+              <a:t>Chrome</a:t>
+            </a:r>
+            <a:r>
+              <a:rPr lang="ru-RU" altLang="ru-RU" sz="2000" dirty="0">
+                <a:latin typeface="Times New Roman" panose="02020603050405020304" pitchFamily="18" charset="0"/>
+              </a:rPr>
+              <a:t>, </a:t>
+            </a:r>
+            <a:r>
+              <a:rPr lang="ru-RU" altLang="ru-RU" sz="2000" dirty="0" err="1">
+                <a:latin typeface="Times New Roman" panose="02020603050405020304" pitchFamily="18" charset="0"/>
+              </a:rPr>
+              <a:t>Chrome</a:t>
+            </a:r>
+            <a:r>
+              <a:rPr lang="ru-RU" altLang="ru-RU" sz="2000" dirty="0">
+                <a:latin typeface="Times New Roman" panose="02020603050405020304" pitchFamily="18" charset="0"/>
+              </a:rPr>
+              <a:t> for android</a:t>
+            </a:r>
           </a:p>
           <a:p>
             <a:pPr marL="609600" indent="-609600" algn="l">
               <a:buFontTx/>
               <a:buChar char="•"/>
             </a:pPr>
-            <a:endParaRPr lang="en-US" altLang="ru-RU" sz="2000" dirty="0">
-              <a:latin typeface="Times New Roman" panose="02020603050405020304" pitchFamily="18" charset="0"/>
-            </a:endParaRPr>
-          </a:p>
-          <a:p>
-            <a:pPr marL="609600" indent="-609600" algn="l">
-              <a:buFontTx/>
-              <a:buChar char="•"/>
-            </a:pPr>
-            <a:endParaRPr lang="en-US" altLang="ru-RU" sz="2000" dirty="0" smtClean="0">
-              <a:latin typeface="Times New Roman" panose="02020603050405020304" pitchFamily="18" charset="0"/>
-            </a:endParaRPr>
-          </a:p>
-          <a:p>
-            <a:r>
-              <a:rPr lang="en-US" altLang="ru-RU" sz="2800" u="sng" dirty="0">
-                <a:solidFill>
-                  <a:srgbClr val="0070C0"/>
-                </a:solidFill>
+            <a:r>
+              <a:rPr lang="ru-RU" altLang="ru-RU" sz="2000" dirty="0">
                 <a:latin typeface="Times New Roman" panose="02020603050405020304" pitchFamily="18" charset="0"/>
               </a:rPr>
-              <a:t>https://todo-pwa.herokuapp.com</a:t>
+              <a:t>Нет всех возможностей мобильных приложений</a:t>
             </a:r>
           </a:p>
           <a:p>
@@ -14308,10 +19286,46 @@
           </a:p>
         </p:txBody>
       </p:sp>
+      <p:sp>
+        <p:nvSpPr>
+          <p:cNvPr id="9" name="TextBox 8"/>
+          <p:cNvSpPr txBox="1"/>
+          <p:nvPr/>
+        </p:nvSpPr>
+        <p:spPr>
+          <a:xfrm>
+            <a:off x="1828800" y="4239316"/>
+            <a:ext cx="7601312" cy="400110"/>
+          </a:xfrm>
+          <a:prstGeom prst="rect">
+            <a:avLst/>
+          </a:prstGeom>
+          <a:noFill/>
+        </p:spPr>
+        <p:txBody>
+          <a:bodyPr wrap="none" rtlCol="0">
+            <a:spAutoFit/>
+          </a:bodyPr>
+          <a:lstStyle/>
+          <a:p>
+            <a:r>
+              <a:rPr lang="ru-RU" sz="2000" dirty="0" smtClean="0">
+                <a:latin typeface="Times New Roman" panose="02020603050405020304" pitchFamily="18" charset="0"/>
+                <a:cs typeface="Times New Roman" panose="02020603050405020304" pitchFamily="18" charset="0"/>
+              </a:rPr>
+              <a:t>В других браузерах будет реализована поддержка в скором времени</a:t>
+            </a:r>
+            <a:endParaRPr lang="ru-RU" sz="2000" dirty="0">
+              <a:latin typeface="Times New Roman" panose="02020603050405020304" pitchFamily="18" charset="0"/>
+              <a:cs typeface="Times New Roman" panose="02020603050405020304" pitchFamily="18" charset="0"/>
+            </a:endParaRPr>
+          </a:p>
+        </p:txBody>
+      </p:sp>
     </p:spTree>
     <p:extLst>
       <p:ext uri="{BB962C8B-B14F-4D97-AF65-F5344CB8AC3E}">
-        <p14:creationId xmlns:p14="http://schemas.microsoft.com/office/powerpoint/2010/main" val="2768526645"/>
+        <p14:creationId xmlns:p14="http://schemas.microsoft.com/office/powerpoint/2010/main" val="4009509182"/>
       </p:ext>
     </p:extLst>
   </p:cSld>
